--- a/lectures/p-10-seven-sins-of-regression.pptx
+++ b/lectures/p-10-seven-sins-of-regression.pptx
@@ -5,10 +5,10 @@
     <p:sldMasterId id="2147483648" r:id="rId1"/>
   </p:sldMasterIdLst>
   <p:notesMasterIdLst>
-    <p:notesMasterId r:id="rId25"/>
+    <p:notesMasterId r:id="rId26"/>
   </p:notesMasterIdLst>
   <p:handoutMasterIdLst>
-    <p:handoutMasterId r:id="rId26"/>
+    <p:handoutMasterId r:id="rId27"/>
   </p:handoutMasterIdLst>
   <p:sldIdLst>
     <p:sldId id="256" r:id="rId2"/>
@@ -24,16 +24,17 @@
     <p:sldId id="266" r:id="rId12"/>
     <p:sldId id="267" r:id="rId13"/>
     <p:sldId id="268" r:id="rId14"/>
-    <p:sldId id="269" r:id="rId15"/>
-    <p:sldId id="270" r:id="rId16"/>
-    <p:sldId id="271" r:id="rId17"/>
-    <p:sldId id="272" r:id="rId18"/>
-    <p:sldId id="273" r:id="rId19"/>
-    <p:sldId id="274" r:id="rId20"/>
-    <p:sldId id="275" r:id="rId21"/>
-    <p:sldId id="276" r:id="rId22"/>
-    <p:sldId id="278" r:id="rId23"/>
-    <p:sldId id="277" r:id="rId24"/>
+    <p:sldId id="279" r:id="rId15"/>
+    <p:sldId id="269" r:id="rId16"/>
+    <p:sldId id="270" r:id="rId17"/>
+    <p:sldId id="271" r:id="rId18"/>
+    <p:sldId id="272" r:id="rId19"/>
+    <p:sldId id="273" r:id="rId20"/>
+    <p:sldId id="274" r:id="rId21"/>
+    <p:sldId id="275" r:id="rId22"/>
+    <p:sldId id="276" r:id="rId23"/>
+    <p:sldId id="278" r:id="rId24"/>
+    <p:sldId id="277" r:id="rId25"/>
   </p:sldIdLst>
   <p:sldSz cx="7772400" cy="10058400"/>
   <p:notesSz cx="9296400" cy="7010400"/>
@@ -815,7 +816,7 @@
           <a:p>
             <a:fld id="{8EA9A59D-E851-4DD2-B7F9-A94B7FB17BBB}" type="slidenum">
               <a:rPr lang="en-US" smtClean="0"/>
-              <a:t>21</a:t>
+              <a:t>22</a:t>
             </a:fld>
             <a:endParaRPr lang="en-US"/>
           </a:p>
@@ -899,7 +900,7 @@
           <a:p>
             <a:fld id="{8EA9A59D-E851-4DD2-B7F9-A94B7FB17BBB}" type="slidenum">
               <a:rPr lang="en-US" smtClean="0"/>
-              <a:t>22</a:t>
+              <a:t>23</a:t>
             </a:fld>
             <a:endParaRPr lang="en-US"/>
           </a:p>
@@ -5555,12 +5556,18 @@
       </p:grpSpPr>
       <p:sp>
         <p:nvSpPr>
-          <p:cNvPr id="2" name="Title 1"/>
+          <p:cNvPr id="2" name="Slide Number Placeholder 1">
+            <a:extLst>
+              <a:ext uri="{FF2B5EF4-FFF2-40B4-BE49-F238E27FC236}">
+                <a16:creationId xmlns:a16="http://schemas.microsoft.com/office/drawing/2014/main" id="{42848D85-EDD6-42B7-BB5E-FB9B076889C0}"/>
+              </a:ext>
+            </a:extLst>
+          </p:cNvPr>
           <p:cNvSpPr>
             <a:spLocks noGrp="1"/>
           </p:cNvSpPr>
           <p:nvPr>
-            <p:ph type="title"/>
+            <p:ph type="sldNum" sz="quarter" idx="12"/>
           </p:nvPr>
         </p:nvSpPr>
         <p:spPr/>
@@ -5568,23 +5575,37 @@
           <a:bodyPr/>
           <a:lstStyle/>
           <a:p>
-            <a:r>
-              <a:rPr lang="en-US" dirty="0"/>
-              <a:t>Cross-Section Variation</a:t>
-            </a:r>
+            <a:fld id="{8A2A4A19-B384-42F8-8C0D-94C30AAB39F2}" type="slidenum">
+              <a:rPr lang="en-US" smtClean="0"/>
+              <a:pPr/>
+              <a:t>14</a:t>
+            </a:fld>
+            <a:endParaRPr lang="en-US"/>
           </a:p>
         </p:txBody>
       </p:sp>
       <p:pic>
         <p:nvPicPr>
-          <p:cNvPr id="1026" name="Picture 2"/>
+          <p:cNvPr id="57346" name="Picture 2" descr="https://ds4ps.org/PROG-EVAL-III/panel-model-selection_files/figure-html/unnamed-chunk-5-1.png">
+            <a:extLst>
+              <a:ext uri="{FF2B5EF4-FFF2-40B4-BE49-F238E27FC236}">
+                <a16:creationId xmlns:a16="http://schemas.microsoft.com/office/drawing/2014/main" id="{D2D8198E-BD95-463E-AB47-1EF05FA21D3F}"/>
+              </a:ext>
+            </a:extLst>
+          </p:cNvPr>
           <p:cNvPicPr>
             <a:picLocks noChangeAspect="1" noChangeArrowheads="1"/>
           </p:cNvPicPr>
           <p:nvPr/>
         </p:nvPicPr>
         <p:blipFill>
-          <a:blip r:embed="rId2" cstate="print"/>
+          <a:blip r:embed="rId2" cstate="print">
+            <a:extLst>
+              <a:ext uri="{28A0092B-C50C-407E-A947-70E740481C1C}">
+                <a14:useLocalDpi xmlns:a14="http://schemas.microsoft.com/office/drawing/2010/main" val="0"/>
+              </a:ext>
+            </a:extLst>
+          </a:blip>
           <a:srcRect/>
           <a:stretch>
             <a:fillRect/>
@@ -5592,49 +5613,75 @@
         </p:blipFill>
         <p:spPr bwMode="auto">
           <a:xfrm>
-            <a:off x="1101091" y="3474720"/>
-            <a:ext cx="5092541" cy="4080510"/>
+            <a:off x="0" y="2057400"/>
+            <a:ext cx="7772400" cy="2776537"/>
           </a:xfrm>
           <a:prstGeom prst="rect">
             <a:avLst/>
           </a:prstGeom>
           <a:noFill/>
-          <a:ln w="9525">
-            <a:noFill/>
-            <a:miter lim="800000"/>
-            <a:headEnd/>
-            <a:tailEnd/>
-          </a:ln>
-          <a:effectLst/>
+          <a:extLst>
+            <a:ext uri="{909E8E84-426E-40DD-AFC4-6F175D3DCCD1}">
+              <a14:hiddenFill xmlns:a14="http://schemas.microsoft.com/office/drawing/2010/main">
+                <a:solidFill>
+                  <a:srgbClr val="FFFFFF"/>
+                </a:solidFill>
+              </a14:hiddenFill>
+            </a:ext>
+          </a:extLst>
         </p:spPr>
       </p:pic>
-      <p:sp>
-        <p:nvSpPr>
-          <p:cNvPr id="3" name="Slide Number Placeholder 2"/>
-          <p:cNvSpPr>
-            <a:spLocks noGrp="1"/>
-          </p:cNvSpPr>
-          <p:nvPr>
-            <p:ph type="sldNum" sz="quarter" idx="12"/>
-          </p:nvPr>
-        </p:nvSpPr>
-        <p:spPr/>
-        <p:txBody>
-          <a:bodyPr/>
-          <a:lstStyle/>
-          <a:p>
-            <a:fld id="{8A2A4A19-B384-42F8-8C0D-94C30AAB39F2}" type="slidenum">
-              <a:rPr lang="en-US" smtClean="0"/>
-              <a:t>14</a:t>
-            </a:fld>
-            <a:endParaRPr lang="en-US"/>
-          </a:p>
-        </p:txBody>
-      </p:sp>
+      <p:pic>
+        <p:nvPicPr>
+          <p:cNvPr id="57348" name="Picture 4" descr="https://ds4ps.org/PROG-EVAL-III/panel-model-selection_files/figure-html/unnamed-chunk-17-2.png">
+            <a:extLst>
+              <a:ext uri="{FF2B5EF4-FFF2-40B4-BE49-F238E27FC236}">
+                <a16:creationId xmlns:a16="http://schemas.microsoft.com/office/drawing/2014/main" id="{1D129378-5742-4CE3-8C5B-416F317EE7B2}"/>
+              </a:ext>
+            </a:extLst>
+          </p:cNvPr>
+          <p:cNvPicPr>
+            <a:picLocks noChangeAspect="1" noChangeArrowheads="1"/>
+          </p:cNvPicPr>
+          <p:nvPr/>
+        </p:nvPicPr>
+        <p:blipFill>
+          <a:blip r:embed="rId3" cstate="print">
+            <a:extLst>
+              <a:ext uri="{28A0092B-C50C-407E-A947-70E740481C1C}">
+                <a14:useLocalDpi xmlns:a14="http://schemas.microsoft.com/office/drawing/2010/main" val="0"/>
+              </a:ext>
+            </a:extLst>
+          </a:blip>
+          <a:srcRect/>
+          <a:stretch>
+            <a:fillRect/>
+          </a:stretch>
+        </p:blipFill>
+        <p:spPr bwMode="auto">
+          <a:xfrm>
+            <a:off x="5366" y="5715000"/>
+            <a:ext cx="7772400" cy="2776537"/>
+          </a:xfrm>
+          <a:prstGeom prst="rect">
+            <a:avLst/>
+          </a:prstGeom>
+          <a:noFill/>
+          <a:extLst>
+            <a:ext uri="{909E8E84-426E-40DD-AFC4-6F175D3DCCD1}">
+              <a14:hiddenFill xmlns:a14="http://schemas.microsoft.com/office/drawing/2010/main">
+                <a:solidFill>
+                  <a:srgbClr val="FFFFFF"/>
+                </a:solidFill>
+              </a14:hiddenFill>
+            </a:ext>
+          </a:extLst>
+        </p:spPr>
+      </p:pic>
     </p:spTree>
     <p:extLst>
       <p:ext uri="{BB962C8B-B14F-4D97-AF65-F5344CB8AC3E}">
-        <p14:creationId xmlns:p14="http://schemas.microsoft.com/office/powerpoint/2010/main" val="2983014724"/>
+        <p14:creationId xmlns:p14="http://schemas.microsoft.com/office/powerpoint/2010/main" val="3841527835"/>
       </p:ext>
     </p:extLst>
   </p:cSld>
@@ -5678,6 +5725,114 @@
           <a:p>
             <a:r>
               <a:rPr lang="en-US" dirty="0"/>
+              <a:t>Cross-Section Variation</a:t>
+            </a:r>
+          </a:p>
+        </p:txBody>
+      </p:sp>
+      <p:pic>
+        <p:nvPicPr>
+          <p:cNvPr id="1026" name="Picture 2"/>
+          <p:cNvPicPr>
+            <a:picLocks noChangeAspect="1" noChangeArrowheads="1"/>
+          </p:cNvPicPr>
+          <p:nvPr/>
+        </p:nvPicPr>
+        <p:blipFill>
+          <a:blip r:embed="rId2" cstate="print"/>
+          <a:srcRect/>
+          <a:stretch>
+            <a:fillRect/>
+          </a:stretch>
+        </p:blipFill>
+        <p:spPr bwMode="auto">
+          <a:xfrm>
+            <a:off x="1101091" y="3474720"/>
+            <a:ext cx="5092541" cy="4080510"/>
+          </a:xfrm>
+          <a:prstGeom prst="rect">
+            <a:avLst/>
+          </a:prstGeom>
+          <a:noFill/>
+          <a:ln w="9525">
+            <a:noFill/>
+            <a:miter lim="800000"/>
+            <a:headEnd/>
+            <a:tailEnd/>
+          </a:ln>
+          <a:effectLst/>
+        </p:spPr>
+      </p:pic>
+      <p:sp>
+        <p:nvSpPr>
+          <p:cNvPr id="3" name="Slide Number Placeholder 2"/>
+          <p:cNvSpPr>
+            <a:spLocks noGrp="1"/>
+          </p:cNvSpPr>
+          <p:nvPr>
+            <p:ph type="sldNum" sz="quarter" idx="12"/>
+          </p:nvPr>
+        </p:nvSpPr>
+        <p:spPr/>
+        <p:txBody>
+          <a:bodyPr/>
+          <a:lstStyle/>
+          <a:p>
+            <a:fld id="{8A2A4A19-B384-42F8-8C0D-94C30AAB39F2}" type="slidenum">
+              <a:rPr lang="en-US" smtClean="0"/>
+              <a:t>15</a:t>
+            </a:fld>
+            <a:endParaRPr lang="en-US"/>
+          </a:p>
+        </p:txBody>
+      </p:sp>
+    </p:spTree>
+    <p:extLst>
+      <p:ext uri="{BB962C8B-B14F-4D97-AF65-F5344CB8AC3E}">
+        <p14:creationId xmlns:p14="http://schemas.microsoft.com/office/powerpoint/2010/main" val="2983014724"/>
+      </p:ext>
+    </p:extLst>
+  </p:cSld>
+  <p:clrMapOvr>
+    <a:masterClrMapping/>
+  </p:clrMapOvr>
+</p:sld>
+</file>
+
+<file path=ppt/slides/slide16.xml><?xml version="1.0" encoding="utf-8"?>
+<p:sld xmlns:a="http://schemas.openxmlformats.org/drawingml/2006/main" xmlns:r="http://schemas.openxmlformats.org/officeDocument/2006/relationships" xmlns:p="http://schemas.openxmlformats.org/presentationml/2006/main">
+  <p:cSld>
+    <p:spTree>
+      <p:nvGrpSpPr>
+        <p:cNvPr id="1" name=""/>
+        <p:cNvGrpSpPr/>
+        <p:nvPr/>
+      </p:nvGrpSpPr>
+      <p:grpSpPr>
+        <a:xfrm>
+          <a:off x="0" y="0"/>
+          <a:ext cx="0" cy="0"/>
+          <a:chOff x="0" y="0"/>
+          <a:chExt cx="0" cy="0"/>
+        </a:xfrm>
+      </p:grpSpPr>
+      <p:sp>
+        <p:nvSpPr>
+          <p:cNvPr id="2" name="Title 1"/>
+          <p:cNvSpPr>
+            <a:spLocks noGrp="1"/>
+          </p:cNvSpPr>
+          <p:nvPr>
+            <p:ph type="title"/>
+          </p:nvPr>
+        </p:nvSpPr>
+        <p:spPr/>
+        <p:txBody>
+          <a:bodyPr/>
+          <a:lstStyle/>
+          <a:p>
+            <a:r>
+              <a:rPr lang="en-US" dirty="0"/>
               <a:t>Regression Model:</a:t>
             </a:r>
           </a:p>
@@ -5732,7 +5887,7 @@
           <a:graphicData uri="http://schemas.openxmlformats.org/presentationml/2006/ole">
             <mc:AlternateContent xmlns:mc="http://schemas.openxmlformats.org/markup-compatibility/2006">
               <mc:Choice xmlns:v="urn:schemas-microsoft-com:vml" Requires="v">
-                <p:oleObj spid="_x0000_s55302" name="Equation" r:id="rId4" imgW="1434960" imgH="228600" progId="Equation.3">
+                <p:oleObj spid="_x0000_s55303" name="Equation" r:id="rId4" imgW="1434960" imgH="228600" progId="Equation.3">
                   <p:embed/>
                 </p:oleObj>
               </mc:Choice>
@@ -5803,7 +5958,7 @@
           <a:p>
             <a:fld id="{8A2A4A19-B384-42F8-8C0D-94C30AAB39F2}" type="slidenum">
               <a:rPr lang="en-US" smtClean="0"/>
-              <a:t>15</a:t>
+              <a:t>16</a:t>
             </a:fld>
             <a:endParaRPr lang="en-US"/>
           </a:p>
@@ -5813,114 +5968,6 @@
     <p:extLst>
       <p:ext uri="{BB962C8B-B14F-4D97-AF65-F5344CB8AC3E}">
         <p14:creationId xmlns:p14="http://schemas.microsoft.com/office/powerpoint/2010/main" val="1394167060"/>
-      </p:ext>
-    </p:extLst>
-  </p:cSld>
-  <p:clrMapOvr>
-    <a:masterClrMapping/>
-  </p:clrMapOvr>
-</p:sld>
-</file>
-
-<file path=ppt/slides/slide16.xml><?xml version="1.0" encoding="utf-8"?>
-<p:sld xmlns:a="http://schemas.openxmlformats.org/drawingml/2006/main" xmlns:r="http://schemas.openxmlformats.org/officeDocument/2006/relationships" xmlns:p="http://schemas.openxmlformats.org/presentationml/2006/main">
-  <p:cSld>
-    <p:spTree>
-      <p:nvGrpSpPr>
-        <p:cNvPr id="1" name=""/>
-        <p:cNvGrpSpPr/>
-        <p:nvPr/>
-      </p:nvGrpSpPr>
-      <p:grpSpPr>
-        <a:xfrm>
-          <a:off x="0" y="0"/>
-          <a:ext cx="0" cy="0"/>
-          <a:chOff x="0" y="0"/>
-          <a:chExt cx="0" cy="0"/>
-        </a:xfrm>
-      </p:grpSpPr>
-      <p:sp>
-        <p:nvSpPr>
-          <p:cNvPr id="2" name="Title 1"/>
-          <p:cNvSpPr>
-            <a:spLocks noGrp="1"/>
-          </p:cNvSpPr>
-          <p:nvPr>
-            <p:ph type="title"/>
-          </p:nvPr>
-        </p:nvSpPr>
-        <p:spPr/>
-        <p:txBody>
-          <a:bodyPr/>
-          <a:lstStyle/>
-          <a:p>
-            <a:r>
-              <a:rPr lang="en-US" dirty="0"/>
-              <a:t>Within Group Variation</a:t>
-            </a:r>
-          </a:p>
-        </p:txBody>
-      </p:sp>
-      <p:pic>
-        <p:nvPicPr>
-          <p:cNvPr id="2051" name="Picture 3"/>
-          <p:cNvPicPr>
-            <a:picLocks noChangeAspect="1" noChangeArrowheads="1"/>
-          </p:cNvPicPr>
-          <p:nvPr/>
-        </p:nvPicPr>
-        <p:blipFill>
-          <a:blip r:embed="rId2" cstate="print"/>
-          <a:srcRect/>
-          <a:stretch>
-            <a:fillRect/>
-          </a:stretch>
-        </p:blipFill>
-        <p:spPr bwMode="auto">
-          <a:xfrm>
-            <a:off x="1360170" y="3604260"/>
-            <a:ext cx="5108734" cy="4096703"/>
-          </a:xfrm>
-          <a:prstGeom prst="rect">
-            <a:avLst/>
-          </a:prstGeom>
-          <a:noFill/>
-          <a:ln w="9525">
-            <a:noFill/>
-            <a:miter lim="800000"/>
-            <a:headEnd/>
-            <a:tailEnd/>
-          </a:ln>
-          <a:effectLst/>
-        </p:spPr>
-      </p:pic>
-      <p:sp>
-        <p:nvSpPr>
-          <p:cNvPr id="3" name="Slide Number Placeholder 2"/>
-          <p:cNvSpPr>
-            <a:spLocks noGrp="1"/>
-          </p:cNvSpPr>
-          <p:nvPr>
-            <p:ph type="sldNum" sz="quarter" idx="12"/>
-          </p:nvPr>
-        </p:nvSpPr>
-        <p:spPr/>
-        <p:txBody>
-          <a:bodyPr/>
-          <a:lstStyle/>
-          <a:p>
-            <a:fld id="{8A2A4A19-B384-42F8-8C0D-94C30AAB39F2}" type="slidenum">
-              <a:rPr lang="en-US" smtClean="0"/>
-              <a:t>16</a:t>
-            </a:fld>
-            <a:endParaRPr lang="en-US"/>
-          </a:p>
-        </p:txBody>
-      </p:sp>
-    </p:spTree>
-    <p:extLst>
-      <p:ext uri="{BB962C8B-B14F-4D97-AF65-F5344CB8AC3E}">
-        <p14:creationId xmlns:p14="http://schemas.microsoft.com/office/powerpoint/2010/main" val="268703870"/>
       </p:ext>
     </p:extLst>
   </p:cSld>
@@ -5959,253 +6006,49 @@
         </p:nvSpPr>
         <p:spPr/>
         <p:txBody>
-          <a:bodyPr>
-            <a:normAutofit/>
-          </a:bodyPr>
-          <a:lstStyle/>
-          <a:p>
-            <a:r>
-              <a:rPr lang="en-US" sz="3600" dirty="0"/>
-              <a:t>Heterogeneity Bias</a:t>
-            </a:r>
-          </a:p>
-        </p:txBody>
-      </p:sp>
-      <p:sp>
-        <p:nvSpPr>
-          <p:cNvPr id="4" name="Oval 3"/>
-          <p:cNvSpPr/>
-          <p:nvPr/>
-        </p:nvSpPr>
-        <p:spPr>
-          <a:xfrm>
-            <a:off x="2743200" y="5334000"/>
-            <a:ext cx="1230630" cy="1230630"/>
-          </a:xfrm>
-          <a:prstGeom prst="ellipse">
+          <a:bodyPr/>
+          <a:lstStyle/>
+          <a:p>
+            <a:r>
+              <a:rPr lang="en-US" dirty="0"/>
+              <a:t>Within Group Variation</a:t>
+            </a:r>
+          </a:p>
+        </p:txBody>
+      </p:sp>
+      <p:pic>
+        <p:nvPicPr>
+          <p:cNvPr id="2051" name="Picture 3"/>
+          <p:cNvPicPr>
+            <a:picLocks noChangeAspect="1" noChangeArrowheads="1"/>
+          </p:cNvPicPr>
+          <p:nvPr/>
+        </p:nvPicPr>
+        <p:blipFill>
+          <a:blip r:embed="rId2" cstate="print"/>
+          <a:srcRect/>
+          <a:stretch>
+            <a:fillRect/>
+          </a:stretch>
+        </p:blipFill>
+        <p:spPr bwMode="auto">
+          <a:xfrm>
+            <a:off x="1360170" y="3604260"/>
+            <a:ext cx="5108734" cy="4096703"/>
+          </a:xfrm>
+          <a:prstGeom prst="rect">
             <a:avLst/>
           </a:prstGeom>
           <a:noFill/>
-          <a:ln>
-            <a:solidFill>
-              <a:srgbClr val="FF0000"/>
-            </a:solidFill>
+          <a:ln w="9525">
+            <a:noFill/>
+            <a:miter lim="800000"/>
+            <a:headEnd/>
+            <a:tailEnd/>
           </a:ln>
-        </p:spPr>
-        <p:style>
-          <a:lnRef idx="2">
-            <a:schemeClr val="accent1">
-              <a:shade val="50000"/>
-            </a:schemeClr>
-          </a:lnRef>
-          <a:fillRef idx="1">
-            <a:schemeClr val="accent1"/>
-          </a:fillRef>
-          <a:effectRef idx="0">
-            <a:schemeClr val="accent1"/>
-          </a:effectRef>
-          <a:fontRef idx="minor">
-            <a:schemeClr val="lt1"/>
-          </a:fontRef>
-        </p:style>
-        <p:txBody>
-          <a:bodyPr rtlCol="0" anchor="ctr"/>
-          <a:lstStyle/>
-          <a:p>
-            <a:pPr algn="ctr"/>
-            <a:endParaRPr lang="en-US" sz="1530"/>
-          </a:p>
-        </p:txBody>
-      </p:sp>
-      <p:sp>
-        <p:nvSpPr>
-          <p:cNvPr id="5" name="Oval 4"/>
-          <p:cNvSpPr/>
-          <p:nvPr/>
-        </p:nvSpPr>
-        <p:spPr>
-          <a:xfrm>
-            <a:off x="3455670" y="5204460"/>
-            <a:ext cx="1230630" cy="1230630"/>
-          </a:xfrm>
-          <a:prstGeom prst="ellipse">
-            <a:avLst/>
-          </a:prstGeom>
-          <a:noFill/>
-          <a:ln>
-            <a:solidFill>
-              <a:srgbClr val="FF0000"/>
-            </a:solidFill>
-          </a:ln>
-        </p:spPr>
-        <p:style>
-          <a:lnRef idx="2">
-            <a:schemeClr val="accent1">
-              <a:shade val="50000"/>
-            </a:schemeClr>
-          </a:lnRef>
-          <a:fillRef idx="1">
-            <a:schemeClr val="accent1"/>
-          </a:fillRef>
-          <a:effectRef idx="0">
-            <a:schemeClr val="accent1"/>
-          </a:effectRef>
-          <a:fontRef idx="minor">
-            <a:schemeClr val="lt1"/>
-          </a:fontRef>
-        </p:style>
-        <p:txBody>
-          <a:bodyPr rtlCol="0" anchor="ctr"/>
-          <a:lstStyle/>
-          <a:p>
-            <a:pPr algn="ctr"/>
-            <a:endParaRPr lang="en-US" sz="1530"/>
-          </a:p>
-        </p:txBody>
-      </p:sp>
-      <p:sp>
-        <p:nvSpPr>
-          <p:cNvPr id="6" name="Oval 5"/>
-          <p:cNvSpPr/>
-          <p:nvPr/>
-        </p:nvSpPr>
-        <p:spPr>
-          <a:xfrm>
-            <a:off x="2678430" y="4168140"/>
-            <a:ext cx="1878330" cy="1813560"/>
-          </a:xfrm>
-          <a:prstGeom prst="ellipse">
-            <a:avLst/>
-          </a:prstGeom>
-          <a:noFill/>
-        </p:spPr>
-        <p:style>
-          <a:lnRef idx="2">
-            <a:schemeClr val="accent1">
-              <a:shade val="50000"/>
-            </a:schemeClr>
-          </a:lnRef>
-          <a:fillRef idx="1">
-            <a:schemeClr val="accent1"/>
-          </a:fillRef>
-          <a:effectRef idx="0">
-            <a:schemeClr val="accent1"/>
-          </a:effectRef>
-          <a:fontRef idx="minor">
-            <a:schemeClr val="lt1"/>
-          </a:fontRef>
-        </p:style>
-        <p:txBody>
-          <a:bodyPr rtlCol="0" anchor="ctr"/>
-          <a:lstStyle/>
-          <a:p>
-            <a:pPr algn="ctr"/>
-            <a:endParaRPr lang="en-US" sz="1530"/>
-          </a:p>
-        </p:txBody>
-      </p:sp>
-      <p:sp>
-        <p:nvSpPr>
-          <p:cNvPr id="7" name="TextBox 6"/>
-          <p:cNvSpPr txBox="1"/>
-          <p:nvPr/>
-        </p:nvSpPr>
-        <p:spPr>
-          <a:xfrm>
-            <a:off x="3173980" y="4518402"/>
-            <a:ext cx="887231" cy="563231"/>
-          </a:xfrm>
-          <a:prstGeom prst="rect">
-            <a:avLst/>
-          </a:prstGeom>
-          <a:noFill/>
-        </p:spPr>
-        <p:txBody>
-          <a:bodyPr wrap="none" rtlCol="0">
-            <a:spAutoFit/>
-          </a:bodyPr>
-          <a:lstStyle/>
-          <a:p>
-            <a:pPr algn="ctr"/>
-            <a:r>
-              <a:rPr lang="en-US" sz="1530" b="1" dirty="0"/>
-              <a:t>Blood</a:t>
-            </a:r>
-            <a:br>
-              <a:rPr lang="en-US" sz="1530" b="1" dirty="0"/>
-            </a:br>
-            <a:r>
-              <a:rPr lang="en-US" sz="1530" b="1" dirty="0"/>
-              <a:t>Pressure</a:t>
-            </a:r>
-          </a:p>
-        </p:txBody>
-      </p:sp>
-      <p:sp>
-        <p:nvSpPr>
-          <p:cNvPr id="8" name="TextBox 7"/>
-          <p:cNvSpPr txBox="1"/>
-          <p:nvPr/>
-        </p:nvSpPr>
-        <p:spPr>
-          <a:xfrm>
-            <a:off x="4688186" y="6121158"/>
-            <a:ext cx="1227452" cy="563231"/>
-          </a:xfrm>
-          <a:prstGeom prst="rect">
-            <a:avLst/>
-          </a:prstGeom>
-          <a:noFill/>
-        </p:spPr>
-        <p:txBody>
-          <a:bodyPr wrap="none" rtlCol="0">
-            <a:spAutoFit/>
-          </a:bodyPr>
-          <a:lstStyle/>
-          <a:p>
-            <a:r>
-              <a:rPr lang="en-US" sz="1530" b="1" dirty="0"/>
-              <a:t>Group</a:t>
-            </a:r>
-            <a:br>
-              <a:rPr lang="en-US" sz="1530" b="1" dirty="0"/>
-            </a:br>
-            <a:r>
-              <a:rPr lang="en-US" sz="1530" b="1" dirty="0"/>
-              <a:t>Membership</a:t>
-            </a:r>
-          </a:p>
-        </p:txBody>
-      </p:sp>
-      <p:sp>
-        <p:nvSpPr>
-          <p:cNvPr id="9" name="TextBox 8"/>
-          <p:cNvSpPr txBox="1"/>
-          <p:nvPr/>
-        </p:nvSpPr>
-        <p:spPr>
-          <a:xfrm>
-            <a:off x="2303973" y="6513573"/>
-            <a:ext cx="778868" cy="327782"/>
-          </a:xfrm>
-          <a:prstGeom prst="rect">
-            <a:avLst/>
-          </a:prstGeom>
-          <a:noFill/>
-        </p:spPr>
-        <p:txBody>
-          <a:bodyPr wrap="none" rtlCol="0">
-            <a:spAutoFit/>
-          </a:bodyPr>
-          <a:lstStyle/>
-          <a:p>
-            <a:r>
-              <a:rPr lang="en-US" sz="1530" b="1" dirty="0"/>
-              <a:t>Dosage</a:t>
-            </a:r>
-          </a:p>
-        </p:txBody>
-      </p:sp>
+          <a:effectLst/>
+        </p:spPr>
+      </p:pic>
       <p:sp>
         <p:nvSpPr>
           <p:cNvPr id="3" name="Slide Number Placeholder 2"/>
@@ -6232,7 +6075,7 @@
     </p:spTree>
     <p:extLst>
       <p:ext uri="{BB962C8B-B14F-4D97-AF65-F5344CB8AC3E}">
-        <p14:creationId xmlns:p14="http://schemas.microsoft.com/office/powerpoint/2010/main" val="2365583210"/>
+        <p14:creationId xmlns:p14="http://schemas.microsoft.com/office/powerpoint/2010/main" val="268703870"/>
       </p:ext>
     </p:extLst>
   </p:cSld>
@@ -6271,82 +6114,253 @@
         </p:nvSpPr>
         <p:spPr/>
         <p:txBody>
-          <a:bodyPr/>
-          <a:lstStyle/>
-          <a:p>
-            <a:r>
-              <a:rPr lang="en-US" dirty="0"/>
-              <a:t>Another Example: Used Car Sales</a:t>
-            </a:r>
-          </a:p>
-        </p:txBody>
-      </p:sp>
-      <p:pic>
-        <p:nvPicPr>
-          <p:cNvPr id="31747" name="Picture 3"/>
-          <p:cNvPicPr>
-            <a:picLocks noChangeAspect="1" noChangeArrowheads="1"/>
-          </p:cNvPicPr>
-          <p:nvPr/>
-        </p:nvPicPr>
-        <p:blipFill>
-          <a:blip r:embed="rId2" cstate="print"/>
-          <a:srcRect/>
-          <a:stretch>
-            <a:fillRect/>
-          </a:stretch>
-        </p:blipFill>
-        <p:spPr bwMode="auto">
-          <a:xfrm>
-            <a:off x="647700" y="3539490"/>
-            <a:ext cx="6622733" cy="4112895"/>
+          <a:bodyPr>
+            <a:normAutofit/>
+          </a:bodyPr>
+          <a:lstStyle/>
+          <a:p>
+            <a:r>
+              <a:rPr lang="en-US" sz="3600" dirty="0"/>
+              <a:t>Heterogeneity Bias</a:t>
+            </a:r>
+          </a:p>
+        </p:txBody>
+      </p:sp>
+      <p:sp>
+        <p:nvSpPr>
+          <p:cNvPr id="4" name="Oval 3"/>
+          <p:cNvSpPr/>
+          <p:nvPr/>
+        </p:nvSpPr>
+        <p:spPr>
+          <a:xfrm>
+            <a:off x="2743200" y="5334000"/>
+            <a:ext cx="1230630" cy="1230630"/>
+          </a:xfrm>
+          <a:prstGeom prst="ellipse">
+            <a:avLst/>
+          </a:prstGeom>
+          <a:noFill/>
+          <a:ln>
+            <a:solidFill>
+              <a:srgbClr val="FF0000"/>
+            </a:solidFill>
+          </a:ln>
+        </p:spPr>
+        <p:style>
+          <a:lnRef idx="2">
+            <a:schemeClr val="accent1">
+              <a:shade val="50000"/>
+            </a:schemeClr>
+          </a:lnRef>
+          <a:fillRef idx="1">
+            <a:schemeClr val="accent1"/>
+          </a:fillRef>
+          <a:effectRef idx="0">
+            <a:schemeClr val="accent1"/>
+          </a:effectRef>
+          <a:fontRef idx="minor">
+            <a:schemeClr val="lt1"/>
+          </a:fontRef>
+        </p:style>
+        <p:txBody>
+          <a:bodyPr rtlCol="0" anchor="ctr"/>
+          <a:lstStyle/>
+          <a:p>
+            <a:pPr algn="ctr"/>
+            <a:endParaRPr lang="en-US" sz="1530"/>
+          </a:p>
+        </p:txBody>
+      </p:sp>
+      <p:sp>
+        <p:nvSpPr>
+          <p:cNvPr id="5" name="Oval 4"/>
+          <p:cNvSpPr/>
+          <p:nvPr/>
+        </p:nvSpPr>
+        <p:spPr>
+          <a:xfrm>
+            <a:off x="3455670" y="5204460"/>
+            <a:ext cx="1230630" cy="1230630"/>
+          </a:xfrm>
+          <a:prstGeom prst="ellipse">
+            <a:avLst/>
+          </a:prstGeom>
+          <a:noFill/>
+          <a:ln>
+            <a:solidFill>
+              <a:srgbClr val="FF0000"/>
+            </a:solidFill>
+          </a:ln>
+        </p:spPr>
+        <p:style>
+          <a:lnRef idx="2">
+            <a:schemeClr val="accent1">
+              <a:shade val="50000"/>
+            </a:schemeClr>
+          </a:lnRef>
+          <a:fillRef idx="1">
+            <a:schemeClr val="accent1"/>
+          </a:fillRef>
+          <a:effectRef idx="0">
+            <a:schemeClr val="accent1"/>
+          </a:effectRef>
+          <a:fontRef idx="minor">
+            <a:schemeClr val="lt1"/>
+          </a:fontRef>
+        </p:style>
+        <p:txBody>
+          <a:bodyPr rtlCol="0" anchor="ctr"/>
+          <a:lstStyle/>
+          <a:p>
+            <a:pPr algn="ctr"/>
+            <a:endParaRPr lang="en-US" sz="1530"/>
+          </a:p>
+        </p:txBody>
+      </p:sp>
+      <p:sp>
+        <p:nvSpPr>
+          <p:cNvPr id="6" name="Oval 5"/>
+          <p:cNvSpPr/>
+          <p:nvPr/>
+        </p:nvSpPr>
+        <p:spPr>
+          <a:xfrm>
+            <a:off x="2678430" y="4168140"/>
+            <a:ext cx="1878330" cy="1813560"/>
+          </a:xfrm>
+          <a:prstGeom prst="ellipse">
+            <a:avLst/>
+          </a:prstGeom>
+          <a:noFill/>
+        </p:spPr>
+        <p:style>
+          <a:lnRef idx="2">
+            <a:schemeClr val="accent1">
+              <a:shade val="50000"/>
+            </a:schemeClr>
+          </a:lnRef>
+          <a:fillRef idx="1">
+            <a:schemeClr val="accent1"/>
+          </a:fillRef>
+          <a:effectRef idx="0">
+            <a:schemeClr val="accent1"/>
+          </a:effectRef>
+          <a:fontRef idx="minor">
+            <a:schemeClr val="lt1"/>
+          </a:fontRef>
+        </p:style>
+        <p:txBody>
+          <a:bodyPr rtlCol="0" anchor="ctr"/>
+          <a:lstStyle/>
+          <a:p>
+            <a:pPr algn="ctr"/>
+            <a:endParaRPr lang="en-US" sz="1530"/>
+          </a:p>
+        </p:txBody>
+      </p:sp>
+      <p:sp>
+        <p:nvSpPr>
+          <p:cNvPr id="7" name="TextBox 6"/>
+          <p:cNvSpPr txBox="1"/>
+          <p:nvPr/>
+        </p:nvSpPr>
+        <p:spPr>
+          <a:xfrm>
+            <a:off x="3173980" y="4518402"/>
+            <a:ext cx="887231" cy="563231"/>
           </a:xfrm>
           <a:prstGeom prst="rect">
             <a:avLst/>
           </a:prstGeom>
           <a:noFill/>
-          <a:ln w="9525">
-            <a:noFill/>
-            <a:miter lim="800000"/>
-            <a:headEnd/>
-            <a:tailEnd/>
-          </a:ln>
-          <a:effectLst/>
-        </p:spPr>
-      </p:pic>
-      <p:pic>
-        <p:nvPicPr>
-          <p:cNvPr id="31748" name="Picture 4"/>
-          <p:cNvPicPr>
-            <a:picLocks noChangeAspect="1" noChangeArrowheads="1"/>
-          </p:cNvPicPr>
-          <p:nvPr/>
-        </p:nvPicPr>
-        <p:blipFill>
-          <a:blip r:embed="rId3" cstate="print"/>
-          <a:srcRect/>
-          <a:stretch>
-            <a:fillRect/>
-          </a:stretch>
-        </p:blipFill>
-        <p:spPr bwMode="auto">
-          <a:xfrm>
-            <a:off x="3562350" y="3733800"/>
-            <a:ext cx="1899599" cy="1522095"/>
+        </p:spPr>
+        <p:txBody>
+          <a:bodyPr wrap="none" rtlCol="0">
+            <a:spAutoFit/>
+          </a:bodyPr>
+          <a:lstStyle/>
+          <a:p>
+            <a:pPr algn="ctr"/>
+            <a:r>
+              <a:rPr lang="en-US" sz="1530" b="1" dirty="0"/>
+              <a:t>Blood</a:t>
+            </a:r>
+            <a:br>
+              <a:rPr lang="en-US" sz="1530" b="1" dirty="0"/>
+            </a:br>
+            <a:r>
+              <a:rPr lang="en-US" sz="1530" b="1" dirty="0"/>
+              <a:t>Pressure</a:t>
+            </a:r>
+          </a:p>
+        </p:txBody>
+      </p:sp>
+      <p:sp>
+        <p:nvSpPr>
+          <p:cNvPr id="8" name="TextBox 7"/>
+          <p:cNvSpPr txBox="1"/>
+          <p:nvPr/>
+        </p:nvSpPr>
+        <p:spPr>
+          <a:xfrm>
+            <a:off x="4688186" y="6121158"/>
+            <a:ext cx="1227452" cy="563231"/>
           </a:xfrm>
           <a:prstGeom prst="rect">
             <a:avLst/>
           </a:prstGeom>
           <a:noFill/>
-          <a:ln w="9525">
-            <a:noFill/>
-            <a:miter lim="800000"/>
-            <a:headEnd/>
-            <a:tailEnd/>
-          </a:ln>
-          <a:effectLst/>
-        </p:spPr>
-      </p:pic>
+        </p:spPr>
+        <p:txBody>
+          <a:bodyPr wrap="none" rtlCol="0">
+            <a:spAutoFit/>
+          </a:bodyPr>
+          <a:lstStyle/>
+          <a:p>
+            <a:r>
+              <a:rPr lang="en-US" sz="1530" b="1" dirty="0"/>
+              <a:t>Group</a:t>
+            </a:r>
+            <a:br>
+              <a:rPr lang="en-US" sz="1530" b="1" dirty="0"/>
+            </a:br>
+            <a:r>
+              <a:rPr lang="en-US" sz="1530" b="1" dirty="0"/>
+              <a:t>Membership</a:t>
+            </a:r>
+          </a:p>
+        </p:txBody>
+      </p:sp>
+      <p:sp>
+        <p:nvSpPr>
+          <p:cNvPr id="9" name="TextBox 8"/>
+          <p:cNvSpPr txBox="1"/>
+          <p:nvPr/>
+        </p:nvSpPr>
+        <p:spPr>
+          <a:xfrm>
+            <a:off x="2303973" y="6513573"/>
+            <a:ext cx="778868" cy="327782"/>
+          </a:xfrm>
+          <a:prstGeom prst="rect">
+            <a:avLst/>
+          </a:prstGeom>
+          <a:noFill/>
+        </p:spPr>
+        <p:txBody>
+          <a:bodyPr wrap="none" rtlCol="0">
+            <a:spAutoFit/>
+          </a:bodyPr>
+          <a:lstStyle/>
+          <a:p>
+            <a:r>
+              <a:rPr lang="en-US" sz="1530" b="1" dirty="0"/>
+              <a:t>Dosage</a:t>
+            </a:r>
+          </a:p>
+        </p:txBody>
+      </p:sp>
       <p:sp>
         <p:nvSpPr>
           <p:cNvPr id="3" name="Slide Number Placeholder 2"/>
@@ -6373,7 +6387,7 @@
     </p:spTree>
     <p:extLst>
       <p:ext uri="{BB962C8B-B14F-4D97-AF65-F5344CB8AC3E}">
-        <p14:creationId xmlns:p14="http://schemas.microsoft.com/office/powerpoint/2010/main" val="1100156357"/>
+        <p14:creationId xmlns:p14="http://schemas.microsoft.com/office/powerpoint/2010/main" val="2365583210"/>
       </p:ext>
     </p:extLst>
   </p:cSld>
@@ -6412,320 +6426,85 @@
         </p:nvSpPr>
         <p:spPr/>
         <p:txBody>
-          <a:bodyPr>
-            <a:normAutofit/>
-          </a:bodyPr>
-          <a:lstStyle/>
-          <a:p>
-            <a:r>
-              <a:rPr lang="en-US" sz="3600" dirty="0"/>
-              <a:t>Heterogeneity Bias</a:t>
-            </a:r>
-          </a:p>
-        </p:txBody>
-      </p:sp>
-      <p:sp>
-        <p:nvSpPr>
-          <p:cNvPr id="4" name="Oval 3"/>
-          <p:cNvSpPr/>
-          <p:nvPr/>
-        </p:nvSpPr>
-        <p:spPr>
-          <a:xfrm>
-            <a:off x="1101090" y="5288280"/>
-            <a:ext cx="1230630" cy="1230630"/>
-          </a:xfrm>
-          <a:prstGeom prst="ellipse">
+          <a:bodyPr/>
+          <a:lstStyle/>
+          <a:p>
+            <a:r>
+              <a:rPr lang="en-US" dirty="0"/>
+              <a:t>Another Example: Used Car Sales</a:t>
+            </a:r>
+          </a:p>
+        </p:txBody>
+      </p:sp>
+      <p:pic>
+        <p:nvPicPr>
+          <p:cNvPr id="31747" name="Picture 3"/>
+          <p:cNvPicPr>
+            <a:picLocks noChangeAspect="1" noChangeArrowheads="1"/>
+          </p:cNvPicPr>
+          <p:nvPr/>
+        </p:nvPicPr>
+        <p:blipFill>
+          <a:blip r:embed="rId2" cstate="print"/>
+          <a:srcRect/>
+          <a:stretch>
+            <a:fillRect/>
+          </a:stretch>
+        </p:blipFill>
+        <p:spPr bwMode="auto">
+          <a:xfrm>
+            <a:off x="647700" y="3539490"/>
+            <a:ext cx="6622733" cy="4112895"/>
+          </a:xfrm>
+          <a:prstGeom prst="rect">
             <a:avLst/>
           </a:prstGeom>
           <a:noFill/>
-          <a:ln>
-            <a:solidFill>
-              <a:srgbClr val="FF0000"/>
-            </a:solidFill>
+          <a:ln w="9525">
+            <a:noFill/>
+            <a:miter lim="800000"/>
+            <a:headEnd/>
+            <a:tailEnd/>
           </a:ln>
-        </p:spPr>
-        <p:style>
-          <a:lnRef idx="2">
-            <a:schemeClr val="accent1">
-              <a:shade val="50000"/>
-            </a:schemeClr>
-          </a:lnRef>
-          <a:fillRef idx="1">
-            <a:schemeClr val="accent1"/>
-          </a:fillRef>
-          <a:effectRef idx="0">
-            <a:schemeClr val="accent1"/>
-          </a:effectRef>
-          <a:fontRef idx="minor">
-            <a:schemeClr val="lt1"/>
-          </a:fontRef>
-        </p:style>
-        <p:txBody>
-          <a:bodyPr rtlCol="0" anchor="ctr"/>
-          <a:lstStyle/>
-          <a:p>
-            <a:pPr algn="ctr"/>
-            <a:endParaRPr lang="en-US" sz="1530"/>
-          </a:p>
-        </p:txBody>
-      </p:sp>
-      <p:sp>
-        <p:nvSpPr>
-          <p:cNvPr id="5" name="Oval 4"/>
-          <p:cNvSpPr/>
-          <p:nvPr/>
-        </p:nvSpPr>
-        <p:spPr>
-          <a:xfrm>
-            <a:off x="2202180" y="4171298"/>
-            <a:ext cx="1230630" cy="1230630"/>
-          </a:xfrm>
-          <a:prstGeom prst="ellipse">
+          <a:effectLst/>
+        </p:spPr>
+      </p:pic>
+      <p:pic>
+        <p:nvPicPr>
+          <p:cNvPr id="31748" name="Picture 4"/>
+          <p:cNvPicPr>
+            <a:picLocks noChangeAspect="1" noChangeArrowheads="1"/>
+          </p:cNvPicPr>
+          <p:nvPr/>
+        </p:nvPicPr>
+        <p:blipFill>
+          <a:blip r:embed="rId3" cstate="print"/>
+          <a:srcRect/>
+          <a:stretch>
+            <a:fillRect/>
+          </a:stretch>
+        </p:blipFill>
+        <p:spPr bwMode="auto">
+          <a:xfrm>
+            <a:off x="3562350" y="3733800"/>
+            <a:ext cx="1899599" cy="1522095"/>
+          </a:xfrm>
+          <a:prstGeom prst="rect">
             <a:avLst/>
           </a:prstGeom>
           <a:noFill/>
-          <a:ln>
-            <a:solidFill>
-              <a:srgbClr val="FF0000"/>
-            </a:solidFill>
+          <a:ln w="9525">
+            <a:noFill/>
+            <a:miter lim="800000"/>
+            <a:headEnd/>
+            <a:tailEnd/>
           </a:ln>
-        </p:spPr>
-        <p:style>
-          <a:lnRef idx="2">
-            <a:schemeClr val="accent1">
-              <a:shade val="50000"/>
-            </a:schemeClr>
-          </a:lnRef>
-          <a:fillRef idx="1">
-            <a:schemeClr val="accent1"/>
-          </a:fillRef>
-          <a:effectRef idx="0">
-            <a:schemeClr val="accent1"/>
-          </a:effectRef>
-          <a:fontRef idx="minor">
-            <a:schemeClr val="lt1"/>
-          </a:fontRef>
-        </p:style>
-        <p:txBody>
-          <a:bodyPr rtlCol="0" anchor="ctr"/>
-          <a:lstStyle/>
-          <a:p>
-            <a:pPr algn="ctr"/>
-            <a:endParaRPr lang="en-US" sz="1530"/>
-          </a:p>
-        </p:txBody>
-      </p:sp>
-      <p:sp>
-        <p:nvSpPr>
-          <p:cNvPr id="6" name="Oval 5"/>
-          <p:cNvSpPr/>
-          <p:nvPr/>
-        </p:nvSpPr>
-        <p:spPr>
-          <a:xfrm>
-            <a:off x="1036320" y="4122420"/>
-            <a:ext cx="1878330" cy="1813560"/>
-          </a:xfrm>
-          <a:prstGeom prst="ellipse">
-            <a:avLst/>
-          </a:prstGeom>
-          <a:noFill/>
-        </p:spPr>
-        <p:style>
-          <a:lnRef idx="2">
-            <a:schemeClr val="accent1">
-              <a:shade val="50000"/>
-            </a:schemeClr>
-          </a:lnRef>
-          <a:fillRef idx="1">
-            <a:schemeClr val="accent1"/>
-          </a:fillRef>
-          <a:effectRef idx="0">
-            <a:schemeClr val="accent1"/>
-          </a:effectRef>
-          <a:fontRef idx="minor">
-            <a:schemeClr val="lt1"/>
-          </a:fontRef>
-        </p:style>
-        <p:txBody>
-          <a:bodyPr rtlCol="0" anchor="ctr"/>
-          <a:lstStyle/>
-          <a:p>
-            <a:pPr algn="ctr"/>
-            <a:endParaRPr lang="en-US" sz="1530"/>
-          </a:p>
-        </p:txBody>
-      </p:sp>
-      <p:sp>
-        <p:nvSpPr>
-          <p:cNvPr id="7" name="TextBox 6"/>
-          <p:cNvSpPr txBox="1"/>
-          <p:nvPr/>
-        </p:nvSpPr>
-        <p:spPr>
-          <a:xfrm>
-            <a:off x="1345319" y="4629647"/>
-            <a:ext cx="588623" cy="327782"/>
-          </a:xfrm>
-          <a:prstGeom prst="rect">
-            <a:avLst/>
-          </a:prstGeom>
-          <a:noFill/>
-        </p:spPr>
-        <p:txBody>
-          <a:bodyPr wrap="none" rtlCol="0">
-            <a:spAutoFit/>
-          </a:bodyPr>
-          <a:lstStyle/>
-          <a:p>
-            <a:pPr algn="ctr"/>
-            <a:r>
-              <a:rPr lang="en-US" sz="1530" b="1" dirty="0"/>
-              <a:t>Price</a:t>
-            </a:r>
-          </a:p>
-        </p:txBody>
-      </p:sp>
-      <p:sp>
-        <p:nvSpPr>
-          <p:cNvPr id="8" name="TextBox 7"/>
-          <p:cNvSpPr txBox="1"/>
-          <p:nvPr/>
-        </p:nvSpPr>
-        <p:spPr>
-          <a:xfrm>
-            <a:off x="3087322" y="5298591"/>
-            <a:ext cx="1227452" cy="798680"/>
-          </a:xfrm>
-          <a:prstGeom prst="rect">
-            <a:avLst/>
-          </a:prstGeom>
-          <a:noFill/>
-        </p:spPr>
-        <p:txBody>
-          <a:bodyPr wrap="none" rtlCol="0">
-            <a:spAutoFit/>
-          </a:bodyPr>
-          <a:lstStyle/>
-          <a:p>
-            <a:r>
-              <a:rPr lang="en-US" sz="1530" b="1" dirty="0"/>
-              <a:t>Group</a:t>
-            </a:r>
-            <a:br>
-              <a:rPr lang="en-US" sz="1530" b="1" dirty="0"/>
-            </a:br>
-            <a:r>
-              <a:rPr lang="en-US" sz="1530" b="1" dirty="0"/>
-              <a:t>Membership</a:t>
-            </a:r>
-          </a:p>
-          <a:p>
-            <a:r>
-              <a:rPr lang="en-US" sz="1530" b="1" dirty="0"/>
-              <a:t>(car type)</a:t>
-            </a:r>
-          </a:p>
-        </p:txBody>
-      </p:sp>
-      <p:sp>
-        <p:nvSpPr>
-          <p:cNvPr id="9" name="TextBox 8"/>
-          <p:cNvSpPr txBox="1"/>
-          <p:nvPr/>
-        </p:nvSpPr>
-        <p:spPr>
-          <a:xfrm>
-            <a:off x="661863" y="6467853"/>
-            <a:ext cx="838178" cy="327782"/>
-          </a:xfrm>
-          <a:prstGeom prst="rect">
-            <a:avLst/>
-          </a:prstGeom>
-          <a:noFill/>
-        </p:spPr>
-        <p:txBody>
-          <a:bodyPr wrap="none" rtlCol="0">
-            <a:spAutoFit/>
-          </a:bodyPr>
-          <a:lstStyle/>
-          <a:p>
-            <a:r>
-              <a:rPr lang="en-US" sz="1530" b="1" dirty="0"/>
-              <a:t>Mileage</a:t>
-            </a:r>
-          </a:p>
-        </p:txBody>
-      </p:sp>
-      <p:graphicFrame>
-        <p:nvGraphicFramePr>
-          <p:cNvPr id="3" name="Object 2"/>
-          <p:cNvGraphicFramePr>
-            <a:graphicFrameLocks noChangeAspect="1"/>
-          </p:cNvGraphicFramePr>
-          <p:nvPr>
-            <p:extLst>
-              <p:ext uri="{D42A27DB-BD31-4B8C-83A1-F6EECF244321}">
-                <p14:modId xmlns:p14="http://schemas.microsoft.com/office/powerpoint/2010/main" val="3678262863"/>
-              </p:ext>
-            </p:extLst>
-          </p:nvPr>
-        </p:nvGraphicFramePr>
-        <p:xfrm>
-          <a:off x="4800600" y="4064059"/>
-          <a:ext cx="1445935" cy="1131175"/>
-        </p:xfrm>
-        <a:graphic>
-          <a:graphicData uri="http://schemas.openxmlformats.org/presentationml/2006/ole">
-            <mc:AlternateContent xmlns:mc="http://schemas.openxmlformats.org/markup-compatibility/2006">
-              <mc:Choice xmlns:v="urn:schemas-microsoft-com:vml" Requires="v">
-                <p:oleObj spid="_x0000_s56326" name="Equation" r:id="rId3" imgW="774360" imgH="672840" progId="Equation.3">
-                  <p:embed/>
-                </p:oleObj>
-              </mc:Choice>
-              <mc:Fallback>
-                <p:oleObj name="Equation" r:id="rId3" imgW="774360" imgH="672840" progId="Equation.3">
-                  <p:embed/>
-                  <p:pic>
-                    <p:nvPicPr>
-                      <p:cNvPr id="3" name="Object 2"/>
-                      <p:cNvPicPr>
-                        <a:picLocks noChangeAspect="1" noChangeArrowheads="1"/>
-                      </p:cNvPicPr>
-                      <p:nvPr/>
-                    </p:nvPicPr>
-                    <p:blipFill>
-                      <a:blip r:embed="rId4"/>
-                      <a:srcRect/>
-                      <a:stretch>
-                        <a:fillRect/>
-                      </a:stretch>
-                    </p:blipFill>
-                    <p:spPr bwMode="auto">
-                      <a:xfrm>
-                        <a:off x="4800600" y="4064059"/>
-                        <a:ext cx="1445935" cy="1131175"/>
-                      </a:xfrm>
-                      <a:prstGeom prst="rect">
-                        <a:avLst/>
-                      </a:prstGeom>
-                      <a:noFill/>
-                      <a:ln>
-                        <a:noFill/>
-                      </a:ln>
-                      <a:extLst/>
-                    </p:spPr>
-                  </p:pic>
-                </p:oleObj>
-              </mc:Fallback>
-            </mc:AlternateContent>
-          </a:graphicData>
-        </a:graphic>
-      </p:graphicFrame>
-      <p:sp>
-        <p:nvSpPr>
-          <p:cNvPr id="10" name="Slide Number Placeholder 9"/>
+          <a:effectLst/>
+        </p:spPr>
+      </p:pic>
+      <p:sp>
+        <p:nvSpPr>
+          <p:cNvPr id="3" name="Slide Number Placeholder 2"/>
           <p:cNvSpPr>
             <a:spLocks noGrp="1"/>
           </p:cNvSpPr>
@@ -6749,7 +6528,7 @@
     </p:spTree>
     <p:extLst>
       <p:ext uri="{BB962C8B-B14F-4D97-AF65-F5344CB8AC3E}">
-        <p14:creationId xmlns:p14="http://schemas.microsoft.com/office/powerpoint/2010/main" val="3646259733"/>
+        <p14:creationId xmlns:p14="http://schemas.microsoft.com/office/powerpoint/2010/main" val="1100156357"/>
       </p:ext>
     </p:extLst>
   </p:cSld>
@@ -7047,7 +6826,7 @@
           <a:graphicData uri="http://schemas.openxmlformats.org/presentationml/2006/ole">
             <mc:AlternateContent xmlns:mc="http://schemas.openxmlformats.org/markup-compatibility/2006">
               <mc:Choice xmlns:v="urn:schemas-microsoft-com:vml" Requires="v">
-                <p:oleObj spid="_x0000_s53254" name="Equation" r:id="rId3" imgW="1447560" imgH="685800" progId="Equation.3">
+                <p:oleObj spid="_x0000_s53255" name="Equation" r:id="rId3" imgW="1447560" imgH="685800" progId="Equation.3">
                   <p:embed/>
                 </p:oleObj>
               </mc:Choice>
@@ -7187,97 +6966,40 @@
             <p:ph type="title"/>
           </p:nvPr>
         </p:nvSpPr>
-        <p:spPr>
-          <a:xfrm>
-            <a:off x="297117" y="1552068"/>
-            <a:ext cx="6995160" cy="971550"/>
-          </a:xfrm>
-        </p:spPr>
-        <p:txBody>
-          <a:bodyPr/>
-          <a:lstStyle/>
-          <a:p>
-            <a:r>
-              <a:rPr lang="en-US" dirty="0"/>
-              <a:t>(6)  Bias Via Selection</a:t>
-            </a:r>
-          </a:p>
-        </p:txBody>
-      </p:sp>
-      <p:cxnSp>
-        <p:nvCxnSpPr>
-          <p:cNvPr id="14" name="Straight Connector 13"/>
-          <p:cNvCxnSpPr/>
-          <p:nvPr/>
-        </p:nvCxnSpPr>
-        <p:spPr>
-          <a:xfrm rot="5400000">
-            <a:off x="241138" y="6980438"/>
-            <a:ext cx="971550" cy="0"/>
-          </a:xfrm>
-          <a:prstGeom prst="line">
-            <a:avLst/>
-          </a:prstGeom>
-        </p:spPr>
-        <p:style>
-          <a:lnRef idx="1">
-            <a:schemeClr val="accent1"/>
-          </a:lnRef>
-          <a:fillRef idx="0">
-            <a:schemeClr val="accent1"/>
-          </a:fillRef>
-          <a:effectRef idx="0">
-            <a:schemeClr val="accent1"/>
-          </a:effectRef>
-          <a:fontRef idx="minor">
-            <a:schemeClr val="tx1"/>
-          </a:fontRef>
-        </p:style>
-      </p:cxnSp>
-      <p:cxnSp>
-        <p:nvCxnSpPr>
-          <p:cNvPr id="17" name="Straight Connector 16"/>
-          <p:cNvCxnSpPr/>
-          <p:nvPr/>
-        </p:nvCxnSpPr>
-        <p:spPr>
-          <a:xfrm rot="10800000">
-            <a:off x="597373" y="7401443"/>
-            <a:ext cx="2720340" cy="0"/>
-          </a:xfrm>
-          <a:prstGeom prst="line">
-            <a:avLst/>
-          </a:prstGeom>
-        </p:spPr>
-        <p:style>
-          <a:lnRef idx="1">
-            <a:schemeClr val="accent1"/>
-          </a:lnRef>
-          <a:fillRef idx="0">
-            <a:schemeClr val="accent1"/>
-          </a:fillRef>
-          <a:effectRef idx="0">
-            <a:schemeClr val="accent1"/>
-          </a:effectRef>
-          <a:fontRef idx="minor">
-            <a:schemeClr val="tx1"/>
-          </a:fontRef>
-        </p:style>
-      </p:cxnSp>
-      <p:sp>
-        <p:nvSpPr>
-          <p:cNvPr id="19" name="Oval 18"/>
+        <p:spPr/>
+        <p:txBody>
+          <a:bodyPr>
+            <a:normAutofit/>
+          </a:bodyPr>
+          <a:lstStyle/>
+          <a:p>
+            <a:r>
+              <a:rPr lang="en-US" sz="3600" dirty="0"/>
+              <a:t>Heterogeneity Bias</a:t>
+            </a:r>
+          </a:p>
+        </p:txBody>
+      </p:sp>
+      <p:sp>
+        <p:nvSpPr>
+          <p:cNvPr id="4" name="Oval 3"/>
           <p:cNvSpPr/>
           <p:nvPr/>
         </p:nvSpPr>
         <p:spPr>
           <a:xfrm>
-            <a:off x="1957543" y="6624203"/>
-            <a:ext cx="64770" cy="64770"/>
+            <a:off x="1101090" y="5288280"/>
+            <a:ext cx="1230630" cy="1230630"/>
           </a:xfrm>
           <a:prstGeom prst="ellipse">
             <a:avLst/>
           </a:prstGeom>
+          <a:noFill/>
+          <a:ln>
+            <a:solidFill>
+              <a:srgbClr val="FF0000"/>
+            </a:solidFill>
+          </a:ln>
         </p:spPr>
         <p:style>
           <a:lnRef idx="2">
@@ -7306,18 +7028,24 @@
       </p:sp>
       <p:sp>
         <p:nvSpPr>
-          <p:cNvPr id="20" name="Oval 19"/>
+          <p:cNvPr id="5" name="Oval 4"/>
           <p:cNvSpPr/>
           <p:nvPr/>
         </p:nvSpPr>
         <p:spPr>
           <a:xfrm>
-            <a:off x="2151853" y="6688973"/>
-            <a:ext cx="64770" cy="64770"/>
+            <a:off x="2202180" y="4171298"/>
+            <a:ext cx="1230630" cy="1230630"/>
           </a:xfrm>
           <a:prstGeom prst="ellipse">
             <a:avLst/>
           </a:prstGeom>
+          <a:noFill/>
+          <a:ln>
+            <a:solidFill>
+              <a:srgbClr val="FF0000"/>
+            </a:solidFill>
+          </a:ln>
         </p:spPr>
         <p:style>
           <a:lnRef idx="2">
@@ -7346,18 +7074,19 @@
       </p:sp>
       <p:sp>
         <p:nvSpPr>
-          <p:cNvPr id="21" name="Oval 20"/>
+          <p:cNvPr id="6" name="Oval 5"/>
           <p:cNvSpPr/>
           <p:nvPr/>
         </p:nvSpPr>
         <p:spPr>
           <a:xfrm>
-            <a:off x="1957543" y="6818513"/>
-            <a:ext cx="64770" cy="64770"/>
+            <a:off x="1036320" y="4122420"/>
+            <a:ext cx="1878330" cy="1813560"/>
           </a:xfrm>
           <a:prstGeom prst="ellipse">
             <a:avLst/>
           </a:prstGeom>
+          <a:noFill/>
         </p:spPr>
         <p:style>
           <a:lnRef idx="2">
@@ -7386,214 +7115,14 @@
       </p:sp>
       <p:sp>
         <p:nvSpPr>
-          <p:cNvPr id="22" name="Oval 21"/>
-          <p:cNvSpPr/>
-          <p:nvPr/>
-        </p:nvSpPr>
-        <p:spPr>
-          <a:xfrm>
-            <a:off x="2216623" y="6818513"/>
-            <a:ext cx="64770" cy="64770"/>
-          </a:xfrm>
-          <a:prstGeom prst="ellipse">
-            <a:avLst/>
-          </a:prstGeom>
-        </p:spPr>
-        <p:style>
-          <a:lnRef idx="2">
-            <a:schemeClr val="accent1">
-              <a:shade val="50000"/>
-            </a:schemeClr>
-          </a:lnRef>
-          <a:fillRef idx="1">
-            <a:schemeClr val="accent1"/>
-          </a:fillRef>
-          <a:effectRef idx="0">
-            <a:schemeClr val="accent1"/>
-          </a:effectRef>
-          <a:fontRef idx="minor">
-            <a:schemeClr val="lt1"/>
-          </a:fontRef>
-        </p:style>
-        <p:txBody>
-          <a:bodyPr rtlCol="0" anchor="ctr"/>
-          <a:lstStyle/>
-          <a:p>
-            <a:pPr algn="ctr"/>
-            <a:endParaRPr lang="en-US" sz="1530"/>
-          </a:p>
-        </p:txBody>
-      </p:sp>
-      <p:sp>
-        <p:nvSpPr>
-          <p:cNvPr id="23" name="Oval 22"/>
-          <p:cNvSpPr/>
-          <p:nvPr/>
-        </p:nvSpPr>
-        <p:spPr>
-          <a:xfrm>
-            <a:off x="2346163" y="6818513"/>
-            <a:ext cx="64770" cy="64770"/>
-          </a:xfrm>
-          <a:prstGeom prst="ellipse">
-            <a:avLst/>
-          </a:prstGeom>
-        </p:spPr>
-        <p:style>
-          <a:lnRef idx="2">
-            <a:schemeClr val="accent1">
-              <a:shade val="50000"/>
-            </a:schemeClr>
-          </a:lnRef>
-          <a:fillRef idx="1">
-            <a:schemeClr val="accent1"/>
-          </a:fillRef>
-          <a:effectRef idx="0">
-            <a:schemeClr val="accent1"/>
-          </a:effectRef>
-          <a:fontRef idx="minor">
-            <a:schemeClr val="lt1"/>
-          </a:fontRef>
-        </p:style>
-        <p:txBody>
-          <a:bodyPr rtlCol="0" anchor="ctr"/>
-          <a:lstStyle/>
-          <a:p>
-            <a:pPr algn="ctr"/>
-            <a:endParaRPr lang="en-US" sz="1530"/>
-          </a:p>
-        </p:txBody>
-      </p:sp>
-      <p:sp>
-        <p:nvSpPr>
-          <p:cNvPr id="24" name="Oval 23"/>
-          <p:cNvSpPr/>
-          <p:nvPr/>
-        </p:nvSpPr>
-        <p:spPr>
-          <a:xfrm>
-            <a:off x="2540473" y="6818513"/>
-            <a:ext cx="64770" cy="64770"/>
-          </a:xfrm>
-          <a:prstGeom prst="ellipse">
-            <a:avLst/>
-          </a:prstGeom>
-        </p:spPr>
-        <p:style>
-          <a:lnRef idx="2">
-            <a:schemeClr val="accent1">
-              <a:shade val="50000"/>
-            </a:schemeClr>
-          </a:lnRef>
-          <a:fillRef idx="1">
-            <a:schemeClr val="accent1"/>
-          </a:fillRef>
-          <a:effectRef idx="0">
-            <a:schemeClr val="accent1"/>
-          </a:effectRef>
-          <a:fontRef idx="minor">
-            <a:schemeClr val="lt1"/>
-          </a:fontRef>
-        </p:style>
-        <p:txBody>
-          <a:bodyPr rtlCol="0" anchor="ctr"/>
-          <a:lstStyle/>
-          <a:p>
-            <a:pPr algn="ctr"/>
-            <a:endParaRPr lang="en-US" sz="1530"/>
-          </a:p>
-        </p:txBody>
-      </p:sp>
-      <p:sp>
-        <p:nvSpPr>
-          <p:cNvPr id="25" name="Oval 24"/>
-          <p:cNvSpPr/>
-          <p:nvPr/>
-        </p:nvSpPr>
-        <p:spPr>
-          <a:xfrm>
-            <a:off x="2605243" y="6948053"/>
-            <a:ext cx="64770" cy="64770"/>
-          </a:xfrm>
-          <a:prstGeom prst="ellipse">
-            <a:avLst/>
-          </a:prstGeom>
-        </p:spPr>
-        <p:style>
-          <a:lnRef idx="2">
-            <a:schemeClr val="accent1">
-              <a:shade val="50000"/>
-            </a:schemeClr>
-          </a:lnRef>
-          <a:fillRef idx="1">
-            <a:schemeClr val="accent1"/>
-          </a:fillRef>
-          <a:effectRef idx="0">
-            <a:schemeClr val="accent1"/>
-          </a:effectRef>
-          <a:fontRef idx="minor">
-            <a:schemeClr val="lt1"/>
-          </a:fontRef>
-        </p:style>
-        <p:txBody>
-          <a:bodyPr rtlCol="0" anchor="ctr"/>
-          <a:lstStyle/>
-          <a:p>
-            <a:pPr algn="ctr"/>
-            <a:endParaRPr lang="en-US" sz="1530"/>
-          </a:p>
-        </p:txBody>
-      </p:sp>
-      <p:sp>
-        <p:nvSpPr>
-          <p:cNvPr id="26" name="Oval 25"/>
-          <p:cNvSpPr/>
-          <p:nvPr/>
-        </p:nvSpPr>
-        <p:spPr>
-          <a:xfrm>
-            <a:off x="2734783" y="6883283"/>
-            <a:ext cx="64770" cy="64770"/>
-          </a:xfrm>
-          <a:prstGeom prst="ellipse">
-            <a:avLst/>
-          </a:prstGeom>
-        </p:spPr>
-        <p:style>
-          <a:lnRef idx="2">
-            <a:schemeClr val="accent1">
-              <a:shade val="50000"/>
-            </a:schemeClr>
-          </a:lnRef>
-          <a:fillRef idx="1">
-            <a:schemeClr val="accent1"/>
-          </a:fillRef>
-          <a:effectRef idx="0">
-            <a:schemeClr val="accent1"/>
-          </a:effectRef>
-          <a:fontRef idx="minor">
-            <a:schemeClr val="lt1"/>
-          </a:fontRef>
-        </p:style>
-        <p:txBody>
-          <a:bodyPr rtlCol="0" anchor="ctr"/>
-          <a:lstStyle/>
-          <a:p>
-            <a:pPr algn="ctr"/>
-            <a:endParaRPr lang="en-US" sz="1530"/>
-          </a:p>
-        </p:txBody>
-      </p:sp>
-      <p:sp>
-        <p:nvSpPr>
-          <p:cNvPr id="27" name="TextBox 26"/>
+          <p:cNvPr id="7" name="TextBox 6"/>
           <p:cNvSpPr txBox="1"/>
           <p:nvPr/>
         </p:nvSpPr>
         <p:spPr>
           <a:xfrm>
-            <a:off x="308915" y="6246078"/>
-            <a:ext cx="898003" cy="275460"/>
+            <a:off x="1345319" y="4629647"/>
+            <a:ext cx="588623" cy="327782"/>
           </a:xfrm>
           <a:prstGeom prst="rect">
             <a:avLst/>
@@ -7606,23 +7135,24 @@
           </a:bodyPr>
           <a:lstStyle/>
           <a:p>
-            <a:r>
-              <a:rPr lang="en-US" sz="1190" dirty="0"/>
-              <a:t>Exam Score</a:t>
-            </a:r>
-          </a:p>
-        </p:txBody>
-      </p:sp>
-      <p:sp>
-        <p:nvSpPr>
-          <p:cNvPr id="28" name="TextBox 27"/>
+            <a:pPr algn="ctr"/>
+            <a:r>
+              <a:rPr lang="en-US" sz="1530" b="1" dirty="0"/>
+              <a:t>Price</a:t>
+            </a:r>
+          </a:p>
+        </p:txBody>
+      </p:sp>
+      <p:sp>
+        <p:nvSpPr>
+          <p:cNvPr id="8" name="TextBox 7"/>
           <p:cNvSpPr txBox="1"/>
           <p:nvPr/>
         </p:nvSpPr>
         <p:spPr>
           <a:xfrm>
-            <a:off x="2397851" y="7466213"/>
-            <a:ext cx="1116011" cy="458587"/>
+            <a:off x="3087322" y="5298591"/>
+            <a:ext cx="1227452" cy="798680"/>
           </a:xfrm>
           <a:prstGeom prst="rect">
             <a:avLst/>
@@ -7635,801 +7165,36 @@
           </a:bodyPr>
           <a:lstStyle/>
           <a:p>
-            <a:pPr algn="ctr"/>
-            <a:r>
-              <a:rPr lang="en-US" sz="1190" dirty="0"/>
-              <a:t>Time Spent</a:t>
+            <a:r>
+              <a:rPr lang="en-US" sz="1530" b="1" dirty="0"/>
+              <a:t>Group</a:t>
             </a:r>
             <a:br>
-              <a:rPr lang="en-US" sz="1190" dirty="0"/>
+              <a:rPr lang="en-US" sz="1530" b="1" dirty="0"/>
             </a:br>
             <a:r>
-              <a:rPr lang="en-US" sz="1190" dirty="0"/>
-              <a:t>at Office Hours</a:t>
-            </a:r>
-          </a:p>
-        </p:txBody>
-      </p:sp>
-      <p:cxnSp>
-        <p:nvCxnSpPr>
-          <p:cNvPr id="37" name="Straight Connector 36"/>
-          <p:cNvCxnSpPr/>
-          <p:nvPr/>
-        </p:nvCxnSpPr>
-        <p:spPr>
-          <a:xfrm>
-            <a:off x="1115533" y="6624203"/>
-            <a:ext cx="2007870" cy="388620"/>
-          </a:xfrm>
-          <a:prstGeom prst="line">
-            <a:avLst/>
-          </a:prstGeom>
-        </p:spPr>
-        <p:style>
-          <a:lnRef idx="1">
-            <a:schemeClr val="accent1"/>
-          </a:lnRef>
-          <a:fillRef idx="0">
-            <a:schemeClr val="accent1"/>
-          </a:fillRef>
-          <a:effectRef idx="0">
-            <a:schemeClr val="accent1"/>
-          </a:effectRef>
-          <a:fontRef idx="minor">
-            <a:schemeClr val="tx1"/>
-          </a:fontRef>
-        </p:style>
-      </p:cxnSp>
-      <p:sp>
-        <p:nvSpPr>
-          <p:cNvPr id="45" name="Oval 44"/>
-          <p:cNvSpPr/>
-          <p:nvPr/>
-        </p:nvSpPr>
-        <p:spPr>
-          <a:xfrm>
-            <a:off x="6232363" y="6300353"/>
-            <a:ext cx="64770" cy="64770"/>
-          </a:xfrm>
-          <a:prstGeom prst="ellipse">
-            <a:avLst/>
-          </a:prstGeom>
-          <a:ln>
-            <a:solidFill>
-              <a:srgbClr val="FF0000"/>
-            </a:solidFill>
-          </a:ln>
-        </p:spPr>
-        <p:style>
-          <a:lnRef idx="2">
-            <a:schemeClr val="accent1">
-              <a:shade val="50000"/>
-            </a:schemeClr>
-          </a:lnRef>
-          <a:fillRef idx="1">
-            <a:schemeClr val="accent1"/>
-          </a:fillRef>
-          <a:effectRef idx="0">
-            <a:schemeClr val="accent1"/>
-          </a:effectRef>
-          <a:fontRef idx="minor">
-            <a:schemeClr val="lt1"/>
-          </a:fontRef>
-        </p:style>
-        <p:txBody>
-          <a:bodyPr rtlCol="0" anchor="ctr"/>
-          <a:lstStyle/>
-          <a:p>
-            <a:pPr algn="ctr"/>
-            <a:endParaRPr lang="en-US" sz="1530"/>
-          </a:p>
-        </p:txBody>
-      </p:sp>
-      <p:sp>
-        <p:nvSpPr>
-          <p:cNvPr id="46" name="Oval 45"/>
-          <p:cNvSpPr/>
-          <p:nvPr/>
-        </p:nvSpPr>
-        <p:spPr>
-          <a:xfrm>
-            <a:off x="6361903" y="6365123"/>
-            <a:ext cx="64770" cy="64770"/>
-          </a:xfrm>
-          <a:prstGeom prst="ellipse">
-            <a:avLst/>
-          </a:prstGeom>
-          <a:ln>
-            <a:solidFill>
-              <a:srgbClr val="FF0000"/>
-            </a:solidFill>
-          </a:ln>
-        </p:spPr>
-        <p:style>
-          <a:lnRef idx="2">
-            <a:schemeClr val="accent1">
-              <a:shade val="50000"/>
-            </a:schemeClr>
-          </a:lnRef>
-          <a:fillRef idx="1">
-            <a:schemeClr val="accent1"/>
-          </a:fillRef>
-          <a:effectRef idx="0">
-            <a:schemeClr val="accent1"/>
-          </a:effectRef>
-          <a:fontRef idx="minor">
-            <a:schemeClr val="lt1"/>
-          </a:fontRef>
-        </p:style>
-        <p:txBody>
-          <a:bodyPr rtlCol="0" anchor="ctr"/>
-          <a:lstStyle/>
-          <a:p>
-            <a:pPr algn="ctr"/>
-            <a:endParaRPr lang="en-US" sz="1530"/>
-          </a:p>
-        </p:txBody>
-      </p:sp>
-      <p:sp>
-        <p:nvSpPr>
-          <p:cNvPr id="47" name="Oval 46"/>
-          <p:cNvSpPr/>
-          <p:nvPr/>
-        </p:nvSpPr>
-        <p:spPr>
-          <a:xfrm>
-            <a:off x="6297133" y="6235583"/>
-            <a:ext cx="64770" cy="64770"/>
-          </a:xfrm>
-          <a:prstGeom prst="ellipse">
-            <a:avLst/>
-          </a:prstGeom>
-          <a:ln>
-            <a:solidFill>
-              <a:srgbClr val="FF0000"/>
-            </a:solidFill>
-          </a:ln>
-        </p:spPr>
-        <p:style>
-          <a:lnRef idx="2">
-            <a:schemeClr val="accent1">
-              <a:shade val="50000"/>
-            </a:schemeClr>
-          </a:lnRef>
-          <a:fillRef idx="1">
-            <a:schemeClr val="accent1"/>
-          </a:fillRef>
-          <a:effectRef idx="0">
-            <a:schemeClr val="accent1"/>
-          </a:effectRef>
-          <a:fontRef idx="minor">
-            <a:schemeClr val="lt1"/>
-          </a:fontRef>
-        </p:style>
-        <p:txBody>
-          <a:bodyPr rtlCol="0" anchor="ctr"/>
-          <a:lstStyle/>
-          <a:p>
-            <a:pPr algn="ctr"/>
-            <a:endParaRPr lang="en-US" sz="1530"/>
-          </a:p>
-        </p:txBody>
-      </p:sp>
-      <p:sp>
-        <p:nvSpPr>
-          <p:cNvPr id="48" name="Oval 47"/>
-          <p:cNvSpPr/>
-          <p:nvPr/>
-        </p:nvSpPr>
-        <p:spPr>
-          <a:xfrm>
-            <a:off x="6297133" y="6429893"/>
-            <a:ext cx="64770" cy="64770"/>
-          </a:xfrm>
-          <a:prstGeom prst="ellipse">
-            <a:avLst/>
-          </a:prstGeom>
-          <a:ln>
-            <a:solidFill>
-              <a:srgbClr val="FF0000"/>
-            </a:solidFill>
-          </a:ln>
-        </p:spPr>
-        <p:style>
-          <a:lnRef idx="2">
-            <a:schemeClr val="accent1">
-              <a:shade val="50000"/>
-            </a:schemeClr>
-          </a:lnRef>
-          <a:fillRef idx="1">
-            <a:schemeClr val="accent1"/>
-          </a:fillRef>
-          <a:effectRef idx="0">
-            <a:schemeClr val="accent1"/>
-          </a:effectRef>
-          <a:fontRef idx="minor">
-            <a:schemeClr val="lt1"/>
-          </a:fontRef>
-        </p:style>
-        <p:txBody>
-          <a:bodyPr rtlCol="0" anchor="ctr"/>
-          <a:lstStyle/>
-          <a:p>
-            <a:pPr algn="ctr"/>
-            <a:endParaRPr lang="en-US" sz="1530"/>
-          </a:p>
-        </p:txBody>
-      </p:sp>
-      <p:sp>
-        <p:nvSpPr>
-          <p:cNvPr id="49" name="Oval 48"/>
-          <p:cNvSpPr/>
-          <p:nvPr/>
-        </p:nvSpPr>
-        <p:spPr>
-          <a:xfrm>
-            <a:off x="6232363" y="6429893"/>
-            <a:ext cx="64770" cy="64770"/>
-          </a:xfrm>
-          <a:prstGeom prst="ellipse">
-            <a:avLst/>
-          </a:prstGeom>
-          <a:ln>
-            <a:solidFill>
-              <a:srgbClr val="FF0000"/>
-            </a:solidFill>
-          </a:ln>
-        </p:spPr>
-        <p:style>
-          <a:lnRef idx="2">
-            <a:schemeClr val="accent1">
-              <a:shade val="50000"/>
-            </a:schemeClr>
-          </a:lnRef>
-          <a:fillRef idx="1">
-            <a:schemeClr val="accent1"/>
-          </a:fillRef>
-          <a:effectRef idx="0">
-            <a:schemeClr val="accent1"/>
-          </a:effectRef>
-          <a:fontRef idx="minor">
-            <a:schemeClr val="lt1"/>
-          </a:fontRef>
-        </p:style>
-        <p:txBody>
-          <a:bodyPr rtlCol="0" anchor="ctr"/>
-          <a:lstStyle/>
-          <a:p>
-            <a:pPr algn="ctr"/>
-            <a:endParaRPr lang="en-US" sz="1530"/>
-          </a:p>
-        </p:txBody>
-      </p:sp>
-      <p:sp>
-        <p:nvSpPr>
-          <p:cNvPr id="50" name="Oval 49"/>
-          <p:cNvSpPr/>
-          <p:nvPr/>
-        </p:nvSpPr>
-        <p:spPr>
-          <a:xfrm>
-            <a:off x="6297133" y="6559433"/>
-            <a:ext cx="64770" cy="64770"/>
-          </a:xfrm>
-          <a:prstGeom prst="ellipse">
-            <a:avLst/>
-          </a:prstGeom>
-          <a:ln>
-            <a:solidFill>
-              <a:srgbClr val="FF0000"/>
-            </a:solidFill>
-          </a:ln>
-        </p:spPr>
-        <p:style>
-          <a:lnRef idx="2">
-            <a:schemeClr val="accent1">
-              <a:shade val="50000"/>
-            </a:schemeClr>
-          </a:lnRef>
-          <a:fillRef idx="1">
-            <a:schemeClr val="accent1"/>
-          </a:fillRef>
-          <a:effectRef idx="0">
-            <a:schemeClr val="accent1"/>
-          </a:effectRef>
-          <a:fontRef idx="minor">
-            <a:schemeClr val="lt1"/>
-          </a:fontRef>
-        </p:style>
-        <p:txBody>
-          <a:bodyPr rtlCol="0" anchor="ctr"/>
-          <a:lstStyle/>
-          <a:p>
-            <a:pPr algn="ctr"/>
-            <a:endParaRPr lang="en-US" sz="1530"/>
-          </a:p>
-        </p:txBody>
-      </p:sp>
-      <p:sp>
-        <p:nvSpPr>
-          <p:cNvPr id="51" name="Oval 50"/>
-          <p:cNvSpPr/>
-          <p:nvPr/>
-        </p:nvSpPr>
-        <p:spPr>
-          <a:xfrm>
-            <a:off x="6232363" y="6688973"/>
-            <a:ext cx="64770" cy="64770"/>
-          </a:xfrm>
-          <a:prstGeom prst="ellipse">
-            <a:avLst/>
-          </a:prstGeom>
-          <a:ln>
-            <a:solidFill>
-              <a:srgbClr val="FF0000"/>
-            </a:solidFill>
-          </a:ln>
-        </p:spPr>
-        <p:style>
-          <a:lnRef idx="2">
-            <a:schemeClr val="accent1">
-              <a:shade val="50000"/>
-            </a:schemeClr>
-          </a:lnRef>
-          <a:fillRef idx="1">
-            <a:schemeClr val="accent1"/>
-          </a:fillRef>
-          <a:effectRef idx="0">
-            <a:schemeClr val="accent1"/>
-          </a:effectRef>
-          <a:fontRef idx="minor">
-            <a:schemeClr val="lt1"/>
-          </a:fontRef>
-        </p:style>
-        <p:txBody>
-          <a:bodyPr rtlCol="0" anchor="ctr"/>
-          <a:lstStyle/>
-          <a:p>
-            <a:pPr algn="ctr"/>
-            <a:endParaRPr lang="en-US" sz="1530"/>
-          </a:p>
-        </p:txBody>
-      </p:sp>
-      <p:sp>
-        <p:nvSpPr>
-          <p:cNvPr id="52" name="Oval 51"/>
-          <p:cNvSpPr/>
-          <p:nvPr/>
-        </p:nvSpPr>
-        <p:spPr>
-          <a:xfrm>
-            <a:off x="6297133" y="6818513"/>
-            <a:ext cx="64770" cy="64770"/>
-          </a:xfrm>
-          <a:prstGeom prst="ellipse">
-            <a:avLst/>
-          </a:prstGeom>
-          <a:ln>
-            <a:solidFill>
-              <a:srgbClr val="FF0000"/>
-            </a:solidFill>
-          </a:ln>
-        </p:spPr>
-        <p:style>
-          <a:lnRef idx="2">
-            <a:schemeClr val="accent1">
-              <a:shade val="50000"/>
-            </a:schemeClr>
-          </a:lnRef>
-          <a:fillRef idx="1">
-            <a:schemeClr val="accent1"/>
-          </a:fillRef>
-          <a:effectRef idx="0">
-            <a:schemeClr val="accent1"/>
-          </a:effectRef>
-          <a:fontRef idx="minor">
-            <a:schemeClr val="lt1"/>
-          </a:fontRef>
-        </p:style>
-        <p:txBody>
-          <a:bodyPr rtlCol="0" anchor="ctr"/>
-          <a:lstStyle/>
-          <a:p>
-            <a:pPr algn="ctr"/>
-            <a:endParaRPr lang="en-US" sz="1530"/>
-          </a:p>
-        </p:txBody>
-      </p:sp>
-      <p:sp>
-        <p:nvSpPr>
-          <p:cNvPr id="53" name="Oval 52"/>
-          <p:cNvSpPr/>
-          <p:nvPr/>
-        </p:nvSpPr>
-        <p:spPr>
-          <a:xfrm>
-            <a:off x="4936963" y="6883283"/>
-            <a:ext cx="64770" cy="64770"/>
-          </a:xfrm>
-          <a:prstGeom prst="ellipse">
-            <a:avLst/>
-          </a:prstGeom>
-        </p:spPr>
-        <p:style>
-          <a:lnRef idx="2">
-            <a:schemeClr val="accent1">
-              <a:shade val="50000"/>
-            </a:schemeClr>
-          </a:lnRef>
-          <a:fillRef idx="1">
-            <a:schemeClr val="accent1"/>
-          </a:fillRef>
-          <a:effectRef idx="0">
-            <a:schemeClr val="accent1"/>
-          </a:effectRef>
-          <a:fontRef idx="minor">
-            <a:schemeClr val="lt1"/>
-          </a:fontRef>
-        </p:style>
-        <p:txBody>
-          <a:bodyPr rtlCol="0" anchor="ctr"/>
-          <a:lstStyle/>
-          <a:p>
-            <a:pPr algn="ctr"/>
-            <a:endParaRPr lang="en-US" sz="1530"/>
-          </a:p>
-        </p:txBody>
-      </p:sp>
-      <p:sp>
-        <p:nvSpPr>
-          <p:cNvPr id="54" name="Oval 53"/>
-          <p:cNvSpPr/>
-          <p:nvPr/>
-        </p:nvSpPr>
-        <p:spPr>
-          <a:xfrm>
-            <a:off x="4872193" y="6948053"/>
-            <a:ext cx="64770" cy="64770"/>
-          </a:xfrm>
-          <a:prstGeom prst="ellipse">
-            <a:avLst/>
-          </a:prstGeom>
-        </p:spPr>
-        <p:style>
-          <a:lnRef idx="2">
-            <a:schemeClr val="accent1">
-              <a:shade val="50000"/>
-            </a:schemeClr>
-          </a:lnRef>
-          <a:fillRef idx="1">
-            <a:schemeClr val="accent1"/>
-          </a:fillRef>
-          <a:effectRef idx="0">
-            <a:schemeClr val="accent1"/>
-          </a:effectRef>
-          <a:fontRef idx="minor">
-            <a:schemeClr val="lt1"/>
-          </a:fontRef>
-        </p:style>
-        <p:txBody>
-          <a:bodyPr rtlCol="0" anchor="ctr"/>
-          <a:lstStyle/>
-          <a:p>
-            <a:pPr algn="ctr"/>
-            <a:endParaRPr lang="en-US" sz="1530"/>
-          </a:p>
-        </p:txBody>
-      </p:sp>
-      <p:sp>
-        <p:nvSpPr>
-          <p:cNvPr id="55" name="Oval 54"/>
-          <p:cNvSpPr/>
-          <p:nvPr/>
-        </p:nvSpPr>
-        <p:spPr>
-          <a:xfrm>
-            <a:off x="4872193" y="6753743"/>
-            <a:ext cx="64770" cy="64770"/>
-          </a:xfrm>
-          <a:prstGeom prst="ellipse">
-            <a:avLst/>
-          </a:prstGeom>
-        </p:spPr>
-        <p:style>
-          <a:lnRef idx="2">
-            <a:schemeClr val="accent1">
-              <a:shade val="50000"/>
-            </a:schemeClr>
-          </a:lnRef>
-          <a:fillRef idx="1">
-            <a:schemeClr val="accent1"/>
-          </a:fillRef>
-          <a:effectRef idx="0">
-            <a:schemeClr val="accent1"/>
-          </a:effectRef>
-          <a:fontRef idx="minor">
-            <a:schemeClr val="lt1"/>
-          </a:fontRef>
-        </p:style>
-        <p:txBody>
-          <a:bodyPr rtlCol="0" anchor="ctr"/>
-          <a:lstStyle/>
-          <a:p>
-            <a:pPr algn="ctr"/>
-            <a:endParaRPr lang="en-US" sz="1530"/>
-          </a:p>
-        </p:txBody>
-      </p:sp>
-      <p:sp>
-        <p:nvSpPr>
-          <p:cNvPr id="56" name="Oval 55"/>
-          <p:cNvSpPr/>
-          <p:nvPr/>
-        </p:nvSpPr>
-        <p:spPr>
-          <a:xfrm>
-            <a:off x="5001733" y="7012823"/>
-            <a:ext cx="64770" cy="64770"/>
-          </a:xfrm>
-          <a:prstGeom prst="ellipse">
-            <a:avLst/>
-          </a:prstGeom>
-        </p:spPr>
-        <p:style>
-          <a:lnRef idx="2">
-            <a:schemeClr val="accent1">
-              <a:shade val="50000"/>
-            </a:schemeClr>
-          </a:lnRef>
-          <a:fillRef idx="1">
-            <a:schemeClr val="accent1"/>
-          </a:fillRef>
-          <a:effectRef idx="0">
-            <a:schemeClr val="accent1"/>
-          </a:effectRef>
-          <a:fontRef idx="minor">
-            <a:schemeClr val="lt1"/>
-          </a:fontRef>
-        </p:style>
-        <p:txBody>
-          <a:bodyPr rtlCol="0" anchor="ctr"/>
-          <a:lstStyle/>
-          <a:p>
-            <a:pPr algn="ctr"/>
-            <a:endParaRPr lang="en-US" sz="1530"/>
-          </a:p>
-        </p:txBody>
-      </p:sp>
-      <p:sp>
-        <p:nvSpPr>
-          <p:cNvPr id="59" name="Oval 58"/>
-          <p:cNvSpPr/>
-          <p:nvPr/>
-        </p:nvSpPr>
-        <p:spPr>
-          <a:xfrm>
-            <a:off x="4807423" y="6624203"/>
-            <a:ext cx="64770" cy="64770"/>
-          </a:xfrm>
-          <a:prstGeom prst="ellipse">
-            <a:avLst/>
-          </a:prstGeom>
-        </p:spPr>
-        <p:style>
-          <a:lnRef idx="2">
-            <a:schemeClr val="accent1">
-              <a:shade val="50000"/>
-            </a:schemeClr>
-          </a:lnRef>
-          <a:fillRef idx="1">
-            <a:schemeClr val="accent1"/>
-          </a:fillRef>
-          <a:effectRef idx="0">
-            <a:schemeClr val="accent1"/>
-          </a:effectRef>
-          <a:fontRef idx="minor">
-            <a:schemeClr val="lt1"/>
-          </a:fontRef>
-        </p:style>
-        <p:txBody>
-          <a:bodyPr rtlCol="0" anchor="ctr"/>
-          <a:lstStyle/>
-          <a:p>
-            <a:pPr algn="ctr"/>
-            <a:endParaRPr lang="en-US" sz="1530"/>
-          </a:p>
-        </p:txBody>
-      </p:sp>
-      <p:sp>
-        <p:nvSpPr>
-          <p:cNvPr id="60" name="Oval 59"/>
-          <p:cNvSpPr/>
-          <p:nvPr/>
-        </p:nvSpPr>
-        <p:spPr>
-          <a:xfrm>
-            <a:off x="4872193" y="7077593"/>
-            <a:ext cx="64770" cy="64770"/>
-          </a:xfrm>
-          <a:prstGeom prst="ellipse">
-            <a:avLst/>
-          </a:prstGeom>
-        </p:spPr>
-        <p:style>
-          <a:lnRef idx="2">
-            <a:schemeClr val="accent1">
-              <a:shade val="50000"/>
-            </a:schemeClr>
-          </a:lnRef>
-          <a:fillRef idx="1">
-            <a:schemeClr val="accent1"/>
-          </a:fillRef>
-          <a:effectRef idx="0">
-            <a:schemeClr val="accent1"/>
-          </a:effectRef>
-          <a:fontRef idx="minor">
-            <a:schemeClr val="lt1"/>
-          </a:fontRef>
-        </p:style>
-        <p:txBody>
-          <a:bodyPr rtlCol="0" anchor="ctr"/>
-          <a:lstStyle/>
-          <a:p>
-            <a:pPr algn="ctr"/>
-            <a:endParaRPr lang="en-US" sz="1530"/>
-          </a:p>
-        </p:txBody>
-      </p:sp>
-      <p:cxnSp>
-        <p:nvCxnSpPr>
-          <p:cNvPr id="61" name="Straight Connector 60"/>
-          <p:cNvCxnSpPr/>
-          <p:nvPr/>
-        </p:nvCxnSpPr>
-        <p:spPr>
-          <a:xfrm rot="5400000">
-            <a:off x="3868258" y="6980438"/>
-            <a:ext cx="971550" cy="0"/>
-          </a:xfrm>
-          <a:prstGeom prst="line">
-            <a:avLst/>
-          </a:prstGeom>
-        </p:spPr>
-        <p:style>
-          <a:lnRef idx="1">
-            <a:schemeClr val="accent1"/>
-          </a:lnRef>
-          <a:fillRef idx="0">
-            <a:schemeClr val="accent1"/>
-          </a:fillRef>
-          <a:effectRef idx="0">
-            <a:schemeClr val="accent1"/>
-          </a:effectRef>
-          <a:fontRef idx="minor">
-            <a:schemeClr val="tx1"/>
-          </a:fontRef>
-        </p:style>
-      </p:cxnSp>
-      <p:cxnSp>
-        <p:nvCxnSpPr>
-          <p:cNvPr id="62" name="Straight Connector 61"/>
-          <p:cNvCxnSpPr/>
-          <p:nvPr/>
-        </p:nvCxnSpPr>
-        <p:spPr>
-          <a:xfrm rot="10800000">
-            <a:off x="4224493" y="7401443"/>
-            <a:ext cx="2720340" cy="0"/>
-          </a:xfrm>
-          <a:prstGeom prst="line">
-            <a:avLst/>
-          </a:prstGeom>
-        </p:spPr>
-        <p:style>
-          <a:lnRef idx="1">
-            <a:schemeClr val="accent1"/>
-          </a:lnRef>
-          <a:fillRef idx="0">
-            <a:schemeClr val="accent1"/>
-          </a:fillRef>
-          <a:effectRef idx="0">
-            <a:schemeClr val="accent1"/>
-          </a:effectRef>
-          <a:fontRef idx="minor">
-            <a:schemeClr val="tx1"/>
-          </a:fontRef>
-        </p:style>
-      </p:cxnSp>
-      <p:sp>
-        <p:nvSpPr>
-          <p:cNvPr id="65" name="Oval 64"/>
-          <p:cNvSpPr/>
-          <p:nvPr/>
-        </p:nvSpPr>
-        <p:spPr>
-          <a:xfrm>
-            <a:off x="4872193" y="6559433"/>
-            <a:ext cx="64770" cy="64770"/>
-          </a:xfrm>
-          <a:prstGeom prst="ellipse">
-            <a:avLst/>
-          </a:prstGeom>
-        </p:spPr>
-        <p:style>
-          <a:lnRef idx="2">
-            <a:schemeClr val="accent1">
-              <a:shade val="50000"/>
-            </a:schemeClr>
-          </a:lnRef>
-          <a:fillRef idx="1">
-            <a:schemeClr val="accent1"/>
-          </a:fillRef>
-          <a:effectRef idx="0">
-            <a:schemeClr val="accent1"/>
-          </a:effectRef>
-          <a:fontRef idx="minor">
-            <a:schemeClr val="lt1"/>
-          </a:fontRef>
-        </p:style>
-        <p:txBody>
-          <a:bodyPr rtlCol="0" anchor="ctr"/>
-          <a:lstStyle/>
-          <a:p>
-            <a:pPr algn="ctr"/>
-            <a:endParaRPr lang="en-US" sz="1530"/>
-          </a:p>
-        </p:txBody>
-      </p:sp>
-      <p:sp>
-        <p:nvSpPr>
-          <p:cNvPr id="66" name="Oval 65"/>
-          <p:cNvSpPr/>
-          <p:nvPr/>
-        </p:nvSpPr>
-        <p:spPr>
-          <a:xfrm>
-            <a:off x="4742653" y="6818513"/>
-            <a:ext cx="64770" cy="64770"/>
-          </a:xfrm>
-          <a:prstGeom prst="ellipse">
-            <a:avLst/>
-          </a:prstGeom>
-        </p:spPr>
-        <p:style>
-          <a:lnRef idx="2">
-            <a:schemeClr val="accent1">
-              <a:shade val="50000"/>
-            </a:schemeClr>
-          </a:lnRef>
-          <a:fillRef idx="1">
-            <a:schemeClr val="accent1"/>
-          </a:fillRef>
-          <a:effectRef idx="0">
-            <a:schemeClr val="accent1"/>
-          </a:effectRef>
-          <a:fontRef idx="minor">
-            <a:schemeClr val="lt1"/>
-          </a:fontRef>
-        </p:style>
-        <p:txBody>
-          <a:bodyPr rtlCol="0" anchor="ctr"/>
-          <a:lstStyle/>
-          <a:p>
-            <a:pPr algn="ctr"/>
-            <a:endParaRPr lang="en-US" sz="1530"/>
-          </a:p>
-        </p:txBody>
-      </p:sp>
-      <p:sp>
-        <p:nvSpPr>
-          <p:cNvPr id="71" name="TextBox 70"/>
+              <a:rPr lang="en-US" sz="1530" b="1" dirty="0"/>
+              <a:t>Membership</a:t>
+            </a:r>
+          </a:p>
+          <a:p>
+            <a:r>
+              <a:rPr lang="en-US" sz="1530" b="1" dirty="0"/>
+              <a:t>(car type)</a:t>
+            </a:r>
+          </a:p>
+        </p:txBody>
+      </p:sp>
+      <p:sp>
+        <p:nvSpPr>
+          <p:cNvPr id="9" name="TextBox 8"/>
           <p:cNvSpPr txBox="1"/>
           <p:nvPr/>
         </p:nvSpPr>
         <p:spPr>
           <a:xfrm>
-            <a:off x="3929142" y="6230401"/>
-            <a:ext cx="898003" cy="275460"/>
+            <a:off x="661863" y="6467853"/>
+            <a:ext cx="838178" cy="327782"/>
           </a:xfrm>
           <a:prstGeom prst="rect">
             <a:avLst/>
@@ -8443,198 +7208,80 @@
           <a:lstStyle/>
           <a:p>
             <a:r>
-              <a:rPr lang="en-US" sz="1190" dirty="0"/>
-              <a:t>Exam Score</a:t>
-            </a:r>
-          </a:p>
-        </p:txBody>
-      </p:sp>
-      <p:sp>
-        <p:nvSpPr>
-          <p:cNvPr id="72" name="TextBox 71"/>
-          <p:cNvSpPr txBox="1"/>
-          <p:nvPr/>
-        </p:nvSpPr>
-        <p:spPr>
-          <a:xfrm>
-            <a:off x="6024971" y="7466213"/>
-            <a:ext cx="1116011" cy="458587"/>
-          </a:xfrm>
-          <a:prstGeom prst="rect">
-            <a:avLst/>
-          </a:prstGeom>
-          <a:noFill/>
-        </p:spPr>
-        <p:txBody>
-          <a:bodyPr wrap="none" rtlCol="0">
-            <a:spAutoFit/>
-          </a:bodyPr>
-          <a:lstStyle/>
-          <a:p>
-            <a:pPr algn="ctr"/>
-            <a:r>
-              <a:rPr lang="en-US" sz="1190" dirty="0"/>
-              <a:t>Time Spent</a:t>
-            </a:r>
-            <a:br>
-              <a:rPr lang="en-US" sz="1190" dirty="0"/>
-            </a:br>
-            <a:r>
-              <a:rPr lang="en-US" sz="1190" dirty="0"/>
-              <a:t>at Office Hours</a:t>
-            </a:r>
-          </a:p>
-        </p:txBody>
-      </p:sp>
-      <p:cxnSp>
-        <p:nvCxnSpPr>
-          <p:cNvPr id="73" name="Straight Connector 72"/>
-          <p:cNvCxnSpPr/>
-          <p:nvPr/>
-        </p:nvCxnSpPr>
-        <p:spPr>
-          <a:xfrm flipV="1">
-            <a:off x="4807423" y="6429893"/>
-            <a:ext cx="1748790" cy="518160"/>
-          </a:xfrm>
-          <a:prstGeom prst="line">
-            <a:avLst/>
-          </a:prstGeom>
-        </p:spPr>
-        <p:style>
-          <a:lnRef idx="1">
-            <a:schemeClr val="accent1"/>
-          </a:lnRef>
-          <a:fillRef idx="0">
-            <a:schemeClr val="accent1"/>
-          </a:fillRef>
-          <a:effectRef idx="0">
-            <a:schemeClr val="accent1"/>
-          </a:effectRef>
-          <a:fontRef idx="minor">
-            <a:schemeClr val="tx1"/>
-          </a:fontRef>
-        </p:style>
-      </p:cxnSp>
-      <p:sp>
-        <p:nvSpPr>
-          <p:cNvPr id="78" name="TextBox 77"/>
-          <p:cNvSpPr txBox="1"/>
-          <p:nvPr/>
-        </p:nvSpPr>
-        <p:spPr>
-          <a:xfrm>
-            <a:off x="6038053" y="5911733"/>
-            <a:ext cx="651140" cy="275460"/>
-          </a:xfrm>
-          <a:prstGeom prst="rect">
-            <a:avLst/>
-          </a:prstGeom>
-          <a:noFill/>
-        </p:spPr>
-        <p:txBody>
-          <a:bodyPr wrap="none" rtlCol="0">
-            <a:spAutoFit/>
-          </a:bodyPr>
-          <a:lstStyle/>
-          <a:p>
-            <a:r>
-              <a:rPr lang="en-US" sz="1190" dirty="0"/>
-              <a:t>Group2</a:t>
-            </a:r>
-          </a:p>
-        </p:txBody>
-      </p:sp>
-      <p:sp>
-        <p:nvSpPr>
-          <p:cNvPr id="79" name="TextBox 78"/>
-          <p:cNvSpPr txBox="1"/>
-          <p:nvPr/>
-        </p:nvSpPr>
-        <p:spPr>
-          <a:xfrm>
-            <a:off x="5001733" y="6365123"/>
-            <a:ext cx="651140" cy="275460"/>
-          </a:xfrm>
-          <a:prstGeom prst="rect">
-            <a:avLst/>
-          </a:prstGeom>
-          <a:noFill/>
-        </p:spPr>
-        <p:txBody>
-          <a:bodyPr wrap="none" rtlCol="0">
-            <a:spAutoFit/>
-          </a:bodyPr>
-          <a:lstStyle/>
-          <a:p>
-            <a:r>
-              <a:rPr lang="en-US" sz="1190" dirty="0"/>
-              <a:t>Group1</a:t>
-            </a:r>
-          </a:p>
-        </p:txBody>
-      </p:sp>
-      <p:sp>
-        <p:nvSpPr>
-          <p:cNvPr id="80" name="TextBox 79"/>
-          <p:cNvSpPr txBox="1"/>
-          <p:nvPr/>
-        </p:nvSpPr>
-        <p:spPr>
-          <a:xfrm>
-            <a:off x="995827" y="5290825"/>
-            <a:ext cx="2247282" cy="400110"/>
-          </a:xfrm>
-          <a:prstGeom prst="rect">
-            <a:avLst/>
-          </a:prstGeom>
-          <a:noFill/>
-        </p:spPr>
-        <p:txBody>
-          <a:bodyPr wrap="none" rtlCol="0">
-            <a:spAutoFit/>
-          </a:bodyPr>
-          <a:lstStyle/>
-          <a:p>
-            <a:r>
-              <a:rPr lang="en-US" sz="2000" dirty="0"/>
-              <a:t>Self-Selected Group</a:t>
-            </a:r>
-          </a:p>
-        </p:txBody>
-      </p:sp>
-      <p:sp>
-        <p:nvSpPr>
-          <p:cNvPr id="81" name="TextBox 80"/>
-          <p:cNvSpPr txBox="1"/>
-          <p:nvPr/>
-        </p:nvSpPr>
-        <p:spPr>
-          <a:xfrm>
-            <a:off x="4623789" y="5279183"/>
-            <a:ext cx="1921745" cy="400110"/>
-          </a:xfrm>
-          <a:prstGeom prst="rect">
-            <a:avLst/>
-          </a:prstGeom>
-          <a:noFill/>
-        </p:spPr>
-        <p:txBody>
-          <a:bodyPr wrap="none" rtlCol="0">
-            <a:spAutoFit/>
-          </a:bodyPr>
-          <a:lstStyle/>
-          <a:p>
-            <a:r>
-              <a:rPr lang="en-US" sz="2000" dirty="0"/>
-              <a:t>Assigned Groups</a:t>
-            </a:r>
-          </a:p>
-        </p:txBody>
-      </p:sp>
-      <p:sp>
-        <p:nvSpPr>
-          <p:cNvPr id="3" name="Slide Number Placeholder 2"/>
+              <a:rPr lang="en-US" sz="1530" b="1" dirty="0"/>
+              <a:t>Mileage</a:t>
+            </a:r>
+          </a:p>
+        </p:txBody>
+      </p:sp>
+      <p:graphicFrame>
+        <p:nvGraphicFramePr>
+          <p:cNvPr id="3" name="Object 2"/>
+          <p:cNvGraphicFramePr>
+            <a:graphicFrameLocks noChangeAspect="1"/>
+          </p:cNvGraphicFramePr>
+          <p:nvPr>
+            <p:extLst>
+              <p:ext uri="{D42A27DB-BD31-4B8C-83A1-F6EECF244321}">
+                <p14:modId xmlns:p14="http://schemas.microsoft.com/office/powerpoint/2010/main" val="3678262863"/>
+              </p:ext>
+            </p:extLst>
+          </p:nvPr>
+        </p:nvGraphicFramePr>
+        <p:xfrm>
+          <a:off x="4800600" y="4064059"/>
+          <a:ext cx="1445935" cy="1131175"/>
+        </p:xfrm>
+        <a:graphic>
+          <a:graphicData uri="http://schemas.openxmlformats.org/presentationml/2006/ole">
+            <mc:AlternateContent xmlns:mc="http://schemas.openxmlformats.org/markup-compatibility/2006">
+              <mc:Choice xmlns:v="urn:schemas-microsoft-com:vml" Requires="v">
+                <p:oleObj spid="_x0000_s56327" name="Equation" r:id="rId3" imgW="774360" imgH="672840" progId="Equation.3">
+                  <p:embed/>
+                </p:oleObj>
+              </mc:Choice>
+              <mc:Fallback>
+                <p:oleObj name="Equation" r:id="rId3" imgW="774360" imgH="672840" progId="Equation.3">
+                  <p:embed/>
+                  <p:pic>
+                    <p:nvPicPr>
+                      <p:cNvPr id="3" name="Object 2"/>
+                      <p:cNvPicPr>
+                        <a:picLocks noChangeAspect="1" noChangeArrowheads="1"/>
+                      </p:cNvPicPr>
+                      <p:nvPr/>
+                    </p:nvPicPr>
+                    <p:blipFill>
+                      <a:blip r:embed="rId4"/>
+                      <a:srcRect/>
+                      <a:stretch>
+                        <a:fillRect/>
+                      </a:stretch>
+                    </p:blipFill>
+                    <p:spPr bwMode="auto">
+                      <a:xfrm>
+                        <a:off x="4800600" y="4064059"/>
+                        <a:ext cx="1445935" cy="1131175"/>
+                      </a:xfrm>
+                      <a:prstGeom prst="rect">
+                        <a:avLst/>
+                      </a:prstGeom>
+                      <a:noFill/>
+                      <a:ln>
+                        <a:noFill/>
+                      </a:ln>
+                      <a:extLst/>
+                    </p:spPr>
+                  </p:pic>
+                </p:oleObj>
+              </mc:Fallback>
+            </mc:AlternateContent>
+          </a:graphicData>
+        </a:graphic>
+      </p:graphicFrame>
+      <p:sp>
+        <p:nvSpPr>
+          <p:cNvPr id="10" name="Slide Number Placeholder 9"/>
           <p:cNvSpPr>
             <a:spLocks noGrp="1"/>
           </p:cNvSpPr>
@@ -8655,46 +7302,16 @@
           </a:p>
         </p:txBody>
       </p:sp>
-      <p:sp>
-        <p:nvSpPr>
-          <p:cNvPr id="4" name="TextBox 3"/>
-          <p:cNvSpPr txBox="1"/>
-          <p:nvPr/>
-        </p:nvSpPr>
-        <p:spPr>
-          <a:xfrm>
-            <a:off x="1866141" y="3635600"/>
-            <a:ext cx="4126001" cy="369332"/>
-          </a:xfrm>
-          <a:prstGeom prst="rect">
-            <a:avLst/>
-          </a:prstGeom>
-          <a:noFill/>
-        </p:spPr>
-        <p:txBody>
-          <a:bodyPr wrap="none" rtlCol="0">
-            <a:spAutoFit/>
-          </a:bodyPr>
-          <a:lstStyle/>
-          <a:p>
-            <a:r>
-              <a:rPr lang="en-US" dirty="0"/>
-              <a:t>Does extra tutoring improve exam scores?</a:t>
-            </a:r>
-          </a:p>
-        </p:txBody>
-      </p:sp>
     </p:spTree>
     <p:extLst>
       <p:ext uri="{BB962C8B-B14F-4D97-AF65-F5344CB8AC3E}">
-        <p14:creationId xmlns:p14="http://schemas.microsoft.com/office/powerpoint/2010/main" val="596768386"/>
+        <p14:creationId xmlns:p14="http://schemas.microsoft.com/office/powerpoint/2010/main" val="3646259733"/>
       </p:ext>
     </p:extLst>
   </p:cSld>
   <p:clrMapOvr>
     <a:masterClrMapping/>
   </p:clrMapOvr>
-  <p:transition/>
 </p:sld>
 </file>
 
@@ -8725,40 +7342,97 @@
             <p:ph type="title"/>
           </p:nvPr>
         </p:nvSpPr>
-        <p:spPr/>
-        <p:txBody>
-          <a:bodyPr>
-            <a:normAutofit/>
-          </a:bodyPr>
-          <a:lstStyle/>
-          <a:p>
-            <a:r>
-              <a:rPr lang="en-US" sz="3600" dirty="0"/>
-              <a:t>Selection Bias: Example 1</a:t>
-            </a:r>
-          </a:p>
-        </p:txBody>
-      </p:sp>
-      <p:sp>
-        <p:nvSpPr>
-          <p:cNvPr id="4" name="Oval 3"/>
+        <p:spPr>
+          <a:xfrm>
+            <a:off x="297117" y="1552068"/>
+            <a:ext cx="6995160" cy="971550"/>
+          </a:xfrm>
+        </p:spPr>
+        <p:txBody>
+          <a:bodyPr/>
+          <a:lstStyle/>
+          <a:p>
+            <a:r>
+              <a:rPr lang="en-US" dirty="0"/>
+              <a:t>(6)  Bias Via Selection</a:t>
+            </a:r>
+          </a:p>
+        </p:txBody>
+      </p:sp>
+      <p:cxnSp>
+        <p:nvCxnSpPr>
+          <p:cNvPr id="14" name="Straight Connector 13"/>
+          <p:cNvCxnSpPr/>
+          <p:nvPr/>
+        </p:nvCxnSpPr>
+        <p:spPr>
+          <a:xfrm rot="5400000">
+            <a:off x="241138" y="6980438"/>
+            <a:ext cx="971550" cy="0"/>
+          </a:xfrm>
+          <a:prstGeom prst="line">
+            <a:avLst/>
+          </a:prstGeom>
+        </p:spPr>
+        <p:style>
+          <a:lnRef idx="1">
+            <a:schemeClr val="accent1"/>
+          </a:lnRef>
+          <a:fillRef idx="0">
+            <a:schemeClr val="accent1"/>
+          </a:fillRef>
+          <a:effectRef idx="0">
+            <a:schemeClr val="accent1"/>
+          </a:effectRef>
+          <a:fontRef idx="minor">
+            <a:schemeClr val="tx1"/>
+          </a:fontRef>
+        </p:style>
+      </p:cxnSp>
+      <p:cxnSp>
+        <p:nvCxnSpPr>
+          <p:cNvPr id="17" name="Straight Connector 16"/>
+          <p:cNvCxnSpPr/>
+          <p:nvPr/>
+        </p:nvCxnSpPr>
+        <p:spPr>
+          <a:xfrm rot="10800000">
+            <a:off x="597373" y="7401443"/>
+            <a:ext cx="2720340" cy="0"/>
+          </a:xfrm>
+          <a:prstGeom prst="line">
+            <a:avLst/>
+          </a:prstGeom>
+        </p:spPr>
+        <p:style>
+          <a:lnRef idx="1">
+            <a:schemeClr val="accent1"/>
+          </a:lnRef>
+          <a:fillRef idx="0">
+            <a:schemeClr val="accent1"/>
+          </a:fillRef>
+          <a:effectRef idx="0">
+            <a:schemeClr val="accent1"/>
+          </a:effectRef>
+          <a:fontRef idx="minor">
+            <a:schemeClr val="tx1"/>
+          </a:fontRef>
+        </p:style>
+      </p:cxnSp>
+      <p:sp>
+        <p:nvSpPr>
+          <p:cNvPr id="19" name="Oval 18"/>
           <p:cNvSpPr/>
           <p:nvPr/>
         </p:nvSpPr>
         <p:spPr>
           <a:xfrm>
-            <a:off x="1101090" y="5567196"/>
-            <a:ext cx="1230630" cy="1230630"/>
+            <a:off x="1957543" y="6624203"/>
+            <a:ext cx="64770" cy="64770"/>
           </a:xfrm>
           <a:prstGeom prst="ellipse">
             <a:avLst/>
           </a:prstGeom>
-          <a:noFill/>
-          <a:ln>
-            <a:solidFill>
-              <a:srgbClr val="FF0000"/>
-            </a:solidFill>
-          </a:ln>
         </p:spPr>
         <p:style>
           <a:lnRef idx="2">
@@ -8787,24 +7461,18 @@
       </p:sp>
       <p:sp>
         <p:nvSpPr>
-          <p:cNvPr id="5" name="Oval 4"/>
+          <p:cNvPr id="20" name="Oval 19"/>
           <p:cNvSpPr/>
           <p:nvPr/>
         </p:nvSpPr>
         <p:spPr>
           <a:xfrm>
-            <a:off x="1813560" y="5437656"/>
-            <a:ext cx="1230630" cy="1230630"/>
+            <a:off x="2151853" y="6688973"/>
+            <a:ext cx="64770" cy="64770"/>
           </a:xfrm>
           <a:prstGeom prst="ellipse">
             <a:avLst/>
           </a:prstGeom>
-          <a:noFill/>
-          <a:ln>
-            <a:solidFill>
-              <a:srgbClr val="FF0000"/>
-            </a:solidFill>
-          </a:ln>
         </p:spPr>
         <p:style>
           <a:lnRef idx="2">
@@ -8833,19 +7501,18 @@
       </p:sp>
       <p:sp>
         <p:nvSpPr>
-          <p:cNvPr id="6" name="Oval 5"/>
+          <p:cNvPr id="21" name="Oval 20"/>
           <p:cNvSpPr/>
           <p:nvPr/>
         </p:nvSpPr>
         <p:spPr>
           <a:xfrm>
-            <a:off x="1036320" y="4401336"/>
-            <a:ext cx="1878330" cy="1813560"/>
+            <a:off x="1957543" y="6818513"/>
+            <a:ext cx="64770" cy="64770"/>
           </a:xfrm>
           <a:prstGeom prst="ellipse">
             <a:avLst/>
           </a:prstGeom>
-          <a:noFill/>
         </p:spPr>
         <p:style>
           <a:lnRef idx="2">
@@ -8874,133 +7541,18 @@
       </p:sp>
       <p:sp>
         <p:nvSpPr>
-          <p:cNvPr id="7" name="TextBox 6"/>
-          <p:cNvSpPr txBox="1"/>
-          <p:nvPr/>
-        </p:nvSpPr>
-        <p:spPr>
-          <a:xfrm>
-            <a:off x="1520291" y="4530876"/>
-            <a:ext cx="887872" cy="798680"/>
-          </a:xfrm>
-          <a:prstGeom prst="rect">
-            <a:avLst/>
-          </a:prstGeom>
-          <a:noFill/>
-        </p:spPr>
-        <p:txBody>
-          <a:bodyPr wrap="none" rtlCol="0">
-            <a:spAutoFit/>
-          </a:bodyPr>
-          <a:lstStyle/>
-          <a:p>
-            <a:pPr algn="ctr"/>
-            <a:r>
-              <a:rPr lang="en-US" sz="1530" dirty="0"/>
-              <a:t>Midterm</a:t>
-            </a:r>
-          </a:p>
-          <a:p>
-            <a:pPr algn="ctr"/>
-            <a:r>
-              <a:rPr lang="en-US" sz="1530" dirty="0"/>
-              <a:t>Test</a:t>
-            </a:r>
-          </a:p>
-          <a:p>
-            <a:pPr algn="ctr"/>
-            <a:r>
-              <a:rPr lang="en-US" sz="1530" dirty="0"/>
-              <a:t>Score</a:t>
-            </a:r>
-          </a:p>
-        </p:txBody>
-      </p:sp>
-      <p:sp>
-        <p:nvSpPr>
-          <p:cNvPr id="8" name="TextBox 7"/>
-          <p:cNvSpPr txBox="1"/>
-          <p:nvPr/>
-        </p:nvSpPr>
-        <p:spPr>
-          <a:xfrm>
-            <a:off x="2521575" y="6668285"/>
-            <a:ext cx="1050096" cy="327782"/>
-          </a:xfrm>
-          <a:prstGeom prst="rect">
-            <a:avLst/>
-          </a:prstGeom>
-          <a:noFill/>
-        </p:spPr>
-        <p:txBody>
-          <a:bodyPr wrap="none" rtlCol="0">
-            <a:spAutoFit/>
-          </a:bodyPr>
-          <a:lstStyle/>
-          <a:p>
-            <a:r>
-              <a:rPr lang="en-US" sz="1530" dirty="0"/>
-              <a:t>Math Skills</a:t>
-            </a:r>
-          </a:p>
-        </p:txBody>
-      </p:sp>
-      <p:sp>
-        <p:nvSpPr>
-          <p:cNvPr id="9" name="TextBox 8"/>
-          <p:cNvSpPr txBox="1"/>
-          <p:nvPr/>
-        </p:nvSpPr>
-        <p:spPr>
-          <a:xfrm>
-            <a:off x="661862" y="6746769"/>
-            <a:ext cx="1173270" cy="563231"/>
-          </a:xfrm>
-          <a:prstGeom prst="rect">
-            <a:avLst/>
-          </a:prstGeom>
-          <a:noFill/>
-        </p:spPr>
-        <p:txBody>
-          <a:bodyPr wrap="none" rtlCol="0">
-            <a:spAutoFit/>
-          </a:bodyPr>
-          <a:lstStyle/>
-          <a:p>
-            <a:r>
-              <a:rPr lang="en-US" sz="1530" dirty="0"/>
-              <a:t>Time in</a:t>
-            </a:r>
-            <a:br>
-              <a:rPr lang="en-US" sz="1530" dirty="0"/>
-            </a:br>
-            <a:r>
-              <a:rPr lang="en-US" sz="1530" dirty="0"/>
-              <a:t>Office Hours</a:t>
-            </a:r>
-          </a:p>
-        </p:txBody>
-      </p:sp>
-      <p:sp>
-        <p:nvSpPr>
-          <p:cNvPr id="10" name="Oval 9"/>
+          <p:cNvPr id="22" name="Oval 21"/>
           <p:cNvSpPr/>
           <p:nvPr/>
         </p:nvSpPr>
         <p:spPr>
           <a:xfrm>
-            <a:off x="4644142" y="5534811"/>
-            <a:ext cx="1230630" cy="1230630"/>
+            <a:off x="2216623" y="6818513"/>
+            <a:ext cx="64770" cy="64770"/>
           </a:xfrm>
           <a:prstGeom prst="ellipse">
             <a:avLst/>
           </a:prstGeom>
-          <a:noFill/>
-          <a:ln>
-            <a:solidFill>
-              <a:srgbClr val="FF0000"/>
-            </a:solidFill>
-          </a:ln>
         </p:spPr>
         <p:style>
           <a:lnRef idx="2">
@@ -9029,24 +7581,18 @@
       </p:sp>
       <p:sp>
         <p:nvSpPr>
-          <p:cNvPr id="11" name="Oval 10"/>
+          <p:cNvPr id="23" name="Oval 22"/>
           <p:cNvSpPr/>
           <p:nvPr/>
         </p:nvSpPr>
         <p:spPr>
           <a:xfrm>
-            <a:off x="5764530" y="4512687"/>
-            <a:ext cx="1230630" cy="1230630"/>
+            <a:off x="2346163" y="6818513"/>
+            <a:ext cx="64770" cy="64770"/>
           </a:xfrm>
           <a:prstGeom prst="ellipse">
             <a:avLst/>
           </a:prstGeom>
-          <a:noFill/>
-          <a:ln>
-            <a:solidFill>
-              <a:srgbClr val="FF0000"/>
-            </a:solidFill>
-          </a:ln>
         </p:spPr>
         <p:style>
           <a:lnRef idx="2">
@@ -9075,19 +7621,18 @@
       </p:sp>
       <p:sp>
         <p:nvSpPr>
-          <p:cNvPr id="12" name="Oval 11"/>
+          <p:cNvPr id="24" name="Oval 23"/>
           <p:cNvSpPr/>
           <p:nvPr/>
         </p:nvSpPr>
         <p:spPr>
           <a:xfrm>
-            <a:off x="4579372" y="4368951"/>
-            <a:ext cx="1878330" cy="1813560"/>
+            <a:off x="2540473" y="6818513"/>
+            <a:ext cx="64770" cy="64770"/>
           </a:xfrm>
           <a:prstGeom prst="ellipse">
             <a:avLst/>
           </a:prstGeom>
-          <a:noFill/>
         </p:spPr>
         <p:style>
           <a:lnRef idx="2">
@@ -9116,14 +7661,94 @@
       </p:sp>
       <p:sp>
         <p:nvSpPr>
-          <p:cNvPr id="13" name="TextBox 12"/>
+          <p:cNvPr id="25" name="Oval 24"/>
+          <p:cNvSpPr/>
+          <p:nvPr/>
+        </p:nvSpPr>
+        <p:spPr>
+          <a:xfrm>
+            <a:off x="2605243" y="6948053"/>
+            <a:ext cx="64770" cy="64770"/>
+          </a:xfrm>
+          <a:prstGeom prst="ellipse">
+            <a:avLst/>
+          </a:prstGeom>
+        </p:spPr>
+        <p:style>
+          <a:lnRef idx="2">
+            <a:schemeClr val="accent1">
+              <a:shade val="50000"/>
+            </a:schemeClr>
+          </a:lnRef>
+          <a:fillRef idx="1">
+            <a:schemeClr val="accent1"/>
+          </a:fillRef>
+          <a:effectRef idx="0">
+            <a:schemeClr val="accent1"/>
+          </a:effectRef>
+          <a:fontRef idx="minor">
+            <a:schemeClr val="lt1"/>
+          </a:fontRef>
+        </p:style>
+        <p:txBody>
+          <a:bodyPr rtlCol="0" anchor="ctr"/>
+          <a:lstStyle/>
+          <a:p>
+            <a:pPr algn="ctr"/>
+            <a:endParaRPr lang="en-US" sz="1530"/>
+          </a:p>
+        </p:txBody>
+      </p:sp>
+      <p:sp>
+        <p:nvSpPr>
+          <p:cNvPr id="26" name="Oval 25"/>
+          <p:cNvSpPr/>
+          <p:nvPr/>
+        </p:nvSpPr>
+        <p:spPr>
+          <a:xfrm>
+            <a:off x="2734783" y="6883283"/>
+            <a:ext cx="64770" cy="64770"/>
+          </a:xfrm>
+          <a:prstGeom prst="ellipse">
+            <a:avLst/>
+          </a:prstGeom>
+        </p:spPr>
+        <p:style>
+          <a:lnRef idx="2">
+            <a:schemeClr val="accent1">
+              <a:shade val="50000"/>
+            </a:schemeClr>
+          </a:lnRef>
+          <a:fillRef idx="1">
+            <a:schemeClr val="accent1"/>
+          </a:fillRef>
+          <a:effectRef idx="0">
+            <a:schemeClr val="accent1"/>
+          </a:effectRef>
+          <a:fontRef idx="minor">
+            <a:schemeClr val="lt1"/>
+          </a:fontRef>
+        </p:style>
+        <p:txBody>
+          <a:bodyPr rtlCol="0" anchor="ctr"/>
+          <a:lstStyle/>
+          <a:p>
+            <a:pPr algn="ctr"/>
+            <a:endParaRPr lang="en-US" sz="1530"/>
+          </a:p>
+        </p:txBody>
+      </p:sp>
+      <p:sp>
+        <p:nvSpPr>
+          <p:cNvPr id="27" name="TextBox 26"/>
           <p:cNvSpPr txBox="1"/>
           <p:nvPr/>
         </p:nvSpPr>
         <p:spPr>
           <a:xfrm>
-            <a:off x="4686274" y="4735587"/>
-            <a:ext cx="887872" cy="798680"/>
+            <a:off x="308915" y="6246078"/>
+            <a:ext cx="898003" cy="275460"/>
           </a:xfrm>
           <a:prstGeom prst="rect">
             <a:avLst/>
@@ -9136,38 +7761,23 @@
           </a:bodyPr>
           <a:lstStyle/>
           <a:p>
-            <a:pPr algn="ctr"/>
-            <a:r>
-              <a:rPr lang="en-US" sz="1530" dirty="0"/>
-              <a:t>Midterm</a:t>
-            </a:r>
-          </a:p>
-          <a:p>
-            <a:pPr algn="ctr"/>
-            <a:r>
-              <a:rPr lang="en-US" sz="1530" dirty="0"/>
-              <a:t>Test</a:t>
-            </a:r>
-          </a:p>
-          <a:p>
-            <a:pPr algn="ctr"/>
-            <a:r>
-              <a:rPr lang="en-US" sz="1530" dirty="0"/>
-              <a:t>Score</a:t>
-            </a:r>
-          </a:p>
-        </p:txBody>
-      </p:sp>
-      <p:sp>
-        <p:nvSpPr>
-          <p:cNvPr id="14" name="TextBox 13"/>
+            <a:r>
+              <a:rPr lang="en-US" sz="1190" dirty="0"/>
+              <a:t>Exam Score</a:t>
+            </a:r>
+          </a:p>
+        </p:txBody>
+      </p:sp>
+      <p:sp>
+        <p:nvSpPr>
+          <p:cNvPr id="28" name="TextBox 27"/>
           <p:cNvSpPr txBox="1"/>
           <p:nvPr/>
         </p:nvSpPr>
         <p:spPr>
           <a:xfrm>
-            <a:off x="6720102" y="5670385"/>
-            <a:ext cx="658963" cy="563231"/>
+            <a:off x="2397851" y="7466213"/>
+            <a:ext cx="1116011" cy="458587"/>
           </a:xfrm>
           <a:prstGeom prst="rect">
             <a:avLst/>
@@ -9180,29 +7790,801 @@
           </a:bodyPr>
           <a:lstStyle/>
           <a:p>
-            <a:r>
-              <a:rPr lang="en-US" sz="1530" dirty="0"/>
-              <a:t>Math </a:t>
-            </a:r>
-          </a:p>
-          <a:p>
-            <a:r>
-              <a:rPr lang="en-US" sz="1530" dirty="0"/>
-              <a:t>Skills</a:t>
-            </a:r>
-          </a:p>
-        </p:txBody>
-      </p:sp>
-      <p:sp>
-        <p:nvSpPr>
-          <p:cNvPr id="15" name="TextBox 14"/>
+            <a:pPr algn="ctr"/>
+            <a:r>
+              <a:rPr lang="en-US" sz="1190" dirty="0"/>
+              <a:t>Time Spent</a:t>
+            </a:r>
+            <a:br>
+              <a:rPr lang="en-US" sz="1190" dirty="0"/>
+            </a:br>
+            <a:r>
+              <a:rPr lang="en-US" sz="1190" dirty="0"/>
+              <a:t>at Office Hours</a:t>
+            </a:r>
+          </a:p>
+        </p:txBody>
+      </p:sp>
+      <p:cxnSp>
+        <p:nvCxnSpPr>
+          <p:cNvPr id="37" name="Straight Connector 36"/>
+          <p:cNvCxnSpPr/>
+          <p:nvPr/>
+        </p:nvCxnSpPr>
+        <p:spPr>
+          <a:xfrm>
+            <a:off x="1115533" y="6624203"/>
+            <a:ext cx="2007870" cy="388620"/>
+          </a:xfrm>
+          <a:prstGeom prst="line">
+            <a:avLst/>
+          </a:prstGeom>
+        </p:spPr>
+        <p:style>
+          <a:lnRef idx="1">
+            <a:schemeClr val="accent1"/>
+          </a:lnRef>
+          <a:fillRef idx="0">
+            <a:schemeClr val="accent1"/>
+          </a:fillRef>
+          <a:effectRef idx="0">
+            <a:schemeClr val="accent1"/>
+          </a:effectRef>
+          <a:fontRef idx="minor">
+            <a:schemeClr val="tx1"/>
+          </a:fontRef>
+        </p:style>
+      </p:cxnSp>
+      <p:sp>
+        <p:nvSpPr>
+          <p:cNvPr id="45" name="Oval 44"/>
+          <p:cNvSpPr/>
+          <p:nvPr/>
+        </p:nvSpPr>
+        <p:spPr>
+          <a:xfrm>
+            <a:off x="6232363" y="6300353"/>
+            <a:ext cx="64770" cy="64770"/>
+          </a:xfrm>
+          <a:prstGeom prst="ellipse">
+            <a:avLst/>
+          </a:prstGeom>
+          <a:ln>
+            <a:solidFill>
+              <a:srgbClr val="FF0000"/>
+            </a:solidFill>
+          </a:ln>
+        </p:spPr>
+        <p:style>
+          <a:lnRef idx="2">
+            <a:schemeClr val="accent1">
+              <a:shade val="50000"/>
+            </a:schemeClr>
+          </a:lnRef>
+          <a:fillRef idx="1">
+            <a:schemeClr val="accent1"/>
+          </a:fillRef>
+          <a:effectRef idx="0">
+            <a:schemeClr val="accent1"/>
+          </a:effectRef>
+          <a:fontRef idx="minor">
+            <a:schemeClr val="lt1"/>
+          </a:fontRef>
+        </p:style>
+        <p:txBody>
+          <a:bodyPr rtlCol="0" anchor="ctr"/>
+          <a:lstStyle/>
+          <a:p>
+            <a:pPr algn="ctr"/>
+            <a:endParaRPr lang="en-US" sz="1530"/>
+          </a:p>
+        </p:txBody>
+      </p:sp>
+      <p:sp>
+        <p:nvSpPr>
+          <p:cNvPr id="46" name="Oval 45"/>
+          <p:cNvSpPr/>
+          <p:nvPr/>
+        </p:nvSpPr>
+        <p:spPr>
+          <a:xfrm>
+            <a:off x="6361903" y="6365123"/>
+            <a:ext cx="64770" cy="64770"/>
+          </a:xfrm>
+          <a:prstGeom prst="ellipse">
+            <a:avLst/>
+          </a:prstGeom>
+          <a:ln>
+            <a:solidFill>
+              <a:srgbClr val="FF0000"/>
+            </a:solidFill>
+          </a:ln>
+        </p:spPr>
+        <p:style>
+          <a:lnRef idx="2">
+            <a:schemeClr val="accent1">
+              <a:shade val="50000"/>
+            </a:schemeClr>
+          </a:lnRef>
+          <a:fillRef idx="1">
+            <a:schemeClr val="accent1"/>
+          </a:fillRef>
+          <a:effectRef idx="0">
+            <a:schemeClr val="accent1"/>
+          </a:effectRef>
+          <a:fontRef idx="minor">
+            <a:schemeClr val="lt1"/>
+          </a:fontRef>
+        </p:style>
+        <p:txBody>
+          <a:bodyPr rtlCol="0" anchor="ctr"/>
+          <a:lstStyle/>
+          <a:p>
+            <a:pPr algn="ctr"/>
+            <a:endParaRPr lang="en-US" sz="1530"/>
+          </a:p>
+        </p:txBody>
+      </p:sp>
+      <p:sp>
+        <p:nvSpPr>
+          <p:cNvPr id="47" name="Oval 46"/>
+          <p:cNvSpPr/>
+          <p:nvPr/>
+        </p:nvSpPr>
+        <p:spPr>
+          <a:xfrm>
+            <a:off x="6297133" y="6235583"/>
+            <a:ext cx="64770" cy="64770"/>
+          </a:xfrm>
+          <a:prstGeom prst="ellipse">
+            <a:avLst/>
+          </a:prstGeom>
+          <a:ln>
+            <a:solidFill>
+              <a:srgbClr val="FF0000"/>
+            </a:solidFill>
+          </a:ln>
+        </p:spPr>
+        <p:style>
+          <a:lnRef idx="2">
+            <a:schemeClr val="accent1">
+              <a:shade val="50000"/>
+            </a:schemeClr>
+          </a:lnRef>
+          <a:fillRef idx="1">
+            <a:schemeClr val="accent1"/>
+          </a:fillRef>
+          <a:effectRef idx="0">
+            <a:schemeClr val="accent1"/>
+          </a:effectRef>
+          <a:fontRef idx="minor">
+            <a:schemeClr val="lt1"/>
+          </a:fontRef>
+        </p:style>
+        <p:txBody>
+          <a:bodyPr rtlCol="0" anchor="ctr"/>
+          <a:lstStyle/>
+          <a:p>
+            <a:pPr algn="ctr"/>
+            <a:endParaRPr lang="en-US" sz="1530"/>
+          </a:p>
+        </p:txBody>
+      </p:sp>
+      <p:sp>
+        <p:nvSpPr>
+          <p:cNvPr id="48" name="Oval 47"/>
+          <p:cNvSpPr/>
+          <p:nvPr/>
+        </p:nvSpPr>
+        <p:spPr>
+          <a:xfrm>
+            <a:off x="6297133" y="6429893"/>
+            <a:ext cx="64770" cy="64770"/>
+          </a:xfrm>
+          <a:prstGeom prst="ellipse">
+            <a:avLst/>
+          </a:prstGeom>
+          <a:ln>
+            <a:solidFill>
+              <a:srgbClr val="FF0000"/>
+            </a:solidFill>
+          </a:ln>
+        </p:spPr>
+        <p:style>
+          <a:lnRef idx="2">
+            <a:schemeClr val="accent1">
+              <a:shade val="50000"/>
+            </a:schemeClr>
+          </a:lnRef>
+          <a:fillRef idx="1">
+            <a:schemeClr val="accent1"/>
+          </a:fillRef>
+          <a:effectRef idx="0">
+            <a:schemeClr val="accent1"/>
+          </a:effectRef>
+          <a:fontRef idx="minor">
+            <a:schemeClr val="lt1"/>
+          </a:fontRef>
+        </p:style>
+        <p:txBody>
+          <a:bodyPr rtlCol="0" anchor="ctr"/>
+          <a:lstStyle/>
+          <a:p>
+            <a:pPr algn="ctr"/>
+            <a:endParaRPr lang="en-US" sz="1530"/>
+          </a:p>
+        </p:txBody>
+      </p:sp>
+      <p:sp>
+        <p:nvSpPr>
+          <p:cNvPr id="49" name="Oval 48"/>
+          <p:cNvSpPr/>
+          <p:nvPr/>
+        </p:nvSpPr>
+        <p:spPr>
+          <a:xfrm>
+            <a:off x="6232363" y="6429893"/>
+            <a:ext cx="64770" cy="64770"/>
+          </a:xfrm>
+          <a:prstGeom prst="ellipse">
+            <a:avLst/>
+          </a:prstGeom>
+          <a:ln>
+            <a:solidFill>
+              <a:srgbClr val="FF0000"/>
+            </a:solidFill>
+          </a:ln>
+        </p:spPr>
+        <p:style>
+          <a:lnRef idx="2">
+            <a:schemeClr val="accent1">
+              <a:shade val="50000"/>
+            </a:schemeClr>
+          </a:lnRef>
+          <a:fillRef idx="1">
+            <a:schemeClr val="accent1"/>
+          </a:fillRef>
+          <a:effectRef idx="0">
+            <a:schemeClr val="accent1"/>
+          </a:effectRef>
+          <a:fontRef idx="minor">
+            <a:schemeClr val="lt1"/>
+          </a:fontRef>
+        </p:style>
+        <p:txBody>
+          <a:bodyPr rtlCol="0" anchor="ctr"/>
+          <a:lstStyle/>
+          <a:p>
+            <a:pPr algn="ctr"/>
+            <a:endParaRPr lang="en-US" sz="1530"/>
+          </a:p>
+        </p:txBody>
+      </p:sp>
+      <p:sp>
+        <p:nvSpPr>
+          <p:cNvPr id="50" name="Oval 49"/>
+          <p:cNvSpPr/>
+          <p:nvPr/>
+        </p:nvSpPr>
+        <p:spPr>
+          <a:xfrm>
+            <a:off x="6297133" y="6559433"/>
+            <a:ext cx="64770" cy="64770"/>
+          </a:xfrm>
+          <a:prstGeom prst="ellipse">
+            <a:avLst/>
+          </a:prstGeom>
+          <a:ln>
+            <a:solidFill>
+              <a:srgbClr val="FF0000"/>
+            </a:solidFill>
+          </a:ln>
+        </p:spPr>
+        <p:style>
+          <a:lnRef idx="2">
+            <a:schemeClr val="accent1">
+              <a:shade val="50000"/>
+            </a:schemeClr>
+          </a:lnRef>
+          <a:fillRef idx="1">
+            <a:schemeClr val="accent1"/>
+          </a:fillRef>
+          <a:effectRef idx="0">
+            <a:schemeClr val="accent1"/>
+          </a:effectRef>
+          <a:fontRef idx="minor">
+            <a:schemeClr val="lt1"/>
+          </a:fontRef>
+        </p:style>
+        <p:txBody>
+          <a:bodyPr rtlCol="0" anchor="ctr"/>
+          <a:lstStyle/>
+          <a:p>
+            <a:pPr algn="ctr"/>
+            <a:endParaRPr lang="en-US" sz="1530"/>
+          </a:p>
+        </p:txBody>
+      </p:sp>
+      <p:sp>
+        <p:nvSpPr>
+          <p:cNvPr id="51" name="Oval 50"/>
+          <p:cNvSpPr/>
+          <p:nvPr/>
+        </p:nvSpPr>
+        <p:spPr>
+          <a:xfrm>
+            <a:off x="6232363" y="6688973"/>
+            <a:ext cx="64770" cy="64770"/>
+          </a:xfrm>
+          <a:prstGeom prst="ellipse">
+            <a:avLst/>
+          </a:prstGeom>
+          <a:ln>
+            <a:solidFill>
+              <a:srgbClr val="FF0000"/>
+            </a:solidFill>
+          </a:ln>
+        </p:spPr>
+        <p:style>
+          <a:lnRef idx="2">
+            <a:schemeClr val="accent1">
+              <a:shade val="50000"/>
+            </a:schemeClr>
+          </a:lnRef>
+          <a:fillRef idx="1">
+            <a:schemeClr val="accent1"/>
+          </a:fillRef>
+          <a:effectRef idx="0">
+            <a:schemeClr val="accent1"/>
+          </a:effectRef>
+          <a:fontRef idx="minor">
+            <a:schemeClr val="lt1"/>
+          </a:fontRef>
+        </p:style>
+        <p:txBody>
+          <a:bodyPr rtlCol="0" anchor="ctr"/>
+          <a:lstStyle/>
+          <a:p>
+            <a:pPr algn="ctr"/>
+            <a:endParaRPr lang="en-US" sz="1530"/>
+          </a:p>
+        </p:txBody>
+      </p:sp>
+      <p:sp>
+        <p:nvSpPr>
+          <p:cNvPr id="52" name="Oval 51"/>
+          <p:cNvSpPr/>
+          <p:nvPr/>
+        </p:nvSpPr>
+        <p:spPr>
+          <a:xfrm>
+            <a:off x="6297133" y="6818513"/>
+            <a:ext cx="64770" cy="64770"/>
+          </a:xfrm>
+          <a:prstGeom prst="ellipse">
+            <a:avLst/>
+          </a:prstGeom>
+          <a:ln>
+            <a:solidFill>
+              <a:srgbClr val="FF0000"/>
+            </a:solidFill>
+          </a:ln>
+        </p:spPr>
+        <p:style>
+          <a:lnRef idx="2">
+            <a:schemeClr val="accent1">
+              <a:shade val="50000"/>
+            </a:schemeClr>
+          </a:lnRef>
+          <a:fillRef idx="1">
+            <a:schemeClr val="accent1"/>
+          </a:fillRef>
+          <a:effectRef idx="0">
+            <a:schemeClr val="accent1"/>
+          </a:effectRef>
+          <a:fontRef idx="minor">
+            <a:schemeClr val="lt1"/>
+          </a:fontRef>
+        </p:style>
+        <p:txBody>
+          <a:bodyPr rtlCol="0" anchor="ctr"/>
+          <a:lstStyle/>
+          <a:p>
+            <a:pPr algn="ctr"/>
+            <a:endParaRPr lang="en-US" sz="1530"/>
+          </a:p>
+        </p:txBody>
+      </p:sp>
+      <p:sp>
+        <p:nvSpPr>
+          <p:cNvPr id="53" name="Oval 52"/>
+          <p:cNvSpPr/>
+          <p:nvPr/>
+        </p:nvSpPr>
+        <p:spPr>
+          <a:xfrm>
+            <a:off x="4936963" y="6883283"/>
+            <a:ext cx="64770" cy="64770"/>
+          </a:xfrm>
+          <a:prstGeom prst="ellipse">
+            <a:avLst/>
+          </a:prstGeom>
+        </p:spPr>
+        <p:style>
+          <a:lnRef idx="2">
+            <a:schemeClr val="accent1">
+              <a:shade val="50000"/>
+            </a:schemeClr>
+          </a:lnRef>
+          <a:fillRef idx="1">
+            <a:schemeClr val="accent1"/>
+          </a:fillRef>
+          <a:effectRef idx="0">
+            <a:schemeClr val="accent1"/>
+          </a:effectRef>
+          <a:fontRef idx="minor">
+            <a:schemeClr val="lt1"/>
+          </a:fontRef>
+        </p:style>
+        <p:txBody>
+          <a:bodyPr rtlCol="0" anchor="ctr"/>
+          <a:lstStyle/>
+          <a:p>
+            <a:pPr algn="ctr"/>
+            <a:endParaRPr lang="en-US" sz="1530"/>
+          </a:p>
+        </p:txBody>
+      </p:sp>
+      <p:sp>
+        <p:nvSpPr>
+          <p:cNvPr id="54" name="Oval 53"/>
+          <p:cNvSpPr/>
+          <p:nvPr/>
+        </p:nvSpPr>
+        <p:spPr>
+          <a:xfrm>
+            <a:off x="4872193" y="6948053"/>
+            <a:ext cx="64770" cy="64770"/>
+          </a:xfrm>
+          <a:prstGeom prst="ellipse">
+            <a:avLst/>
+          </a:prstGeom>
+        </p:spPr>
+        <p:style>
+          <a:lnRef idx="2">
+            <a:schemeClr val="accent1">
+              <a:shade val="50000"/>
+            </a:schemeClr>
+          </a:lnRef>
+          <a:fillRef idx="1">
+            <a:schemeClr val="accent1"/>
+          </a:fillRef>
+          <a:effectRef idx="0">
+            <a:schemeClr val="accent1"/>
+          </a:effectRef>
+          <a:fontRef idx="minor">
+            <a:schemeClr val="lt1"/>
+          </a:fontRef>
+        </p:style>
+        <p:txBody>
+          <a:bodyPr rtlCol="0" anchor="ctr"/>
+          <a:lstStyle/>
+          <a:p>
+            <a:pPr algn="ctr"/>
+            <a:endParaRPr lang="en-US" sz="1530"/>
+          </a:p>
+        </p:txBody>
+      </p:sp>
+      <p:sp>
+        <p:nvSpPr>
+          <p:cNvPr id="55" name="Oval 54"/>
+          <p:cNvSpPr/>
+          <p:nvPr/>
+        </p:nvSpPr>
+        <p:spPr>
+          <a:xfrm>
+            <a:off x="4872193" y="6753743"/>
+            <a:ext cx="64770" cy="64770"/>
+          </a:xfrm>
+          <a:prstGeom prst="ellipse">
+            <a:avLst/>
+          </a:prstGeom>
+        </p:spPr>
+        <p:style>
+          <a:lnRef idx="2">
+            <a:schemeClr val="accent1">
+              <a:shade val="50000"/>
+            </a:schemeClr>
+          </a:lnRef>
+          <a:fillRef idx="1">
+            <a:schemeClr val="accent1"/>
+          </a:fillRef>
+          <a:effectRef idx="0">
+            <a:schemeClr val="accent1"/>
+          </a:effectRef>
+          <a:fontRef idx="minor">
+            <a:schemeClr val="lt1"/>
+          </a:fontRef>
+        </p:style>
+        <p:txBody>
+          <a:bodyPr rtlCol="0" anchor="ctr"/>
+          <a:lstStyle/>
+          <a:p>
+            <a:pPr algn="ctr"/>
+            <a:endParaRPr lang="en-US" sz="1530"/>
+          </a:p>
+        </p:txBody>
+      </p:sp>
+      <p:sp>
+        <p:nvSpPr>
+          <p:cNvPr id="56" name="Oval 55"/>
+          <p:cNvSpPr/>
+          <p:nvPr/>
+        </p:nvSpPr>
+        <p:spPr>
+          <a:xfrm>
+            <a:off x="5001733" y="7012823"/>
+            <a:ext cx="64770" cy="64770"/>
+          </a:xfrm>
+          <a:prstGeom prst="ellipse">
+            <a:avLst/>
+          </a:prstGeom>
+        </p:spPr>
+        <p:style>
+          <a:lnRef idx="2">
+            <a:schemeClr val="accent1">
+              <a:shade val="50000"/>
+            </a:schemeClr>
+          </a:lnRef>
+          <a:fillRef idx="1">
+            <a:schemeClr val="accent1"/>
+          </a:fillRef>
+          <a:effectRef idx="0">
+            <a:schemeClr val="accent1"/>
+          </a:effectRef>
+          <a:fontRef idx="minor">
+            <a:schemeClr val="lt1"/>
+          </a:fontRef>
+        </p:style>
+        <p:txBody>
+          <a:bodyPr rtlCol="0" anchor="ctr"/>
+          <a:lstStyle/>
+          <a:p>
+            <a:pPr algn="ctr"/>
+            <a:endParaRPr lang="en-US" sz="1530"/>
+          </a:p>
+        </p:txBody>
+      </p:sp>
+      <p:sp>
+        <p:nvSpPr>
+          <p:cNvPr id="59" name="Oval 58"/>
+          <p:cNvSpPr/>
+          <p:nvPr/>
+        </p:nvSpPr>
+        <p:spPr>
+          <a:xfrm>
+            <a:off x="4807423" y="6624203"/>
+            <a:ext cx="64770" cy="64770"/>
+          </a:xfrm>
+          <a:prstGeom prst="ellipse">
+            <a:avLst/>
+          </a:prstGeom>
+        </p:spPr>
+        <p:style>
+          <a:lnRef idx="2">
+            <a:schemeClr val="accent1">
+              <a:shade val="50000"/>
+            </a:schemeClr>
+          </a:lnRef>
+          <a:fillRef idx="1">
+            <a:schemeClr val="accent1"/>
+          </a:fillRef>
+          <a:effectRef idx="0">
+            <a:schemeClr val="accent1"/>
+          </a:effectRef>
+          <a:fontRef idx="minor">
+            <a:schemeClr val="lt1"/>
+          </a:fontRef>
+        </p:style>
+        <p:txBody>
+          <a:bodyPr rtlCol="0" anchor="ctr"/>
+          <a:lstStyle/>
+          <a:p>
+            <a:pPr algn="ctr"/>
+            <a:endParaRPr lang="en-US" sz="1530"/>
+          </a:p>
+        </p:txBody>
+      </p:sp>
+      <p:sp>
+        <p:nvSpPr>
+          <p:cNvPr id="60" name="Oval 59"/>
+          <p:cNvSpPr/>
+          <p:nvPr/>
+        </p:nvSpPr>
+        <p:spPr>
+          <a:xfrm>
+            <a:off x="4872193" y="7077593"/>
+            <a:ext cx="64770" cy="64770"/>
+          </a:xfrm>
+          <a:prstGeom prst="ellipse">
+            <a:avLst/>
+          </a:prstGeom>
+        </p:spPr>
+        <p:style>
+          <a:lnRef idx="2">
+            <a:schemeClr val="accent1">
+              <a:shade val="50000"/>
+            </a:schemeClr>
+          </a:lnRef>
+          <a:fillRef idx="1">
+            <a:schemeClr val="accent1"/>
+          </a:fillRef>
+          <a:effectRef idx="0">
+            <a:schemeClr val="accent1"/>
+          </a:effectRef>
+          <a:fontRef idx="minor">
+            <a:schemeClr val="lt1"/>
+          </a:fontRef>
+        </p:style>
+        <p:txBody>
+          <a:bodyPr rtlCol="0" anchor="ctr"/>
+          <a:lstStyle/>
+          <a:p>
+            <a:pPr algn="ctr"/>
+            <a:endParaRPr lang="en-US" sz="1530"/>
+          </a:p>
+        </p:txBody>
+      </p:sp>
+      <p:cxnSp>
+        <p:nvCxnSpPr>
+          <p:cNvPr id="61" name="Straight Connector 60"/>
+          <p:cNvCxnSpPr/>
+          <p:nvPr/>
+        </p:nvCxnSpPr>
+        <p:spPr>
+          <a:xfrm rot="5400000">
+            <a:off x="3868258" y="6980438"/>
+            <a:ext cx="971550" cy="0"/>
+          </a:xfrm>
+          <a:prstGeom prst="line">
+            <a:avLst/>
+          </a:prstGeom>
+        </p:spPr>
+        <p:style>
+          <a:lnRef idx="1">
+            <a:schemeClr val="accent1"/>
+          </a:lnRef>
+          <a:fillRef idx="0">
+            <a:schemeClr val="accent1"/>
+          </a:fillRef>
+          <a:effectRef idx="0">
+            <a:schemeClr val="accent1"/>
+          </a:effectRef>
+          <a:fontRef idx="minor">
+            <a:schemeClr val="tx1"/>
+          </a:fontRef>
+        </p:style>
+      </p:cxnSp>
+      <p:cxnSp>
+        <p:nvCxnSpPr>
+          <p:cNvPr id="62" name="Straight Connector 61"/>
+          <p:cNvCxnSpPr/>
+          <p:nvPr/>
+        </p:nvCxnSpPr>
+        <p:spPr>
+          <a:xfrm rot="10800000">
+            <a:off x="4224493" y="7401443"/>
+            <a:ext cx="2720340" cy="0"/>
+          </a:xfrm>
+          <a:prstGeom prst="line">
+            <a:avLst/>
+          </a:prstGeom>
+        </p:spPr>
+        <p:style>
+          <a:lnRef idx="1">
+            <a:schemeClr val="accent1"/>
+          </a:lnRef>
+          <a:fillRef idx="0">
+            <a:schemeClr val="accent1"/>
+          </a:fillRef>
+          <a:effectRef idx="0">
+            <a:schemeClr val="accent1"/>
+          </a:effectRef>
+          <a:fontRef idx="minor">
+            <a:schemeClr val="tx1"/>
+          </a:fontRef>
+        </p:style>
+      </p:cxnSp>
+      <p:sp>
+        <p:nvSpPr>
+          <p:cNvPr id="65" name="Oval 64"/>
+          <p:cNvSpPr/>
+          <p:nvPr/>
+        </p:nvSpPr>
+        <p:spPr>
+          <a:xfrm>
+            <a:off x="4872193" y="6559433"/>
+            <a:ext cx="64770" cy="64770"/>
+          </a:xfrm>
+          <a:prstGeom prst="ellipse">
+            <a:avLst/>
+          </a:prstGeom>
+        </p:spPr>
+        <p:style>
+          <a:lnRef idx="2">
+            <a:schemeClr val="accent1">
+              <a:shade val="50000"/>
+            </a:schemeClr>
+          </a:lnRef>
+          <a:fillRef idx="1">
+            <a:schemeClr val="accent1"/>
+          </a:fillRef>
+          <a:effectRef idx="0">
+            <a:schemeClr val="accent1"/>
+          </a:effectRef>
+          <a:fontRef idx="minor">
+            <a:schemeClr val="lt1"/>
+          </a:fontRef>
+        </p:style>
+        <p:txBody>
+          <a:bodyPr rtlCol="0" anchor="ctr"/>
+          <a:lstStyle/>
+          <a:p>
+            <a:pPr algn="ctr"/>
+            <a:endParaRPr lang="en-US" sz="1530"/>
+          </a:p>
+        </p:txBody>
+      </p:sp>
+      <p:sp>
+        <p:nvSpPr>
+          <p:cNvPr id="66" name="Oval 65"/>
+          <p:cNvSpPr/>
+          <p:nvPr/>
+        </p:nvSpPr>
+        <p:spPr>
+          <a:xfrm>
+            <a:off x="4742653" y="6818513"/>
+            <a:ext cx="64770" cy="64770"/>
+          </a:xfrm>
+          <a:prstGeom prst="ellipse">
+            <a:avLst/>
+          </a:prstGeom>
+        </p:spPr>
+        <p:style>
+          <a:lnRef idx="2">
+            <a:schemeClr val="accent1">
+              <a:shade val="50000"/>
+            </a:schemeClr>
+          </a:lnRef>
+          <a:fillRef idx="1">
+            <a:schemeClr val="accent1"/>
+          </a:fillRef>
+          <a:effectRef idx="0">
+            <a:schemeClr val="accent1"/>
+          </a:effectRef>
+          <a:fontRef idx="minor">
+            <a:schemeClr val="lt1"/>
+          </a:fontRef>
+        </p:style>
+        <p:txBody>
+          <a:bodyPr rtlCol="0" anchor="ctr"/>
+          <a:lstStyle/>
+          <a:p>
+            <a:pPr algn="ctr"/>
+            <a:endParaRPr lang="en-US" sz="1530"/>
+          </a:p>
+        </p:txBody>
+      </p:sp>
+      <p:sp>
+        <p:nvSpPr>
+          <p:cNvPr id="71" name="TextBox 70"/>
           <p:cNvSpPr txBox="1"/>
           <p:nvPr/>
         </p:nvSpPr>
         <p:spPr>
           <a:xfrm>
-            <a:off x="5518536" y="6670041"/>
-            <a:ext cx="1173270" cy="563231"/>
+            <a:off x="3929142" y="6230401"/>
+            <a:ext cx="898003" cy="275460"/>
           </a:xfrm>
           <a:prstGeom prst="rect">
             <a:avLst/>
@@ -9216,29 +8598,22 @@
           <a:lstStyle/>
           <a:p>
             <a:r>
-              <a:rPr lang="en-US" sz="1530" dirty="0"/>
-              <a:t>Time in</a:t>
-            </a:r>
-            <a:br>
-              <a:rPr lang="en-US" sz="1530" dirty="0"/>
-            </a:br>
-            <a:r>
-              <a:rPr lang="en-US" sz="1530" dirty="0"/>
-              <a:t>Office Hours</a:t>
-            </a:r>
-          </a:p>
-        </p:txBody>
-      </p:sp>
-      <p:sp>
-        <p:nvSpPr>
-          <p:cNvPr id="16" name="TextBox 15"/>
+              <a:rPr lang="en-US" sz="1190" dirty="0"/>
+              <a:t>Exam Score</a:t>
+            </a:r>
+          </a:p>
+        </p:txBody>
+      </p:sp>
+      <p:sp>
+        <p:nvSpPr>
+          <p:cNvPr id="72" name="TextBox 71"/>
           <p:cNvSpPr txBox="1"/>
           <p:nvPr/>
         </p:nvSpPr>
         <p:spPr>
           <a:xfrm>
-            <a:off x="1176592" y="3802652"/>
-            <a:ext cx="1794146" cy="327782"/>
+            <a:off x="6024971" y="7466213"/>
+            <a:ext cx="1116011" cy="458587"/>
           </a:xfrm>
           <a:prstGeom prst="rect">
             <a:avLst/>
@@ -9251,23 +8626,61 @@
           </a:bodyPr>
           <a:lstStyle/>
           <a:p>
-            <a:r>
-              <a:rPr lang="en-US" sz="1530" b="1" dirty="0"/>
-              <a:t>Self-Selected Group</a:t>
-            </a:r>
-          </a:p>
-        </p:txBody>
-      </p:sp>
-      <p:sp>
-        <p:nvSpPr>
-          <p:cNvPr id="17" name="TextBox 16"/>
+            <a:pPr algn="ctr"/>
+            <a:r>
+              <a:rPr lang="en-US" sz="1190" dirty="0"/>
+              <a:t>Time Spent</a:t>
+            </a:r>
+            <a:br>
+              <a:rPr lang="en-US" sz="1190" dirty="0"/>
+            </a:br>
+            <a:r>
+              <a:rPr lang="en-US" sz="1190" dirty="0"/>
+              <a:t>at Office Hours</a:t>
+            </a:r>
+          </a:p>
+        </p:txBody>
+      </p:sp>
+      <p:cxnSp>
+        <p:nvCxnSpPr>
+          <p:cNvPr id="73" name="Straight Connector 72"/>
+          <p:cNvCxnSpPr/>
+          <p:nvPr/>
+        </p:nvCxnSpPr>
+        <p:spPr>
+          <a:xfrm flipV="1">
+            <a:off x="4807423" y="6429893"/>
+            <a:ext cx="1748790" cy="518160"/>
+          </a:xfrm>
+          <a:prstGeom prst="line">
+            <a:avLst/>
+          </a:prstGeom>
+        </p:spPr>
+        <p:style>
+          <a:lnRef idx="1">
+            <a:schemeClr val="accent1"/>
+          </a:lnRef>
+          <a:fillRef idx="0">
+            <a:schemeClr val="accent1"/>
+          </a:fillRef>
+          <a:effectRef idx="0">
+            <a:schemeClr val="accent1"/>
+          </a:effectRef>
+          <a:fontRef idx="minor">
+            <a:schemeClr val="tx1"/>
+          </a:fontRef>
+        </p:style>
+      </p:cxnSp>
+      <p:sp>
+        <p:nvSpPr>
+          <p:cNvPr id="78" name="TextBox 77"/>
           <p:cNvSpPr txBox="1"/>
           <p:nvPr/>
         </p:nvSpPr>
         <p:spPr>
           <a:xfrm>
-            <a:off x="4824507" y="3790979"/>
-            <a:ext cx="1545488" cy="327782"/>
+            <a:off x="6038053" y="5911733"/>
+            <a:ext cx="651140" cy="275460"/>
           </a:xfrm>
           <a:prstGeom prst="rect">
             <a:avLst/>
@@ -9281,7 +8694,94 @@
           <a:lstStyle/>
           <a:p>
             <a:r>
-              <a:rPr lang="en-US" sz="1530" b="1" dirty="0"/>
+              <a:rPr lang="en-US" sz="1190" dirty="0"/>
+              <a:t>Group2</a:t>
+            </a:r>
+          </a:p>
+        </p:txBody>
+      </p:sp>
+      <p:sp>
+        <p:nvSpPr>
+          <p:cNvPr id="79" name="TextBox 78"/>
+          <p:cNvSpPr txBox="1"/>
+          <p:nvPr/>
+        </p:nvSpPr>
+        <p:spPr>
+          <a:xfrm>
+            <a:off x="5001733" y="6365123"/>
+            <a:ext cx="651140" cy="275460"/>
+          </a:xfrm>
+          <a:prstGeom prst="rect">
+            <a:avLst/>
+          </a:prstGeom>
+          <a:noFill/>
+        </p:spPr>
+        <p:txBody>
+          <a:bodyPr wrap="none" rtlCol="0">
+            <a:spAutoFit/>
+          </a:bodyPr>
+          <a:lstStyle/>
+          <a:p>
+            <a:r>
+              <a:rPr lang="en-US" sz="1190" dirty="0"/>
+              <a:t>Group1</a:t>
+            </a:r>
+          </a:p>
+        </p:txBody>
+      </p:sp>
+      <p:sp>
+        <p:nvSpPr>
+          <p:cNvPr id="80" name="TextBox 79"/>
+          <p:cNvSpPr txBox="1"/>
+          <p:nvPr/>
+        </p:nvSpPr>
+        <p:spPr>
+          <a:xfrm>
+            <a:off x="995827" y="5290825"/>
+            <a:ext cx="2247282" cy="400110"/>
+          </a:xfrm>
+          <a:prstGeom prst="rect">
+            <a:avLst/>
+          </a:prstGeom>
+          <a:noFill/>
+        </p:spPr>
+        <p:txBody>
+          <a:bodyPr wrap="none" rtlCol="0">
+            <a:spAutoFit/>
+          </a:bodyPr>
+          <a:lstStyle/>
+          <a:p>
+            <a:r>
+              <a:rPr lang="en-US" sz="2000" dirty="0"/>
+              <a:t>Self-Selected Group</a:t>
+            </a:r>
+          </a:p>
+        </p:txBody>
+      </p:sp>
+      <p:sp>
+        <p:nvSpPr>
+          <p:cNvPr id="81" name="TextBox 80"/>
+          <p:cNvSpPr txBox="1"/>
+          <p:nvPr/>
+        </p:nvSpPr>
+        <p:spPr>
+          <a:xfrm>
+            <a:off x="4623789" y="5279183"/>
+            <a:ext cx="1921745" cy="400110"/>
+          </a:xfrm>
+          <a:prstGeom prst="rect">
+            <a:avLst/>
+          </a:prstGeom>
+          <a:noFill/>
+        </p:spPr>
+        <p:txBody>
+          <a:bodyPr wrap="none" rtlCol="0">
+            <a:spAutoFit/>
+          </a:bodyPr>
+          <a:lstStyle/>
+          <a:p>
+            <a:r>
+              <a:rPr lang="en-US" sz="2000" dirty="0"/>
               <a:t>Assigned Groups</a:t>
             </a:r>
           </a:p>
@@ -9310,16 +8810,46 @@
           </a:p>
         </p:txBody>
       </p:sp>
+      <p:sp>
+        <p:nvSpPr>
+          <p:cNvPr id="4" name="TextBox 3"/>
+          <p:cNvSpPr txBox="1"/>
+          <p:nvPr/>
+        </p:nvSpPr>
+        <p:spPr>
+          <a:xfrm>
+            <a:off x="1866141" y="3635600"/>
+            <a:ext cx="4126001" cy="369332"/>
+          </a:xfrm>
+          <a:prstGeom prst="rect">
+            <a:avLst/>
+          </a:prstGeom>
+          <a:noFill/>
+        </p:spPr>
+        <p:txBody>
+          <a:bodyPr wrap="none" rtlCol="0">
+            <a:spAutoFit/>
+          </a:bodyPr>
+          <a:lstStyle/>
+          <a:p>
+            <a:r>
+              <a:rPr lang="en-US" dirty="0"/>
+              <a:t>Does extra tutoring improve exam scores?</a:t>
+            </a:r>
+          </a:p>
+        </p:txBody>
+      </p:sp>
     </p:spTree>
     <p:extLst>
       <p:ext uri="{BB962C8B-B14F-4D97-AF65-F5344CB8AC3E}">
-        <p14:creationId xmlns:p14="http://schemas.microsoft.com/office/powerpoint/2010/main" val="4086762326"/>
+        <p14:creationId xmlns:p14="http://schemas.microsoft.com/office/powerpoint/2010/main" val="596768386"/>
       </p:ext>
     </p:extLst>
   </p:cSld>
   <p:clrMapOvr>
     <a:masterClrMapping/>
   </p:clrMapOvr>
+  <p:transition/>
 </p:sld>
 </file>
 
@@ -9372,7 +8902,7 @@
         </p:nvSpPr>
         <p:spPr>
           <a:xfrm>
-            <a:off x="3036570" y="5737860"/>
+            <a:off x="1101090" y="5567196"/>
             <a:ext cx="1230630" cy="1230630"/>
           </a:xfrm>
           <a:prstGeom prst="ellipse">
@@ -9418,7 +8948,7 @@
         </p:nvSpPr>
         <p:spPr>
           <a:xfrm>
-            <a:off x="3749040" y="5608320"/>
+            <a:off x="1813560" y="5437656"/>
             <a:ext cx="1230630" cy="1230630"/>
           </a:xfrm>
           <a:prstGeom prst="ellipse">
@@ -9429,7 +8959,6 @@
             <a:solidFill>
               <a:srgbClr val="FF0000"/>
             </a:solidFill>
-            <a:prstDash val="dashDot"/>
           </a:ln>
         </p:spPr>
         <p:style>
@@ -9465,7 +8994,7 @@
         </p:nvSpPr>
         <p:spPr>
           <a:xfrm>
-            <a:off x="2971800" y="4572000"/>
+            <a:off x="1036320" y="4401336"/>
             <a:ext cx="1878330" cy="1813560"/>
           </a:xfrm>
           <a:prstGeom prst="ellipse">
@@ -9506,7 +9035,7 @@
         </p:nvSpPr>
         <p:spPr>
           <a:xfrm>
-            <a:off x="3455771" y="4701540"/>
+            <a:off x="1520291" y="4530876"/>
             <a:ext cx="887872" cy="798680"/>
           </a:xfrm>
           <a:prstGeom prst="rect">
@@ -9550,8 +9079,8 @@
         </p:nvSpPr>
         <p:spPr>
           <a:xfrm>
-            <a:off x="4457055" y="6838949"/>
-            <a:ext cx="1048685" cy="563231"/>
+            <a:off x="2521575" y="6668285"/>
+            <a:ext cx="1050096" cy="327782"/>
           </a:xfrm>
           <a:prstGeom prst="rect">
             <a:avLst/>
@@ -9566,28 +9095,190 @@
           <a:p>
             <a:r>
               <a:rPr lang="en-US" sz="1530" dirty="0"/>
-              <a:t>Propensity</a:t>
+              <a:t>Math Skills</a:t>
+            </a:r>
+          </a:p>
+        </p:txBody>
+      </p:sp>
+      <p:sp>
+        <p:nvSpPr>
+          <p:cNvPr id="9" name="TextBox 8"/>
+          <p:cNvSpPr txBox="1"/>
+          <p:nvPr/>
+        </p:nvSpPr>
+        <p:spPr>
+          <a:xfrm>
+            <a:off x="661862" y="6746769"/>
+            <a:ext cx="1173270" cy="563231"/>
+          </a:xfrm>
+          <a:prstGeom prst="rect">
+            <a:avLst/>
+          </a:prstGeom>
+          <a:noFill/>
+        </p:spPr>
+        <p:txBody>
+          <a:bodyPr wrap="none" rtlCol="0">
+            <a:spAutoFit/>
+          </a:bodyPr>
+          <a:lstStyle/>
+          <a:p>
+            <a:r>
+              <a:rPr lang="en-US" sz="1530" dirty="0"/>
+              <a:t>Time in</a:t>
             </a:r>
             <a:br>
               <a:rPr lang="en-US" sz="1530" dirty="0"/>
             </a:br>
             <a:r>
               <a:rPr lang="en-US" sz="1530" dirty="0"/>
-              <a:t>to succeed</a:t>
-            </a:r>
-          </a:p>
-        </p:txBody>
-      </p:sp>
-      <p:sp>
-        <p:nvSpPr>
-          <p:cNvPr id="9" name="TextBox 8"/>
+              <a:t>Office Hours</a:t>
+            </a:r>
+          </a:p>
+        </p:txBody>
+      </p:sp>
+      <p:sp>
+        <p:nvSpPr>
+          <p:cNvPr id="10" name="Oval 9"/>
+          <p:cNvSpPr/>
+          <p:nvPr/>
+        </p:nvSpPr>
+        <p:spPr>
+          <a:xfrm>
+            <a:off x="4644142" y="5534811"/>
+            <a:ext cx="1230630" cy="1230630"/>
+          </a:xfrm>
+          <a:prstGeom prst="ellipse">
+            <a:avLst/>
+          </a:prstGeom>
+          <a:noFill/>
+          <a:ln>
+            <a:solidFill>
+              <a:srgbClr val="FF0000"/>
+            </a:solidFill>
+          </a:ln>
+        </p:spPr>
+        <p:style>
+          <a:lnRef idx="2">
+            <a:schemeClr val="accent1">
+              <a:shade val="50000"/>
+            </a:schemeClr>
+          </a:lnRef>
+          <a:fillRef idx="1">
+            <a:schemeClr val="accent1"/>
+          </a:fillRef>
+          <a:effectRef idx="0">
+            <a:schemeClr val="accent1"/>
+          </a:effectRef>
+          <a:fontRef idx="minor">
+            <a:schemeClr val="lt1"/>
+          </a:fontRef>
+        </p:style>
+        <p:txBody>
+          <a:bodyPr rtlCol="0" anchor="ctr"/>
+          <a:lstStyle/>
+          <a:p>
+            <a:pPr algn="ctr"/>
+            <a:endParaRPr lang="en-US" sz="1530"/>
+          </a:p>
+        </p:txBody>
+      </p:sp>
+      <p:sp>
+        <p:nvSpPr>
+          <p:cNvPr id="11" name="Oval 10"/>
+          <p:cNvSpPr/>
+          <p:nvPr/>
+        </p:nvSpPr>
+        <p:spPr>
+          <a:xfrm>
+            <a:off x="5764530" y="4512687"/>
+            <a:ext cx="1230630" cy="1230630"/>
+          </a:xfrm>
+          <a:prstGeom prst="ellipse">
+            <a:avLst/>
+          </a:prstGeom>
+          <a:noFill/>
+          <a:ln>
+            <a:solidFill>
+              <a:srgbClr val="FF0000"/>
+            </a:solidFill>
+          </a:ln>
+        </p:spPr>
+        <p:style>
+          <a:lnRef idx="2">
+            <a:schemeClr val="accent1">
+              <a:shade val="50000"/>
+            </a:schemeClr>
+          </a:lnRef>
+          <a:fillRef idx="1">
+            <a:schemeClr val="accent1"/>
+          </a:fillRef>
+          <a:effectRef idx="0">
+            <a:schemeClr val="accent1"/>
+          </a:effectRef>
+          <a:fontRef idx="minor">
+            <a:schemeClr val="lt1"/>
+          </a:fontRef>
+        </p:style>
+        <p:txBody>
+          <a:bodyPr rtlCol="0" anchor="ctr"/>
+          <a:lstStyle/>
+          <a:p>
+            <a:pPr algn="ctr"/>
+            <a:endParaRPr lang="en-US" sz="1530"/>
+          </a:p>
+        </p:txBody>
+      </p:sp>
+      <p:sp>
+        <p:nvSpPr>
+          <p:cNvPr id="12" name="Oval 11"/>
+          <p:cNvSpPr/>
+          <p:nvPr/>
+        </p:nvSpPr>
+        <p:spPr>
+          <a:xfrm>
+            <a:off x="4579372" y="4368951"/>
+            <a:ext cx="1878330" cy="1813560"/>
+          </a:xfrm>
+          <a:prstGeom prst="ellipse">
+            <a:avLst/>
+          </a:prstGeom>
+          <a:noFill/>
+        </p:spPr>
+        <p:style>
+          <a:lnRef idx="2">
+            <a:schemeClr val="accent1">
+              <a:shade val="50000"/>
+            </a:schemeClr>
+          </a:lnRef>
+          <a:fillRef idx="1">
+            <a:schemeClr val="accent1"/>
+          </a:fillRef>
+          <a:effectRef idx="0">
+            <a:schemeClr val="accent1"/>
+          </a:effectRef>
+          <a:fontRef idx="minor">
+            <a:schemeClr val="lt1"/>
+          </a:fontRef>
+        </p:style>
+        <p:txBody>
+          <a:bodyPr rtlCol="0" anchor="ctr"/>
+          <a:lstStyle/>
+          <a:p>
+            <a:pPr algn="ctr"/>
+            <a:endParaRPr lang="en-US" sz="1530"/>
+          </a:p>
+        </p:txBody>
+      </p:sp>
+      <p:sp>
+        <p:nvSpPr>
+          <p:cNvPr id="13" name="TextBox 12"/>
           <p:cNvSpPr txBox="1"/>
           <p:nvPr/>
         </p:nvSpPr>
         <p:spPr>
           <a:xfrm>
-            <a:off x="2597342" y="6917433"/>
-            <a:ext cx="1173270" cy="563231"/>
+            <a:off x="4686274" y="4735587"/>
+            <a:ext cx="887872" cy="798680"/>
           </a:xfrm>
           <a:prstGeom prst="rect">
             <a:avLst/>
@@ -9600,6 +9291,85 @@
           </a:bodyPr>
           <a:lstStyle/>
           <a:p>
+            <a:pPr algn="ctr"/>
+            <a:r>
+              <a:rPr lang="en-US" sz="1530" dirty="0"/>
+              <a:t>Midterm</a:t>
+            </a:r>
+          </a:p>
+          <a:p>
+            <a:pPr algn="ctr"/>
+            <a:r>
+              <a:rPr lang="en-US" sz="1530" dirty="0"/>
+              <a:t>Test</a:t>
+            </a:r>
+          </a:p>
+          <a:p>
+            <a:pPr algn="ctr"/>
+            <a:r>
+              <a:rPr lang="en-US" sz="1530" dirty="0"/>
+              <a:t>Score</a:t>
+            </a:r>
+          </a:p>
+        </p:txBody>
+      </p:sp>
+      <p:sp>
+        <p:nvSpPr>
+          <p:cNvPr id="14" name="TextBox 13"/>
+          <p:cNvSpPr txBox="1"/>
+          <p:nvPr/>
+        </p:nvSpPr>
+        <p:spPr>
+          <a:xfrm>
+            <a:off x="6720102" y="5670385"/>
+            <a:ext cx="658963" cy="563231"/>
+          </a:xfrm>
+          <a:prstGeom prst="rect">
+            <a:avLst/>
+          </a:prstGeom>
+          <a:noFill/>
+        </p:spPr>
+        <p:txBody>
+          <a:bodyPr wrap="none" rtlCol="0">
+            <a:spAutoFit/>
+          </a:bodyPr>
+          <a:lstStyle/>
+          <a:p>
+            <a:r>
+              <a:rPr lang="en-US" sz="1530" dirty="0"/>
+              <a:t>Math </a:t>
+            </a:r>
+          </a:p>
+          <a:p>
+            <a:r>
+              <a:rPr lang="en-US" sz="1530" dirty="0"/>
+              <a:t>Skills</a:t>
+            </a:r>
+          </a:p>
+        </p:txBody>
+      </p:sp>
+      <p:sp>
+        <p:nvSpPr>
+          <p:cNvPr id="15" name="TextBox 14"/>
+          <p:cNvSpPr txBox="1"/>
+          <p:nvPr/>
+        </p:nvSpPr>
+        <p:spPr>
+          <a:xfrm>
+            <a:off x="5518536" y="6670041"/>
+            <a:ext cx="1173270" cy="563231"/>
+          </a:xfrm>
+          <a:prstGeom prst="rect">
+            <a:avLst/>
+          </a:prstGeom>
+          <a:noFill/>
+        </p:spPr>
+        <p:txBody>
+          <a:bodyPr wrap="none" rtlCol="0">
+            <a:spAutoFit/>
+          </a:bodyPr>
+          <a:lstStyle/>
+          <a:p>
             <a:r>
               <a:rPr lang="en-US" sz="1530" dirty="0"/>
               <a:t>Time in</a:t>
@@ -9622,7 +9392,7 @@
         </p:nvSpPr>
         <p:spPr>
           <a:xfrm>
-            <a:off x="3112072" y="3973316"/>
+            <a:off x="1176592" y="3802652"/>
             <a:ext cx="1794146" cy="327782"/>
           </a:xfrm>
           <a:prstGeom prst="rect">
@@ -9639,6 +9409,35 @@
             <a:r>
               <a:rPr lang="en-US" sz="1530" b="1" dirty="0"/>
               <a:t>Self-Selected Group</a:t>
+            </a:r>
+          </a:p>
+        </p:txBody>
+      </p:sp>
+      <p:sp>
+        <p:nvSpPr>
+          <p:cNvPr id="17" name="TextBox 16"/>
+          <p:cNvSpPr txBox="1"/>
+          <p:nvPr/>
+        </p:nvSpPr>
+        <p:spPr>
+          <a:xfrm>
+            <a:off x="4824507" y="3790979"/>
+            <a:ext cx="1545488" cy="327782"/>
+          </a:xfrm>
+          <a:prstGeom prst="rect">
+            <a:avLst/>
+          </a:prstGeom>
+          <a:noFill/>
+        </p:spPr>
+        <p:txBody>
+          <a:bodyPr wrap="none" rtlCol="0">
+            <a:spAutoFit/>
+          </a:bodyPr>
+          <a:lstStyle/>
+          <a:p>
+            <a:r>
+              <a:rPr lang="en-US" sz="1530" b="1" dirty="0"/>
+              <a:t>Assigned Groups</a:t>
             </a:r>
           </a:p>
         </p:txBody>
@@ -9666,46 +9465,10 @@
           </a:p>
         </p:txBody>
       </p:sp>
-      <p:sp>
-        <p:nvSpPr>
-          <p:cNvPr id="38" name="TextBox 37"/>
-          <p:cNvSpPr txBox="1"/>
-          <p:nvPr/>
-        </p:nvSpPr>
-        <p:spPr>
-          <a:xfrm>
-            <a:off x="1752600" y="8361007"/>
-            <a:ext cx="4759569" cy="1077218"/>
-          </a:xfrm>
-          <a:prstGeom prst="rect">
-            <a:avLst/>
-          </a:prstGeom>
-          <a:noFill/>
-        </p:spPr>
-        <p:txBody>
-          <a:bodyPr wrap="square" rtlCol="0">
-            <a:spAutoFit/>
-          </a:bodyPr>
-          <a:lstStyle/>
-          <a:p>
-            <a:r>
-              <a:rPr lang="en-US" sz="1600" dirty="0">
-                <a:solidFill>
-                  <a:schemeClr val="tx1">
-                    <a:lumMod val="50000"/>
-                    <a:lumOff val="50000"/>
-                  </a:schemeClr>
-                </a:solidFill>
-              </a:rPr>
-              <a:t>If ability is negatively or positively correlated with the decision to participate in the program then those in the treatment group (utilize service / join program) will be different than those in the control group</a:t>
-            </a:r>
-          </a:p>
-        </p:txBody>
-      </p:sp>
     </p:spTree>
     <p:extLst>
       <p:ext uri="{BB962C8B-B14F-4D97-AF65-F5344CB8AC3E}">
-        <p14:creationId xmlns:p14="http://schemas.microsoft.com/office/powerpoint/2010/main" val="3359247756"/>
+        <p14:creationId xmlns:p14="http://schemas.microsoft.com/office/powerpoint/2010/main" val="4086762326"/>
       </p:ext>
     </p:extLst>
   </p:cSld>
@@ -9744,6 +9507,398 @@
         </p:nvSpPr>
         <p:spPr/>
         <p:txBody>
+          <a:bodyPr>
+            <a:normAutofit/>
+          </a:bodyPr>
+          <a:lstStyle/>
+          <a:p>
+            <a:r>
+              <a:rPr lang="en-US" sz="3600" dirty="0"/>
+              <a:t>Selection Bias: Example 1</a:t>
+            </a:r>
+          </a:p>
+        </p:txBody>
+      </p:sp>
+      <p:sp>
+        <p:nvSpPr>
+          <p:cNvPr id="4" name="Oval 3"/>
+          <p:cNvSpPr/>
+          <p:nvPr/>
+        </p:nvSpPr>
+        <p:spPr>
+          <a:xfrm>
+            <a:off x="3036570" y="5737860"/>
+            <a:ext cx="1230630" cy="1230630"/>
+          </a:xfrm>
+          <a:prstGeom prst="ellipse">
+            <a:avLst/>
+          </a:prstGeom>
+          <a:noFill/>
+          <a:ln>
+            <a:solidFill>
+              <a:srgbClr val="FF0000"/>
+            </a:solidFill>
+          </a:ln>
+        </p:spPr>
+        <p:style>
+          <a:lnRef idx="2">
+            <a:schemeClr val="accent1">
+              <a:shade val="50000"/>
+            </a:schemeClr>
+          </a:lnRef>
+          <a:fillRef idx="1">
+            <a:schemeClr val="accent1"/>
+          </a:fillRef>
+          <a:effectRef idx="0">
+            <a:schemeClr val="accent1"/>
+          </a:effectRef>
+          <a:fontRef idx="minor">
+            <a:schemeClr val="lt1"/>
+          </a:fontRef>
+        </p:style>
+        <p:txBody>
+          <a:bodyPr rtlCol="0" anchor="ctr"/>
+          <a:lstStyle/>
+          <a:p>
+            <a:pPr algn="ctr"/>
+            <a:endParaRPr lang="en-US" sz="1530"/>
+          </a:p>
+        </p:txBody>
+      </p:sp>
+      <p:sp>
+        <p:nvSpPr>
+          <p:cNvPr id="5" name="Oval 4"/>
+          <p:cNvSpPr/>
+          <p:nvPr/>
+        </p:nvSpPr>
+        <p:spPr>
+          <a:xfrm>
+            <a:off x="3749040" y="5608320"/>
+            <a:ext cx="1230630" cy="1230630"/>
+          </a:xfrm>
+          <a:prstGeom prst="ellipse">
+            <a:avLst/>
+          </a:prstGeom>
+          <a:noFill/>
+          <a:ln>
+            <a:solidFill>
+              <a:srgbClr val="FF0000"/>
+            </a:solidFill>
+            <a:prstDash val="dashDot"/>
+          </a:ln>
+        </p:spPr>
+        <p:style>
+          <a:lnRef idx="2">
+            <a:schemeClr val="accent1">
+              <a:shade val="50000"/>
+            </a:schemeClr>
+          </a:lnRef>
+          <a:fillRef idx="1">
+            <a:schemeClr val="accent1"/>
+          </a:fillRef>
+          <a:effectRef idx="0">
+            <a:schemeClr val="accent1"/>
+          </a:effectRef>
+          <a:fontRef idx="minor">
+            <a:schemeClr val="lt1"/>
+          </a:fontRef>
+        </p:style>
+        <p:txBody>
+          <a:bodyPr rtlCol="0" anchor="ctr"/>
+          <a:lstStyle/>
+          <a:p>
+            <a:pPr algn="ctr"/>
+            <a:endParaRPr lang="en-US" sz="1530"/>
+          </a:p>
+        </p:txBody>
+      </p:sp>
+      <p:sp>
+        <p:nvSpPr>
+          <p:cNvPr id="6" name="Oval 5"/>
+          <p:cNvSpPr/>
+          <p:nvPr/>
+        </p:nvSpPr>
+        <p:spPr>
+          <a:xfrm>
+            <a:off x="2971800" y="4572000"/>
+            <a:ext cx="1878330" cy="1813560"/>
+          </a:xfrm>
+          <a:prstGeom prst="ellipse">
+            <a:avLst/>
+          </a:prstGeom>
+          <a:noFill/>
+        </p:spPr>
+        <p:style>
+          <a:lnRef idx="2">
+            <a:schemeClr val="accent1">
+              <a:shade val="50000"/>
+            </a:schemeClr>
+          </a:lnRef>
+          <a:fillRef idx="1">
+            <a:schemeClr val="accent1"/>
+          </a:fillRef>
+          <a:effectRef idx="0">
+            <a:schemeClr val="accent1"/>
+          </a:effectRef>
+          <a:fontRef idx="minor">
+            <a:schemeClr val="lt1"/>
+          </a:fontRef>
+        </p:style>
+        <p:txBody>
+          <a:bodyPr rtlCol="0" anchor="ctr"/>
+          <a:lstStyle/>
+          <a:p>
+            <a:pPr algn="ctr"/>
+            <a:endParaRPr lang="en-US" sz="1530"/>
+          </a:p>
+        </p:txBody>
+      </p:sp>
+      <p:sp>
+        <p:nvSpPr>
+          <p:cNvPr id="7" name="TextBox 6"/>
+          <p:cNvSpPr txBox="1"/>
+          <p:nvPr/>
+        </p:nvSpPr>
+        <p:spPr>
+          <a:xfrm>
+            <a:off x="3455771" y="4701540"/>
+            <a:ext cx="887872" cy="798680"/>
+          </a:xfrm>
+          <a:prstGeom prst="rect">
+            <a:avLst/>
+          </a:prstGeom>
+          <a:noFill/>
+        </p:spPr>
+        <p:txBody>
+          <a:bodyPr wrap="none" rtlCol="0">
+            <a:spAutoFit/>
+          </a:bodyPr>
+          <a:lstStyle/>
+          <a:p>
+            <a:pPr algn="ctr"/>
+            <a:r>
+              <a:rPr lang="en-US" sz="1530" dirty="0"/>
+              <a:t>Midterm</a:t>
+            </a:r>
+          </a:p>
+          <a:p>
+            <a:pPr algn="ctr"/>
+            <a:r>
+              <a:rPr lang="en-US" sz="1530" dirty="0"/>
+              <a:t>Test</a:t>
+            </a:r>
+          </a:p>
+          <a:p>
+            <a:pPr algn="ctr"/>
+            <a:r>
+              <a:rPr lang="en-US" sz="1530" dirty="0"/>
+              <a:t>Score</a:t>
+            </a:r>
+          </a:p>
+        </p:txBody>
+      </p:sp>
+      <p:sp>
+        <p:nvSpPr>
+          <p:cNvPr id="8" name="TextBox 7"/>
+          <p:cNvSpPr txBox="1"/>
+          <p:nvPr/>
+        </p:nvSpPr>
+        <p:spPr>
+          <a:xfrm>
+            <a:off x="4457055" y="6838949"/>
+            <a:ext cx="1048685" cy="563231"/>
+          </a:xfrm>
+          <a:prstGeom prst="rect">
+            <a:avLst/>
+          </a:prstGeom>
+          <a:noFill/>
+        </p:spPr>
+        <p:txBody>
+          <a:bodyPr wrap="none" rtlCol="0">
+            <a:spAutoFit/>
+          </a:bodyPr>
+          <a:lstStyle/>
+          <a:p>
+            <a:r>
+              <a:rPr lang="en-US" sz="1530" dirty="0"/>
+              <a:t>Propensity</a:t>
+            </a:r>
+            <a:br>
+              <a:rPr lang="en-US" sz="1530" dirty="0"/>
+            </a:br>
+            <a:r>
+              <a:rPr lang="en-US" sz="1530" dirty="0"/>
+              <a:t>to succeed</a:t>
+            </a:r>
+          </a:p>
+        </p:txBody>
+      </p:sp>
+      <p:sp>
+        <p:nvSpPr>
+          <p:cNvPr id="9" name="TextBox 8"/>
+          <p:cNvSpPr txBox="1"/>
+          <p:nvPr/>
+        </p:nvSpPr>
+        <p:spPr>
+          <a:xfrm>
+            <a:off x="2597342" y="6917433"/>
+            <a:ext cx="1173270" cy="563231"/>
+          </a:xfrm>
+          <a:prstGeom prst="rect">
+            <a:avLst/>
+          </a:prstGeom>
+          <a:noFill/>
+        </p:spPr>
+        <p:txBody>
+          <a:bodyPr wrap="none" rtlCol="0">
+            <a:spAutoFit/>
+          </a:bodyPr>
+          <a:lstStyle/>
+          <a:p>
+            <a:r>
+              <a:rPr lang="en-US" sz="1530" dirty="0"/>
+              <a:t>Time in</a:t>
+            </a:r>
+            <a:br>
+              <a:rPr lang="en-US" sz="1530" dirty="0"/>
+            </a:br>
+            <a:r>
+              <a:rPr lang="en-US" sz="1530" dirty="0"/>
+              <a:t>Office Hours</a:t>
+            </a:r>
+          </a:p>
+        </p:txBody>
+      </p:sp>
+      <p:sp>
+        <p:nvSpPr>
+          <p:cNvPr id="16" name="TextBox 15"/>
+          <p:cNvSpPr txBox="1"/>
+          <p:nvPr/>
+        </p:nvSpPr>
+        <p:spPr>
+          <a:xfrm>
+            <a:off x="3112072" y="3973316"/>
+            <a:ext cx="1794146" cy="327782"/>
+          </a:xfrm>
+          <a:prstGeom prst="rect">
+            <a:avLst/>
+          </a:prstGeom>
+          <a:noFill/>
+        </p:spPr>
+        <p:txBody>
+          <a:bodyPr wrap="none" rtlCol="0">
+            <a:spAutoFit/>
+          </a:bodyPr>
+          <a:lstStyle/>
+          <a:p>
+            <a:r>
+              <a:rPr lang="en-US" sz="1530" b="1" dirty="0"/>
+              <a:t>Self-Selected Group</a:t>
+            </a:r>
+          </a:p>
+        </p:txBody>
+      </p:sp>
+      <p:sp>
+        <p:nvSpPr>
+          <p:cNvPr id="3" name="Slide Number Placeholder 2"/>
+          <p:cNvSpPr>
+            <a:spLocks noGrp="1"/>
+          </p:cNvSpPr>
+          <p:nvPr>
+            <p:ph type="sldNum" sz="quarter" idx="12"/>
+          </p:nvPr>
+        </p:nvSpPr>
+        <p:spPr/>
+        <p:txBody>
+          <a:bodyPr/>
+          <a:lstStyle/>
+          <a:p>
+            <a:fld id="{8A2A4A19-B384-42F8-8C0D-94C30AAB39F2}" type="slidenum">
+              <a:rPr lang="en-US" smtClean="0"/>
+              <a:t>23</a:t>
+            </a:fld>
+            <a:endParaRPr lang="en-US"/>
+          </a:p>
+        </p:txBody>
+      </p:sp>
+      <p:sp>
+        <p:nvSpPr>
+          <p:cNvPr id="38" name="TextBox 37"/>
+          <p:cNvSpPr txBox="1"/>
+          <p:nvPr/>
+        </p:nvSpPr>
+        <p:spPr>
+          <a:xfrm>
+            <a:off x="1752600" y="8361007"/>
+            <a:ext cx="4759569" cy="1077218"/>
+          </a:xfrm>
+          <a:prstGeom prst="rect">
+            <a:avLst/>
+          </a:prstGeom>
+          <a:noFill/>
+        </p:spPr>
+        <p:txBody>
+          <a:bodyPr wrap="square" rtlCol="0">
+            <a:spAutoFit/>
+          </a:bodyPr>
+          <a:lstStyle/>
+          <a:p>
+            <a:r>
+              <a:rPr lang="en-US" sz="1600" dirty="0">
+                <a:solidFill>
+                  <a:schemeClr val="tx1">
+                    <a:lumMod val="50000"/>
+                    <a:lumOff val="50000"/>
+                  </a:schemeClr>
+                </a:solidFill>
+              </a:rPr>
+              <a:t>If ability is negatively or positively correlated with the decision to participate in the program then those in the treatment group (utilize service / join program) will be different than those in the control group</a:t>
+            </a:r>
+          </a:p>
+        </p:txBody>
+      </p:sp>
+    </p:spTree>
+    <p:extLst>
+      <p:ext uri="{BB962C8B-B14F-4D97-AF65-F5344CB8AC3E}">
+        <p14:creationId xmlns:p14="http://schemas.microsoft.com/office/powerpoint/2010/main" val="3359247756"/>
+      </p:ext>
+    </p:extLst>
+  </p:cSld>
+  <p:clrMapOvr>
+    <a:masterClrMapping/>
+  </p:clrMapOvr>
+</p:sld>
+</file>
+
+<file path=ppt/slides/slide24.xml><?xml version="1.0" encoding="utf-8"?>
+<p:sld xmlns:a="http://schemas.openxmlformats.org/drawingml/2006/main" xmlns:r="http://schemas.openxmlformats.org/officeDocument/2006/relationships" xmlns:p="http://schemas.openxmlformats.org/presentationml/2006/main">
+  <p:cSld>
+    <p:spTree>
+      <p:nvGrpSpPr>
+        <p:cNvPr id="1" name=""/>
+        <p:cNvGrpSpPr/>
+        <p:nvPr/>
+      </p:nvGrpSpPr>
+      <p:grpSpPr>
+        <a:xfrm>
+          <a:off x="0" y="0"/>
+          <a:ext cx="0" cy="0"/>
+          <a:chOff x="0" y="0"/>
+          <a:chExt cx="0" cy="0"/>
+        </a:xfrm>
+      </p:grpSpPr>
+      <p:sp>
+        <p:nvSpPr>
+          <p:cNvPr id="2" name="Title 1"/>
+          <p:cNvSpPr>
+            <a:spLocks noGrp="1"/>
+          </p:cNvSpPr>
+          <p:nvPr>
+            <p:ph type="title"/>
+          </p:nvPr>
+        </p:nvSpPr>
+        <p:spPr/>
+        <p:txBody>
           <a:bodyPr/>
           <a:lstStyle/>
           <a:p>
@@ -10024,7 +10179,7 @@
           <a:p>
             <a:fld id="{8A2A4A19-B384-42F8-8C0D-94C30AAB39F2}" type="slidenum">
               <a:rPr lang="en-US" smtClean="0"/>
-              <a:t>23</a:t>
+              <a:t>24</a:t>
             </a:fld>
             <a:endParaRPr lang="en-US"/>
           </a:p>
@@ -11683,7 +11838,7 @@
               <a:graphicData uri="http://schemas.openxmlformats.org/presentationml/2006/ole">
                 <mc:AlternateContent xmlns:mc="http://schemas.openxmlformats.org/markup-compatibility/2006">
                   <mc:Choice xmlns:v="urn:schemas-microsoft-com:vml" Requires="v">
-                    <p:oleObj spid="_x0000_s54278" name="Equation" r:id="rId3" imgW="596880" imgH="393480" progId="Equation.3">
+                    <p:oleObj spid="_x0000_s54279" name="Equation" r:id="rId3" imgW="596880" imgH="393480" progId="Equation.3">
                       <p:embed/>
                     </p:oleObj>
                   </mc:Choice>

--- a/lectures/p-10-seven-sins-of-regression.pptx
+++ b/lectures/p-10-seven-sins-of-regression.pptx
@@ -234,7 +234,7 @@
           <a:p>
             <a:fld id="{A33972A0-D2DC-4C5E-947C-999AC4BCA557}" type="datetimeFigureOut">
               <a:rPr lang="en-US" smtClean="0"/>
-              <a:t>9/24/2019</a:t>
+              <a:t>10/6/2019</a:t>
             </a:fld>
             <a:endParaRPr lang="en-US"/>
           </a:p>
@@ -399,7 +399,7 @@
           <a:p>
             <a:fld id="{FF03C39A-337C-43B7-983D-83172343289F}" type="datetimeFigureOut">
               <a:rPr lang="en-US" smtClean="0"/>
-              <a:t>9/24/2019</a:t>
+              <a:t>10/6/2019</a:t>
             </a:fld>
             <a:endParaRPr lang="en-US"/>
           </a:p>
@@ -1098,7 +1098,7 @@
           <a:p>
             <a:fld id="{5B277E57-7CD9-4372-A377-DBEB80BB39C1}" type="datetime1">
               <a:rPr lang="en-US" smtClean="0"/>
-              <a:t>9/24/2019</a:t>
+              <a:t>10/6/2019</a:t>
             </a:fld>
             <a:endParaRPr lang="en-US"/>
           </a:p>
@@ -1266,7 +1266,7 @@
           <a:p>
             <a:fld id="{84A2B8FC-B9FA-4B6E-8714-D3FD0AF19000}" type="datetime1">
               <a:rPr lang="en-US" smtClean="0"/>
-              <a:t>9/24/2019</a:t>
+              <a:t>10/6/2019</a:t>
             </a:fld>
             <a:endParaRPr lang="en-US"/>
           </a:p>
@@ -1444,7 +1444,7 @@
           <a:p>
             <a:fld id="{5AEC1506-4FF6-4E09-B5CF-05FFAEF58ABC}" type="datetime1">
               <a:rPr lang="en-US" smtClean="0"/>
-              <a:t>9/24/2019</a:t>
+              <a:t>10/6/2019</a:t>
             </a:fld>
             <a:endParaRPr lang="en-US"/>
           </a:p>
@@ -1571,7 +1571,7 @@
           <a:p>
             <a:fld id="{8E2AC153-CDDB-4510-AA95-19EFB13C01B1}" type="datetime1">
               <a:rPr lang="en-US" smtClean="0"/>
-              <a:t>9/24/2019</a:t>
+              <a:t>10/6/2019</a:t>
             </a:fld>
             <a:endParaRPr lang="en-US"/>
           </a:p>
@@ -1740,7 +1740,7 @@
           <a:p>
             <a:fld id="{26310584-9E05-4E6B-9106-E44612D7A190}" type="datetime1">
               <a:rPr lang="en-US" smtClean="0"/>
-              <a:t>9/24/2019</a:t>
+              <a:t>10/6/2019</a:t>
             </a:fld>
             <a:endParaRPr lang="en-US"/>
           </a:p>
@@ -1985,7 +1985,7 @@
           <a:p>
             <a:fld id="{92E351D4-407E-4324-8F35-F95C756848AB}" type="datetime1">
               <a:rPr lang="en-US" smtClean="0"/>
-              <a:t>9/24/2019</a:t>
+              <a:t>10/6/2019</a:t>
             </a:fld>
             <a:endParaRPr lang="en-US"/>
           </a:p>
@@ -2275,7 +2275,7 @@
           <a:p>
             <a:fld id="{FCF59BE9-1D48-48D6-BED2-3A7B13FD25C5}" type="datetime1">
               <a:rPr lang="en-US" smtClean="0"/>
-              <a:t>9/24/2019</a:t>
+              <a:t>10/6/2019</a:t>
             </a:fld>
             <a:endParaRPr lang="en-US"/>
           </a:p>
@@ -2694,7 +2694,7 @@
           <a:p>
             <a:fld id="{07564B26-47BC-4FEA-99FA-550D65A6D45E}" type="datetime1">
               <a:rPr lang="en-US" smtClean="0"/>
-              <a:t>9/24/2019</a:t>
+              <a:t>10/6/2019</a:t>
             </a:fld>
             <a:endParaRPr lang="en-US"/>
           </a:p>
@@ -2811,7 +2811,7 @@
           <a:p>
             <a:fld id="{F4076D1E-21F7-496A-A3A5-41C8B5F6E55C}" type="datetime1">
               <a:rPr lang="en-US" smtClean="0"/>
-              <a:t>9/24/2019</a:t>
+              <a:t>10/6/2019</a:t>
             </a:fld>
             <a:endParaRPr lang="en-US"/>
           </a:p>
@@ -2906,7 +2906,7 @@
           <a:p>
             <a:fld id="{E5DA6C10-49AF-43F5-9D69-88B8B41177CA}" type="datetime1">
               <a:rPr lang="en-US" smtClean="0"/>
-              <a:t>9/24/2019</a:t>
+              <a:t>10/6/2019</a:t>
             </a:fld>
             <a:endParaRPr lang="en-US"/>
           </a:p>
@@ -3193,7 +3193,7 @@
           <a:p>
             <a:fld id="{A74F8905-64F2-4307-BDDC-530C4983A874}" type="datetime1">
               <a:rPr lang="en-US" smtClean="0"/>
-              <a:t>9/24/2019</a:t>
+              <a:t>10/6/2019</a:t>
             </a:fld>
             <a:endParaRPr lang="en-US"/>
           </a:p>
@@ -3445,7 +3445,7 @@
           <a:p>
             <a:fld id="{6C0BA4E3-3489-456D-818A-362A1FA8CE60}" type="datetime1">
               <a:rPr lang="en-US" smtClean="0"/>
-              <a:t>9/24/2019</a:t>
+              <a:t>10/6/2019</a:t>
             </a:fld>
             <a:endParaRPr lang="en-US"/>
           </a:p>
@@ -3656,7 +3656,7 @@
           <a:p>
             <a:fld id="{8A939D91-33EC-4572-8B72-224FDFF2B4D7}" type="datetime1">
               <a:rPr lang="en-US" smtClean="0"/>
-              <a:t>9/24/2019</a:t>
+              <a:t>10/6/2019</a:t>
             </a:fld>
             <a:endParaRPr lang="en-US"/>
           </a:p>
@@ -5887,7 +5887,7 @@
           <a:graphicData uri="http://schemas.openxmlformats.org/presentationml/2006/ole">
             <mc:AlternateContent xmlns:mc="http://schemas.openxmlformats.org/markup-compatibility/2006">
               <mc:Choice xmlns:v="urn:schemas-microsoft-com:vml" Requires="v">
-                <p:oleObj spid="_x0000_s55303" name="Equation" r:id="rId4" imgW="1434960" imgH="228600" progId="Equation.3">
+                <p:oleObj spid="_x0000_s55305" name="Equation" r:id="rId4" imgW="1434960" imgH="228600" progId="Equation.3">
                   <p:embed/>
                 </p:oleObj>
               </mc:Choice>
@@ -6826,7 +6826,7 @@
           <a:graphicData uri="http://schemas.openxmlformats.org/presentationml/2006/ole">
             <mc:AlternateContent xmlns:mc="http://schemas.openxmlformats.org/markup-compatibility/2006">
               <mc:Choice xmlns:v="urn:schemas-microsoft-com:vml" Requires="v">
-                <p:oleObj spid="_x0000_s53255" name="Equation" r:id="rId3" imgW="1447560" imgH="685800" progId="Equation.3">
+                <p:oleObj spid="_x0000_s53257" name="Equation" r:id="rId3" imgW="1447560" imgH="685800" progId="Equation.3">
                   <p:embed/>
                 </p:oleObj>
               </mc:Choice>
@@ -7236,7 +7236,7 @@
           <a:graphicData uri="http://schemas.openxmlformats.org/presentationml/2006/ole">
             <mc:AlternateContent xmlns:mc="http://schemas.openxmlformats.org/markup-compatibility/2006">
               <mc:Choice xmlns:v="urn:schemas-microsoft-com:vml" Requires="v">
-                <p:oleObj spid="_x0000_s56327" name="Equation" r:id="rId3" imgW="774360" imgH="672840" progId="Equation.3">
+                <p:oleObj spid="_x0000_s56329" name="Equation" r:id="rId3" imgW="774360" imgH="672840" progId="Equation.3">
                   <p:embed/>
                 </p:oleObj>
               </mc:Choice>
@@ -11499,302 +11499,454 @@
       </p:sp>
       <p:sp>
         <p:nvSpPr>
-          <p:cNvPr id="13" name="TextBox 12"/>
-          <p:cNvSpPr txBox="1"/>
-          <p:nvPr/>
-        </p:nvSpPr>
-        <p:spPr>
-          <a:xfrm>
-            <a:off x="4728211" y="4575810"/>
-            <a:ext cx="2720339" cy="1975926"/>
-          </a:xfrm>
-          <a:prstGeom prst="rect">
-            <a:avLst/>
-          </a:prstGeom>
-          <a:noFill/>
-        </p:spPr>
-        <p:txBody>
-          <a:bodyPr wrap="square" rtlCol="0">
-            <a:spAutoFit/>
-          </a:bodyPr>
-          <a:lstStyle/>
-          <a:p>
-            <a:r>
-              <a:rPr lang="en-US" sz="1530" dirty="0"/>
-              <a:t>The higher the </a:t>
-            </a:r>
-            <a:r>
-              <a:rPr lang="en-US" sz="1530" dirty="0" err="1"/>
-              <a:t>multicollinearity</a:t>
-            </a:r>
-            <a:r>
-              <a:rPr lang="en-US" sz="1530" dirty="0"/>
-              <a:t>, the smaller B will be, which means larger the standard errors.  When standard errors are large the confidence intervals are bigger and it is less likely that the slope will be statistically significant.</a:t>
-            </a:r>
+          <p:cNvPr id="5" name="Slide Number Placeholder 4"/>
+          <p:cNvSpPr>
+            <a:spLocks noGrp="1"/>
+          </p:cNvSpPr>
+          <p:nvPr>
+            <p:ph type="sldNum" sz="quarter" idx="12"/>
+          </p:nvPr>
+        </p:nvSpPr>
+        <p:spPr/>
+        <p:txBody>
+          <a:bodyPr/>
+          <a:lstStyle/>
+          <a:p>
+            <a:fld id="{8A2A4A19-B384-42F8-8C0D-94C30AAB39F2}" type="slidenum">
+              <a:rPr lang="en-US" smtClean="0"/>
+              <a:t>6</a:t>
+            </a:fld>
+            <a:endParaRPr lang="en-US"/>
           </a:p>
         </p:txBody>
       </p:sp>
       <p:grpSp>
         <p:nvGrpSpPr>
-          <p:cNvPr id="3" name="Group 13"/>
+          <p:cNvPr id="6" name="Group 5">
+            <a:extLst>
+              <a:ext uri="{FF2B5EF4-FFF2-40B4-BE49-F238E27FC236}">
+                <a16:creationId xmlns:a16="http://schemas.microsoft.com/office/drawing/2014/main" id="{FFDA44F8-4D7A-4B56-B344-BF4458046BE6}"/>
+              </a:ext>
+            </a:extLst>
+          </p:cNvPr>
           <p:cNvGrpSpPr/>
           <p:nvPr/>
         </p:nvGrpSpPr>
         <p:grpSpPr>
           <a:xfrm>
             <a:off x="647700" y="4251960"/>
-            <a:ext cx="3531880" cy="2270882"/>
-            <a:chOff x="2057400" y="3048000"/>
-            <a:chExt cx="4155153" cy="2671626"/>
+            <a:ext cx="6800850" cy="2362146"/>
+            <a:chOff x="647700" y="4251960"/>
+            <a:chExt cx="6800850" cy="2362146"/>
           </a:xfrm>
         </p:grpSpPr>
+        <p:sp>
+          <p:nvSpPr>
+            <p:cNvPr id="13" name="TextBox 12"/>
+            <p:cNvSpPr txBox="1"/>
+            <p:nvPr/>
+          </p:nvSpPr>
+          <p:spPr>
+            <a:xfrm>
+              <a:off x="4728211" y="4575810"/>
+              <a:ext cx="2720339" cy="1975926"/>
+            </a:xfrm>
+            <a:prstGeom prst="rect">
+              <a:avLst/>
+            </a:prstGeom>
+            <a:noFill/>
+          </p:spPr>
+          <p:txBody>
+            <a:bodyPr wrap="square" rtlCol="0">
+              <a:spAutoFit/>
+            </a:bodyPr>
+            <a:lstStyle/>
+            <a:p>
+              <a:r>
+                <a:rPr lang="en-US" sz="1530" dirty="0"/>
+                <a:t>The higher the </a:t>
+              </a:r>
+              <a:r>
+                <a:rPr lang="en-US" sz="1530" dirty="0" err="1"/>
+                <a:t>multicollinearity</a:t>
+              </a:r>
+              <a:r>
+                <a:rPr lang="en-US" sz="1530" dirty="0"/>
+                <a:t>, the smaller B will be, which means larger the standard errors.  When standard errors are large the confidence intervals are bigger and it is less likely that the slope will be statistically significant.</a:t>
+              </a:r>
+            </a:p>
+          </p:txBody>
+        </p:sp>
         <p:grpSp>
           <p:nvGrpSpPr>
-            <p:cNvPr id="4" name="Group 17"/>
+            <p:cNvPr id="3" name="Group 13"/>
             <p:cNvGrpSpPr/>
             <p:nvPr/>
           </p:nvGrpSpPr>
           <p:grpSpPr>
             <a:xfrm>
-              <a:off x="2057400" y="3048000"/>
-              <a:ext cx="4155153" cy="2671626"/>
+              <a:off x="647700" y="4251960"/>
+              <a:ext cx="3531880" cy="2270882"/>
               <a:chOff x="2057400" y="3048000"/>
               <a:chExt cx="4155153" cy="2671626"/>
             </a:xfrm>
           </p:grpSpPr>
+          <p:grpSp>
+            <p:nvGrpSpPr>
+              <p:cNvPr id="4" name="Group 17"/>
+              <p:cNvGrpSpPr/>
+              <p:nvPr/>
+            </p:nvGrpSpPr>
+            <p:grpSpPr>
+              <a:xfrm>
+                <a:off x="2057400" y="3048000"/>
+                <a:ext cx="4155153" cy="2671626"/>
+                <a:chOff x="2057400" y="3048000"/>
+                <a:chExt cx="4155153" cy="2671626"/>
+              </a:xfrm>
+            </p:grpSpPr>
+            <p:sp>
+              <p:nvSpPr>
+                <p:cNvPr id="18" name="Oval 17"/>
+                <p:cNvSpPr/>
+                <p:nvPr/>
+              </p:nvSpPr>
+              <p:spPr>
+                <a:xfrm>
+                  <a:off x="2286000" y="3048000"/>
+                  <a:ext cx="2209800" cy="2133600"/>
+                </a:xfrm>
+                <a:prstGeom prst="ellipse">
+                  <a:avLst/>
+                </a:prstGeom>
+                <a:noFill/>
+              </p:spPr>
+              <p:style>
+                <a:lnRef idx="2">
+                  <a:schemeClr val="accent1">
+                    <a:shade val="50000"/>
+                  </a:schemeClr>
+                </a:lnRef>
+                <a:fillRef idx="1">
+                  <a:schemeClr val="accent1"/>
+                </a:fillRef>
+                <a:effectRef idx="0">
+                  <a:schemeClr val="accent1"/>
+                </a:effectRef>
+                <a:fontRef idx="minor">
+                  <a:schemeClr val="lt1"/>
+                </a:fontRef>
+              </p:style>
+              <p:txBody>
+                <a:bodyPr rtlCol="0" anchor="ctr"/>
+                <a:lstStyle/>
+                <a:p>
+                  <a:pPr algn="ctr"/>
+                  <a:endParaRPr lang="en-US" sz="1530"/>
+                </a:p>
+              </p:txBody>
+            </p:sp>
+            <p:sp>
+              <p:nvSpPr>
+                <p:cNvPr id="19" name="TextBox 18"/>
+                <p:cNvSpPr txBox="1"/>
+                <p:nvPr/>
+              </p:nvSpPr>
+              <p:spPr>
+                <a:xfrm>
+                  <a:off x="2057400" y="5334000"/>
+                  <a:ext cx="460534" cy="385626"/>
+                </a:xfrm>
+                <a:prstGeom prst="rect">
+                  <a:avLst/>
+                </a:prstGeom>
+                <a:noFill/>
+              </p:spPr>
+              <p:txBody>
+                <a:bodyPr wrap="none" rtlCol="0">
+                  <a:spAutoFit/>
+                </a:bodyPr>
+                <a:lstStyle/>
+                <a:p>
+                  <a:r>
+                    <a:rPr lang="en-US" sz="1530" b="1" dirty="0"/>
+                    <a:t>X1</a:t>
+                  </a:r>
+                </a:p>
+              </p:txBody>
+            </p:sp>
+            <p:sp>
+              <p:nvSpPr>
+                <p:cNvPr id="20" name="TextBox 19"/>
+                <p:cNvSpPr txBox="1"/>
+                <p:nvPr/>
+              </p:nvSpPr>
+              <p:spPr>
+                <a:xfrm>
+                  <a:off x="4191000" y="5334000"/>
+                  <a:ext cx="217331" cy="385626"/>
+                </a:xfrm>
+                <a:prstGeom prst="rect">
+                  <a:avLst/>
+                </a:prstGeom>
+                <a:noFill/>
+              </p:spPr>
+              <p:txBody>
+                <a:bodyPr wrap="none" rtlCol="0">
+                  <a:spAutoFit/>
+                </a:bodyPr>
+                <a:lstStyle/>
+                <a:p>
+                  <a:endParaRPr lang="en-US" sz="1530" b="1" dirty="0"/>
+                </a:p>
+              </p:txBody>
+            </p:sp>
+            <p:sp>
+              <p:nvSpPr>
+                <p:cNvPr id="22" name="TextBox 21"/>
+                <p:cNvSpPr txBox="1"/>
+                <p:nvPr/>
+              </p:nvSpPr>
+              <p:spPr>
+                <a:xfrm>
+                  <a:off x="3124200" y="3505200"/>
+                  <a:ext cx="351153" cy="385626"/>
+                </a:xfrm>
+                <a:prstGeom prst="rect">
+                  <a:avLst/>
+                </a:prstGeom>
+                <a:noFill/>
+              </p:spPr>
+              <p:txBody>
+                <a:bodyPr wrap="none" rtlCol="0">
+                  <a:spAutoFit/>
+                </a:bodyPr>
+                <a:lstStyle/>
+                <a:p>
+                  <a:r>
+                    <a:rPr lang="en-US" sz="1530" dirty="0">
+                      <a:solidFill>
+                        <a:schemeClr val="tx1">
+                          <a:lumMod val="65000"/>
+                          <a:lumOff val="35000"/>
+                        </a:schemeClr>
+                      </a:solidFill>
+                    </a:rPr>
+                    <a:t>A</a:t>
+                  </a:r>
+                </a:p>
+              </p:txBody>
+            </p:sp>
+            <p:sp>
+              <p:nvSpPr>
+                <p:cNvPr id="23" name="TextBox 22"/>
+                <p:cNvSpPr txBox="1"/>
+                <p:nvPr/>
+              </p:nvSpPr>
+              <p:spPr>
+                <a:xfrm>
+                  <a:off x="2514600" y="5029200"/>
+                  <a:ext cx="343609" cy="385626"/>
+                </a:xfrm>
+                <a:prstGeom prst="rect">
+                  <a:avLst/>
+                </a:prstGeom>
+                <a:noFill/>
+              </p:spPr>
+              <p:txBody>
+                <a:bodyPr wrap="none" rtlCol="0">
+                  <a:spAutoFit/>
+                </a:bodyPr>
+                <a:lstStyle/>
+                <a:p>
+                  <a:r>
+                    <a:rPr lang="en-US" sz="1530" dirty="0">
+                      <a:solidFill>
+                        <a:schemeClr val="tx1">
+                          <a:lumMod val="65000"/>
+                          <a:lumOff val="35000"/>
+                        </a:schemeClr>
+                      </a:solidFill>
+                    </a:rPr>
+                    <a:t>B</a:t>
+                  </a:r>
+                </a:p>
+              </p:txBody>
+            </p:sp>
+            <p:graphicFrame>
+              <p:nvGraphicFramePr>
+                <p:cNvPr id="24" name="Object 23"/>
+                <p:cNvGraphicFramePr>
+                  <a:graphicFrameLocks noChangeAspect="1"/>
+                </p:cNvGraphicFramePr>
+                <p:nvPr/>
+              </p:nvGraphicFramePr>
+              <p:xfrm>
+                <a:off x="5105400" y="3962400"/>
+                <a:ext cx="1107153" cy="730250"/>
+              </p:xfrm>
+              <a:graphic>
+                <a:graphicData uri="http://schemas.openxmlformats.org/presentationml/2006/ole">
+                  <mc:AlternateContent xmlns:mc="http://schemas.openxmlformats.org/markup-compatibility/2006">
+                    <mc:Choice xmlns:v="urn:schemas-microsoft-com:vml" Requires="v">
+                      <p:oleObj spid="_x0000_s54281" name="Equation" r:id="rId3" imgW="596880" imgH="393480" progId="Equation.3">
+                        <p:embed/>
+                      </p:oleObj>
+                    </mc:Choice>
+                    <mc:Fallback>
+                      <p:oleObj name="Equation" r:id="rId3" imgW="596880" imgH="393480" progId="Equation.3">
+                        <p:embed/>
+                        <p:pic>
+                          <p:nvPicPr>
+                            <p:cNvPr id="24" name="Object 23"/>
+                            <p:cNvPicPr>
+                              <a:picLocks noChangeAspect="1" noChangeArrowheads="1"/>
+                            </p:cNvPicPr>
+                            <p:nvPr/>
+                          </p:nvPicPr>
+                          <p:blipFill>
+                            <a:blip r:embed="rId4">
+                              <a:extLst>
+                                <a:ext uri="{28A0092B-C50C-407E-A947-70E740481C1C}">
+                                  <a14:useLocalDpi xmlns:a14="http://schemas.microsoft.com/office/drawing/2010/main" val="0"/>
+                                </a:ext>
+                              </a:extLst>
+                            </a:blip>
+                            <a:srcRect/>
+                            <a:stretch>
+                              <a:fillRect/>
+                            </a:stretch>
+                          </p:blipFill>
+                          <p:spPr bwMode="auto">
+                            <a:xfrm>
+                              <a:off x="5105400" y="3962400"/>
+                              <a:ext cx="1107153" cy="730250"/>
+                            </a:xfrm>
+                            <a:prstGeom prst="rect">
+                              <a:avLst/>
+                            </a:prstGeom>
+                            <a:noFill/>
+                            <a:extLst>
+                              <a:ext uri="{909E8E84-426E-40DD-AFC4-6F175D3DCCD1}">
+                                <a14:hiddenFill xmlns:a14="http://schemas.microsoft.com/office/drawing/2010/main">
+                                  <a:solidFill>
+                                    <a:srgbClr val="FFFFFF"/>
+                                  </a:solidFill>
+                                </a14:hiddenFill>
+                              </a:ext>
+                            </a:extLst>
+                          </p:spPr>
+                        </p:pic>
+                      </p:oleObj>
+                    </mc:Fallback>
+                  </mc:AlternateContent>
+                </a:graphicData>
+              </a:graphic>
+            </p:graphicFrame>
+            <p:sp>
+              <p:nvSpPr>
+                <p:cNvPr id="21" name="Oval 20"/>
+                <p:cNvSpPr/>
+                <p:nvPr/>
+              </p:nvSpPr>
+              <p:spPr>
+                <a:xfrm>
+                  <a:off x="2438400" y="4267200"/>
+                  <a:ext cx="1447800" cy="1447800"/>
+                </a:xfrm>
+                <a:prstGeom prst="ellipse">
+                  <a:avLst/>
+                </a:prstGeom>
+                <a:noFill/>
+                <a:ln>
+                  <a:solidFill>
+                    <a:srgbClr val="FF0000"/>
+                  </a:solidFill>
+                </a:ln>
+              </p:spPr>
+              <p:style>
+                <a:lnRef idx="2">
+                  <a:schemeClr val="accent1">
+                    <a:shade val="50000"/>
+                  </a:schemeClr>
+                </a:lnRef>
+                <a:fillRef idx="1">
+                  <a:schemeClr val="accent1"/>
+                </a:fillRef>
+                <a:effectRef idx="0">
+                  <a:schemeClr val="accent1"/>
+                </a:effectRef>
+                <a:fontRef idx="minor">
+                  <a:schemeClr val="lt1"/>
+                </a:fontRef>
+              </p:style>
+              <p:txBody>
+                <a:bodyPr rtlCol="0" anchor="ctr"/>
+                <a:lstStyle/>
+                <a:p>
+                  <a:pPr algn="ctr"/>
+                  <a:endParaRPr lang="en-US" sz="1530"/>
+                </a:p>
+              </p:txBody>
+            </p:sp>
+            <p:sp>
+              <p:nvSpPr>
+                <p:cNvPr id="17" name="Oval 16"/>
+                <p:cNvSpPr/>
+                <p:nvPr/>
+              </p:nvSpPr>
+              <p:spPr>
+                <a:xfrm>
+                  <a:off x="2819400" y="4267200"/>
+                  <a:ext cx="1447800" cy="1447800"/>
+                </a:xfrm>
+                <a:prstGeom prst="ellipse">
+                  <a:avLst/>
+                </a:prstGeom>
+                <a:solidFill>
+                  <a:schemeClr val="bg1">
+                    <a:lumMod val="50000"/>
+                  </a:schemeClr>
+                </a:solidFill>
+                <a:ln>
+                  <a:noFill/>
+                </a:ln>
+              </p:spPr>
+              <p:style>
+                <a:lnRef idx="2">
+                  <a:schemeClr val="accent1">
+                    <a:shade val="50000"/>
+                  </a:schemeClr>
+                </a:lnRef>
+                <a:fillRef idx="1">
+                  <a:schemeClr val="accent1"/>
+                </a:fillRef>
+                <a:effectRef idx="0">
+                  <a:schemeClr val="accent1"/>
+                </a:effectRef>
+                <a:fontRef idx="minor">
+                  <a:schemeClr val="lt1"/>
+                </a:fontRef>
+              </p:style>
+              <p:txBody>
+                <a:bodyPr rtlCol="0" anchor="ctr"/>
+                <a:lstStyle/>
+                <a:p>
+                  <a:pPr algn="ctr"/>
+                  <a:endParaRPr lang="en-US" sz="1530"/>
+                </a:p>
+              </p:txBody>
+            </p:sp>
+          </p:grpSp>
           <p:sp>
             <p:nvSpPr>
-              <p:cNvPr id="17" name="Oval 16"/>
-              <p:cNvSpPr/>
-              <p:nvPr/>
-            </p:nvSpPr>
-            <p:spPr>
-              <a:xfrm>
-                <a:off x="2819400" y="4267200"/>
-                <a:ext cx="1447800" cy="1447800"/>
-              </a:xfrm>
-              <a:prstGeom prst="ellipse">
-                <a:avLst/>
-              </a:prstGeom>
-              <a:noFill/>
-              <a:ln>
-                <a:solidFill>
-                  <a:srgbClr val="FF0000"/>
-                </a:solidFill>
-              </a:ln>
-            </p:spPr>
-            <p:style>
-              <a:lnRef idx="2">
-                <a:schemeClr val="accent1">
-                  <a:shade val="50000"/>
-                </a:schemeClr>
-              </a:lnRef>
-              <a:fillRef idx="1">
-                <a:schemeClr val="accent1"/>
-              </a:fillRef>
-              <a:effectRef idx="0">
-                <a:schemeClr val="accent1"/>
-              </a:effectRef>
-              <a:fontRef idx="minor">
-                <a:schemeClr val="lt1"/>
-              </a:fontRef>
-            </p:style>
-            <p:txBody>
-              <a:bodyPr rtlCol="0" anchor="ctr"/>
-              <a:lstStyle/>
-              <a:p>
-                <a:pPr algn="ctr"/>
-                <a:endParaRPr lang="en-US" sz="1530"/>
-              </a:p>
-            </p:txBody>
-          </p:sp>
-          <p:sp>
-            <p:nvSpPr>
-              <p:cNvPr id="18" name="Oval 17"/>
-              <p:cNvSpPr/>
-              <p:nvPr/>
-            </p:nvSpPr>
-            <p:spPr>
-              <a:xfrm>
-                <a:off x="2286000" y="3048000"/>
-                <a:ext cx="2209800" cy="2133600"/>
-              </a:xfrm>
-              <a:prstGeom prst="ellipse">
-                <a:avLst/>
-              </a:prstGeom>
-              <a:noFill/>
-            </p:spPr>
-            <p:style>
-              <a:lnRef idx="2">
-                <a:schemeClr val="accent1">
-                  <a:shade val="50000"/>
-                </a:schemeClr>
-              </a:lnRef>
-              <a:fillRef idx="1">
-                <a:schemeClr val="accent1"/>
-              </a:fillRef>
-              <a:effectRef idx="0">
-                <a:schemeClr val="accent1"/>
-              </a:effectRef>
-              <a:fontRef idx="minor">
-                <a:schemeClr val="lt1"/>
-              </a:fontRef>
-            </p:style>
-            <p:txBody>
-              <a:bodyPr rtlCol="0" anchor="ctr"/>
-              <a:lstStyle/>
-              <a:p>
-                <a:pPr algn="ctr"/>
-                <a:endParaRPr lang="en-US" sz="1530"/>
-              </a:p>
-            </p:txBody>
-          </p:sp>
-          <p:sp>
-            <p:nvSpPr>
-              <p:cNvPr id="19" name="TextBox 18"/>
+              <p:cNvPr id="16" name="TextBox 15"/>
               <p:cNvSpPr txBox="1"/>
               <p:nvPr/>
             </p:nvSpPr>
             <p:spPr>
               <a:xfrm>
-                <a:off x="2057400" y="5334000"/>
-                <a:ext cx="460534" cy="385626"/>
-              </a:xfrm>
-              <a:prstGeom prst="rect">
-                <a:avLst/>
-              </a:prstGeom>
-              <a:noFill/>
-            </p:spPr>
-            <p:txBody>
-              <a:bodyPr wrap="none" rtlCol="0">
-                <a:spAutoFit/>
-              </a:bodyPr>
-              <a:lstStyle/>
-              <a:p>
-                <a:r>
-                  <a:rPr lang="en-US" sz="1530" b="1" dirty="0"/>
-                  <a:t>X1</a:t>
-                </a:r>
-              </a:p>
-            </p:txBody>
-          </p:sp>
-          <p:sp>
-            <p:nvSpPr>
-              <p:cNvPr id="20" name="TextBox 19"/>
-              <p:cNvSpPr txBox="1"/>
-              <p:nvPr/>
-            </p:nvSpPr>
-            <p:spPr>
-              <a:xfrm>
-                <a:off x="4191000" y="5334000"/>
-                <a:ext cx="217331" cy="385626"/>
-              </a:xfrm>
-              <a:prstGeom prst="rect">
-                <a:avLst/>
-              </a:prstGeom>
-              <a:noFill/>
-            </p:spPr>
-            <p:txBody>
-              <a:bodyPr wrap="none" rtlCol="0">
-                <a:spAutoFit/>
-              </a:bodyPr>
-              <a:lstStyle/>
-              <a:p>
-                <a:endParaRPr lang="en-US" sz="1530" b="1" dirty="0"/>
-              </a:p>
-            </p:txBody>
-          </p:sp>
-          <p:sp>
-            <p:nvSpPr>
-              <p:cNvPr id="21" name="Oval 20"/>
-              <p:cNvSpPr/>
-              <p:nvPr/>
-            </p:nvSpPr>
-            <p:spPr>
-              <a:xfrm>
-                <a:off x="2438400" y="4267200"/>
-                <a:ext cx="1447800" cy="1447800"/>
-              </a:xfrm>
-              <a:prstGeom prst="ellipse">
-                <a:avLst/>
-              </a:prstGeom>
-              <a:noFill/>
-              <a:ln>
-                <a:solidFill>
-                  <a:srgbClr val="FF0000"/>
-                </a:solidFill>
-              </a:ln>
-            </p:spPr>
-            <p:style>
-              <a:lnRef idx="2">
-                <a:schemeClr val="accent1">
-                  <a:shade val="50000"/>
-                </a:schemeClr>
-              </a:lnRef>
-              <a:fillRef idx="1">
-                <a:schemeClr val="accent1"/>
-              </a:fillRef>
-              <a:effectRef idx="0">
-                <a:schemeClr val="accent1"/>
-              </a:effectRef>
-              <a:fontRef idx="minor">
-                <a:schemeClr val="lt1"/>
-              </a:fontRef>
-            </p:style>
-            <p:txBody>
-              <a:bodyPr rtlCol="0" anchor="ctr"/>
-              <a:lstStyle/>
-              <a:p>
-                <a:pPr algn="ctr"/>
-                <a:endParaRPr lang="en-US" sz="1530"/>
-              </a:p>
-            </p:txBody>
-          </p:sp>
-          <p:sp>
-            <p:nvSpPr>
-              <p:cNvPr id="22" name="TextBox 21"/>
-              <p:cNvSpPr txBox="1"/>
-              <p:nvPr/>
-            </p:nvSpPr>
-            <p:spPr>
-              <a:xfrm>
-                <a:off x="3124200" y="3505200"/>
-                <a:ext cx="351153" cy="385626"/>
-              </a:xfrm>
-              <a:prstGeom prst="rect">
-                <a:avLst/>
-              </a:prstGeom>
-              <a:noFill/>
-            </p:spPr>
-            <p:txBody>
-              <a:bodyPr wrap="none" rtlCol="0">
-                <a:spAutoFit/>
-              </a:bodyPr>
-              <a:lstStyle/>
-              <a:p>
-                <a:r>
-                  <a:rPr lang="en-US" sz="1530" dirty="0">
-                    <a:solidFill>
-                      <a:schemeClr val="tx1">
-                        <a:lumMod val="65000"/>
-                        <a:lumOff val="35000"/>
-                      </a:schemeClr>
-                    </a:solidFill>
-                  </a:rPr>
-                  <a:t>A</a:t>
-                </a:r>
-              </a:p>
-            </p:txBody>
-          </p:sp>
-          <p:sp>
-            <p:nvSpPr>
-              <p:cNvPr id="23" name="TextBox 22"/>
-              <p:cNvSpPr txBox="1"/>
-              <p:nvPr/>
-            </p:nvSpPr>
-            <p:spPr>
-              <a:xfrm>
-                <a:off x="2514600" y="5029200"/>
+                <a:off x="2590800" y="4495800"/>
                 <a:ext cx="343609" cy="385626"/>
               </a:xfrm>
               <a:prstGeom prst="rect">
@@ -11822,87 +11974,23 @@
               </a:p>
             </p:txBody>
           </p:sp>
-          <p:graphicFrame>
-            <p:nvGraphicFramePr>
-              <p:cNvPr id="24" name="Object 23"/>
-              <p:cNvGraphicFramePr>
-                <a:graphicFrameLocks noChangeAspect="1"/>
-              </p:cNvGraphicFramePr>
-              <p:nvPr/>
-            </p:nvGraphicFramePr>
-            <p:xfrm>
-              <a:off x="5105400" y="3962400"/>
-              <a:ext cx="1107153" cy="730250"/>
-            </p:xfrm>
-            <a:graphic>
-              <a:graphicData uri="http://schemas.openxmlformats.org/presentationml/2006/ole">
-                <mc:AlternateContent xmlns:mc="http://schemas.openxmlformats.org/markup-compatibility/2006">
-                  <mc:Choice xmlns:v="urn:schemas-microsoft-com:vml" Requires="v">
-                    <p:oleObj spid="_x0000_s54279" name="Equation" r:id="rId3" imgW="596880" imgH="393480" progId="Equation.3">
-                      <p:embed/>
-                    </p:oleObj>
-                  </mc:Choice>
-                  <mc:Fallback>
-                    <p:oleObj name="Equation" r:id="rId3" imgW="596880" imgH="393480" progId="Equation.3">
-                      <p:embed/>
-                      <p:pic>
-                        <p:nvPicPr>
-                          <p:cNvPr id="24" name="Object 23"/>
-                          <p:cNvPicPr>
-                            <a:picLocks noChangeAspect="1" noChangeArrowheads="1"/>
-                          </p:cNvPicPr>
-                          <p:nvPr/>
-                        </p:nvPicPr>
-                        <p:blipFill>
-                          <a:blip r:embed="rId4">
-                            <a:extLst>
-                              <a:ext uri="{28A0092B-C50C-407E-A947-70E740481C1C}">
-                                <a14:useLocalDpi xmlns:a14="http://schemas.microsoft.com/office/drawing/2010/main" val="0"/>
-                              </a:ext>
-                            </a:extLst>
-                          </a:blip>
-                          <a:srcRect/>
-                          <a:stretch>
-                            <a:fillRect/>
-                          </a:stretch>
-                        </p:blipFill>
-                        <p:spPr bwMode="auto">
-                          <a:xfrm>
-                            <a:off x="5105400" y="3962400"/>
-                            <a:ext cx="1107153" cy="730250"/>
-                          </a:xfrm>
-                          <a:prstGeom prst="rect">
-                            <a:avLst/>
-                          </a:prstGeom>
-                          <a:noFill/>
-                          <a:extLst>
-                            <a:ext uri="{909E8E84-426E-40DD-AFC4-6F175D3DCCD1}">
-                              <a14:hiddenFill xmlns:a14="http://schemas.microsoft.com/office/drawing/2010/main">
-                                <a:solidFill>
-                                  <a:srgbClr val="FFFFFF"/>
-                                </a:solidFill>
-                              </a14:hiddenFill>
-                            </a:ext>
-                          </a:extLst>
-                        </p:spPr>
-                      </p:pic>
-                    </p:oleObj>
-                  </mc:Fallback>
-                </mc:AlternateContent>
-              </a:graphicData>
-            </a:graphic>
-          </p:graphicFrame>
         </p:grpSp>
         <p:sp>
           <p:nvSpPr>
-            <p:cNvPr id="16" name="TextBox 15"/>
+            <p:cNvPr id="25" name="TextBox 24">
+              <a:extLst>
+                <a:ext uri="{FF2B5EF4-FFF2-40B4-BE49-F238E27FC236}">
+                  <a16:creationId xmlns:a16="http://schemas.microsoft.com/office/drawing/2014/main" id="{875FE3A1-AB52-4C96-92B6-CE4B253F9BF8}"/>
+                </a:ext>
+              </a:extLst>
+            </p:cNvPr>
             <p:cNvSpPr txBox="1"/>
             <p:nvPr/>
           </p:nvSpPr>
           <p:spPr>
             <a:xfrm>
-              <a:off x="2590800" y="4495800"/>
-              <a:ext cx="343609" cy="385626"/>
+              <a:off x="2399388" y="6275552"/>
+              <a:ext cx="402674" cy="338554"/>
             </a:xfrm>
             <a:prstGeom prst="rect">
               <a:avLst/>
@@ -11916,43 +12004,20 @@
             <a:lstStyle/>
             <a:p>
               <a:r>
-                <a:rPr lang="en-US" sz="1530" dirty="0">
+                <a:rPr lang="en-US" sz="1600" b="1" dirty="0">
                   <a:solidFill>
                     <a:schemeClr val="tx1">
-                      <a:lumMod val="65000"/>
-                      <a:lumOff val="35000"/>
+                      <a:lumMod val="50000"/>
+                      <a:lumOff val="50000"/>
                     </a:schemeClr>
                   </a:solidFill>
                 </a:rPr>
-                <a:t>B</a:t>
+                <a:t>X2</a:t>
               </a:r>
             </a:p>
           </p:txBody>
         </p:sp>
       </p:grpSp>
-      <p:sp>
-        <p:nvSpPr>
-          <p:cNvPr id="5" name="Slide Number Placeholder 4"/>
-          <p:cNvSpPr>
-            <a:spLocks noGrp="1"/>
-          </p:cNvSpPr>
-          <p:nvPr>
-            <p:ph type="sldNum" sz="quarter" idx="12"/>
-          </p:nvPr>
-        </p:nvSpPr>
-        <p:spPr/>
-        <p:txBody>
-          <a:bodyPr/>
-          <a:lstStyle/>
-          <a:p>
-            <a:fld id="{8A2A4A19-B384-42F8-8C0D-94C30AAB39F2}" type="slidenum">
-              <a:rPr lang="en-US" smtClean="0"/>
-              <a:t>6</a:t>
-            </a:fld>
-            <a:endParaRPr lang="en-US"/>
-          </a:p>
-        </p:txBody>
-      </p:sp>
     </p:spTree>
     <p:extLst>
       <p:ext uri="{BB962C8B-B14F-4D97-AF65-F5344CB8AC3E}">
